--- a/2022-04-07 Designing Monolith First/Monolith First Presentation.pptx
+++ b/2022-04-07 Designing Monolith First/Monolith First Presentation.pptx
@@ -17,17 +17,26 @@
     <p:sldId id="276" r:id="rId11"/>
     <p:sldId id="277" r:id="rId12"/>
     <p:sldId id="278" r:id="rId13"/>
-    <p:sldId id="270" r:id="rId14"/>
-    <p:sldId id="260" r:id="rId15"/>
-    <p:sldId id="261" r:id="rId16"/>
-    <p:sldId id="271" r:id="rId17"/>
-    <p:sldId id="262" r:id="rId18"/>
-    <p:sldId id="263" r:id="rId19"/>
-    <p:sldId id="264" r:id="rId20"/>
-    <p:sldId id="265" r:id="rId21"/>
-    <p:sldId id="266" r:id="rId22"/>
-    <p:sldId id="267" r:id="rId23"/>
-    <p:sldId id="268" r:id="rId24"/>
+    <p:sldId id="279" r:id="rId14"/>
+    <p:sldId id="280" r:id="rId15"/>
+    <p:sldId id="281" r:id="rId16"/>
+    <p:sldId id="282" r:id="rId17"/>
+    <p:sldId id="283" r:id="rId18"/>
+    <p:sldId id="287" r:id="rId19"/>
+    <p:sldId id="286" r:id="rId20"/>
+    <p:sldId id="284" r:id="rId21"/>
+    <p:sldId id="285" r:id="rId22"/>
+    <p:sldId id="270" r:id="rId23"/>
+    <p:sldId id="260" r:id="rId24"/>
+    <p:sldId id="261" r:id="rId25"/>
+    <p:sldId id="271" r:id="rId26"/>
+    <p:sldId id="262" r:id="rId27"/>
+    <p:sldId id="263" r:id="rId28"/>
+    <p:sldId id="264" r:id="rId29"/>
+    <p:sldId id="265" r:id="rId30"/>
+    <p:sldId id="266" r:id="rId31"/>
+    <p:sldId id="267" r:id="rId32"/>
+    <p:sldId id="268" r:id="rId33"/>
   </p:sldIdLst>
   <p:sldSz cx="12192000" cy="6858000"/>
   <p:notesSz cx="6858000" cy="9144000"/>
@@ -3504,7 +3513,7 @@
                 <a:latin typeface="Euclid Circular B" panose="020B0504000000000000" pitchFamily="34" charset="0"/>
                 <a:ea typeface="Euclid Circular B" panose="020B0504000000000000" pitchFamily="34" charset="0"/>
               </a:rPr>
-              <a:t>About me</a:t>
+              <a:t>ABP Framework: The community</a:t>
             </a:r>
           </a:p>
         </p:txBody>
@@ -3525,7 +3534,12 @@
             <p:ph idx="1"/>
           </p:nvPr>
         </p:nvSpPr>
-        <p:spPr/>
+        <p:spPr>
+          <a:xfrm>
+            <a:off x="838200" y="1825625"/>
+            <a:ext cx="4560736" cy="4351338"/>
+          </a:xfrm>
+        </p:spPr>
         <p:txBody>
           <a:bodyPr/>
           <a:lstStyle/>
@@ -3535,19 +3549,146 @@
                 <a:latin typeface="Euclid Circular B" panose="020B0504000000000000" pitchFamily="34" charset="0"/>
                 <a:ea typeface="Euclid Circular B" panose="020B0504000000000000" pitchFamily="34" charset="0"/>
               </a:rPr>
-              <a:t>TODO</a:t>
-            </a:r>
-            <a:r>
-              <a:rPr lang="en-US">
-                <a:latin typeface="Euclid Circular B" panose="020B0504000000000000" pitchFamily="34" charset="0"/>
-                <a:ea typeface="Euclid Circular B" panose="020B0504000000000000" pitchFamily="34" charset="0"/>
-              </a:rPr>
-              <a:t>: ...</a:t>
-            </a:r>
-            <a:endParaRPr lang="en-US" dirty="0">
-              <a:latin typeface="Euclid Circular B" panose="020B0504000000000000" pitchFamily="34" charset="0"/>
-              <a:ea typeface="Euclid Circular B" panose="020B0504000000000000" pitchFamily="34" charset="0"/>
-            </a:endParaRPr>
+              <a:t>GitHub</a:t>
+            </a:r>
+          </a:p>
+          <a:p>
+            <a:pPr lvl="1"/>
+            <a:r>
+              <a:rPr lang="en-US" dirty="0">
+                <a:latin typeface="Euclid Circular B" panose="020B0504000000000000" pitchFamily="34" charset="0"/>
+                <a:ea typeface="Euclid Circular B" panose="020B0504000000000000" pitchFamily="34" charset="0"/>
+              </a:rPr>
+              <a:t>8K stars</a:t>
+            </a:r>
+          </a:p>
+          <a:p>
+            <a:pPr lvl="1"/>
+            <a:r>
+              <a:rPr lang="en-US" dirty="0">
+                <a:latin typeface="Euclid Circular B" panose="020B0504000000000000" pitchFamily="34" charset="0"/>
+                <a:ea typeface="Euclid Circular B" panose="020B0504000000000000" pitchFamily="34" charset="0"/>
+              </a:rPr>
+              <a:t>23,000 commits</a:t>
+            </a:r>
+          </a:p>
+          <a:p>
+            <a:pPr lvl="1"/>
+            <a:r>
+              <a:rPr lang="en-US" dirty="0">
+                <a:latin typeface="Euclid Circular B" panose="020B0504000000000000" pitchFamily="34" charset="0"/>
+                <a:ea typeface="Euclid Circular B" panose="020B0504000000000000" pitchFamily="34" charset="0"/>
+              </a:rPr>
+              <a:t>231 contributors</a:t>
+            </a:r>
+          </a:p>
+          <a:p>
+            <a:pPr lvl="1"/>
+            <a:r>
+              <a:rPr lang="en-US" dirty="0">
+                <a:latin typeface="Euclid Circular B" panose="020B0504000000000000" pitchFamily="34" charset="0"/>
+                <a:ea typeface="Euclid Circular B" panose="020B0504000000000000" pitchFamily="34" charset="0"/>
+              </a:rPr>
+              <a:t>6,000 issues &amp; 5,000 PRs closed</a:t>
+            </a:r>
+          </a:p>
+          <a:p>
+            <a:r>
+              <a:rPr lang="en-US" dirty="0">
+                <a:latin typeface="Euclid Circular B" panose="020B0504000000000000" pitchFamily="34" charset="0"/>
+                <a:ea typeface="Euclid Circular B" panose="020B0504000000000000" pitchFamily="34" charset="0"/>
+              </a:rPr>
+              <a:t>NuGet</a:t>
+            </a:r>
+          </a:p>
+          <a:p>
+            <a:pPr lvl="1"/>
+            <a:r>
+              <a:rPr lang="en-US" dirty="0">
+                <a:latin typeface="Euclid Circular B" panose="020B0504000000000000" pitchFamily="34" charset="0"/>
+                <a:ea typeface="Euclid Circular B" panose="020B0504000000000000" pitchFamily="34" charset="0"/>
+              </a:rPr>
+              <a:t>125 releases</a:t>
+            </a:r>
+          </a:p>
+          <a:p>
+            <a:pPr lvl="1"/>
+            <a:r>
+              <a:rPr lang="en-US" dirty="0">
+                <a:latin typeface="Euclid Circular B" panose="020B0504000000000000" pitchFamily="34" charset="0"/>
+                <a:ea typeface="Euclid Circular B" panose="020B0504000000000000" pitchFamily="34" charset="0"/>
+              </a:rPr>
+              <a:t>5M downloads (only for the core package)</a:t>
+            </a:r>
+          </a:p>
+        </p:txBody>
+      </p:sp>
+      <p:pic>
+        <p:nvPicPr>
+          <p:cNvPr id="7" name="Picture 6">
+            <a:extLst>
+              <a:ext uri="{FF2B5EF4-FFF2-40B4-BE49-F238E27FC236}">
+                <a16:creationId xmlns:a16="http://schemas.microsoft.com/office/drawing/2014/main" id="{D9076E01-AD31-4B85-8755-3F4929EEEF7A}"/>
+              </a:ext>
+            </a:extLst>
+          </p:cNvPr>
+          <p:cNvPicPr>
+            <a:picLocks noChangeAspect="1"/>
+          </p:cNvPicPr>
+          <p:nvPr/>
+        </p:nvPicPr>
+        <p:blipFill>
+          <a:blip r:embed="rId3"/>
+          <a:stretch>
+            <a:fillRect/>
+          </a:stretch>
+        </p:blipFill>
+        <p:spPr>
+          <a:xfrm>
+            <a:off x="5587462" y="2412494"/>
+            <a:ext cx="6062267" cy="3462812"/>
+          </a:xfrm>
+          <a:prstGeom prst="rect">
+            <a:avLst/>
+          </a:prstGeom>
+        </p:spPr>
+      </p:pic>
+      <p:sp>
+        <p:nvSpPr>
+          <p:cNvPr id="8" name="TextBox 7">
+            <a:extLst>
+              <a:ext uri="{FF2B5EF4-FFF2-40B4-BE49-F238E27FC236}">
+                <a16:creationId xmlns:a16="http://schemas.microsoft.com/office/drawing/2014/main" id="{EDCB13E1-2911-496C-BAB3-BD4EDC5ACFCA}"/>
+              </a:ext>
+            </a:extLst>
+          </p:cNvPr>
+          <p:cNvSpPr txBox="1"/>
+          <p:nvPr/>
+        </p:nvSpPr>
+        <p:spPr>
+          <a:xfrm>
+            <a:off x="5587461" y="1766163"/>
+            <a:ext cx="6062267" cy="646331"/>
+          </a:xfrm>
+          <a:prstGeom prst="rect">
+            <a:avLst/>
+          </a:prstGeom>
+          <a:noFill/>
+        </p:spPr>
+        <p:txBody>
+          <a:bodyPr wrap="square" rtlCol="0">
+            <a:spAutoFit/>
+          </a:bodyPr>
+          <a:lstStyle/>
+          <a:p>
+            <a:pPr algn="ctr"/>
+            <a:r>
+              <a:rPr lang="en-US" sz="3600" dirty="0">
+                <a:latin typeface="Euclid Circular B" panose="020B0504000000000000" pitchFamily="34" charset="0"/>
+                <a:ea typeface="Euclid Circular B" panose="020B0504000000000000" pitchFamily="34" charset="0"/>
+              </a:rPr>
+              <a:t>ABP Community Talks</a:t>
+            </a:r>
           </a:p>
         </p:txBody>
       </p:sp>
@@ -3561,6 +3702,507 @@
   <p:clrMapOvr>
     <a:masterClrMapping/>
   </p:clrMapOvr>
+  <p:timing>
+    <p:tnLst>
+      <p:par>
+        <p:cTn id="1" dur="indefinite" restart="never" nodeType="tmRoot">
+          <p:childTnLst>
+            <p:seq concurrent="1" nextAc="seek">
+              <p:cTn id="2" dur="indefinite" nodeType="mainSeq">
+                <p:childTnLst>
+                  <p:par>
+                    <p:cTn id="3" fill="hold">
+                      <p:stCondLst>
+                        <p:cond delay="indefinite"/>
+                      </p:stCondLst>
+                      <p:childTnLst>
+                        <p:par>
+                          <p:cTn id="4" fill="hold">
+                            <p:stCondLst>
+                              <p:cond delay="0"/>
+                            </p:stCondLst>
+                            <p:childTnLst>
+                              <p:par>
+                                <p:cTn id="5" presetID="10" presetClass="entr" presetSubtype="0" fill="hold" nodeType="clickEffect">
+                                  <p:stCondLst>
+                                    <p:cond delay="0"/>
+                                  </p:stCondLst>
+                                  <p:childTnLst>
+                                    <p:set>
+                                      <p:cBhvr>
+                                        <p:cTn id="6" dur="1" fill="hold">
+                                          <p:stCondLst>
+                                            <p:cond delay="0"/>
+                                          </p:stCondLst>
+                                        </p:cTn>
+                                        <p:tgtEl>
+                                          <p:spTgt spid="3">
+                                            <p:txEl>
+                                              <p:pRg st="0" end="0"/>
+                                            </p:txEl>
+                                          </p:spTgt>
+                                        </p:tgtEl>
+                                        <p:attrNameLst>
+                                          <p:attrName>style.visibility</p:attrName>
+                                        </p:attrNameLst>
+                                      </p:cBhvr>
+                                      <p:to>
+                                        <p:strVal val="visible"/>
+                                      </p:to>
+                                    </p:set>
+                                    <p:animEffect transition="in" filter="fade">
+                                      <p:cBhvr>
+                                        <p:cTn id="7" dur="500"/>
+                                        <p:tgtEl>
+                                          <p:spTgt spid="3">
+                                            <p:txEl>
+                                              <p:pRg st="0" end="0"/>
+                                            </p:txEl>
+                                          </p:spTgt>
+                                        </p:tgtEl>
+                                      </p:cBhvr>
+                                    </p:animEffect>
+                                  </p:childTnLst>
+                                </p:cTn>
+                              </p:par>
+                              <p:par>
+                                <p:cTn id="8" presetID="10" presetClass="entr" presetSubtype="0" fill="hold" nodeType="withEffect">
+                                  <p:stCondLst>
+                                    <p:cond delay="0"/>
+                                  </p:stCondLst>
+                                  <p:childTnLst>
+                                    <p:set>
+                                      <p:cBhvr>
+                                        <p:cTn id="9" dur="1" fill="hold">
+                                          <p:stCondLst>
+                                            <p:cond delay="0"/>
+                                          </p:stCondLst>
+                                        </p:cTn>
+                                        <p:tgtEl>
+                                          <p:spTgt spid="3">
+                                            <p:txEl>
+                                              <p:pRg st="1" end="1"/>
+                                            </p:txEl>
+                                          </p:spTgt>
+                                        </p:tgtEl>
+                                        <p:attrNameLst>
+                                          <p:attrName>style.visibility</p:attrName>
+                                        </p:attrNameLst>
+                                      </p:cBhvr>
+                                      <p:to>
+                                        <p:strVal val="visible"/>
+                                      </p:to>
+                                    </p:set>
+                                    <p:animEffect transition="in" filter="fade">
+                                      <p:cBhvr>
+                                        <p:cTn id="10" dur="500"/>
+                                        <p:tgtEl>
+                                          <p:spTgt spid="3">
+                                            <p:txEl>
+                                              <p:pRg st="1" end="1"/>
+                                            </p:txEl>
+                                          </p:spTgt>
+                                        </p:tgtEl>
+                                      </p:cBhvr>
+                                    </p:animEffect>
+                                  </p:childTnLst>
+                                </p:cTn>
+                              </p:par>
+                              <p:par>
+                                <p:cTn id="11" presetID="10" presetClass="entr" presetSubtype="0" fill="hold" nodeType="withEffect">
+                                  <p:stCondLst>
+                                    <p:cond delay="0"/>
+                                  </p:stCondLst>
+                                  <p:childTnLst>
+                                    <p:set>
+                                      <p:cBhvr>
+                                        <p:cTn id="12" dur="1" fill="hold">
+                                          <p:stCondLst>
+                                            <p:cond delay="0"/>
+                                          </p:stCondLst>
+                                        </p:cTn>
+                                        <p:tgtEl>
+                                          <p:spTgt spid="3">
+                                            <p:txEl>
+                                              <p:pRg st="2" end="2"/>
+                                            </p:txEl>
+                                          </p:spTgt>
+                                        </p:tgtEl>
+                                        <p:attrNameLst>
+                                          <p:attrName>style.visibility</p:attrName>
+                                        </p:attrNameLst>
+                                      </p:cBhvr>
+                                      <p:to>
+                                        <p:strVal val="visible"/>
+                                      </p:to>
+                                    </p:set>
+                                    <p:animEffect transition="in" filter="fade">
+                                      <p:cBhvr>
+                                        <p:cTn id="13" dur="500"/>
+                                        <p:tgtEl>
+                                          <p:spTgt spid="3">
+                                            <p:txEl>
+                                              <p:pRg st="2" end="2"/>
+                                            </p:txEl>
+                                          </p:spTgt>
+                                        </p:tgtEl>
+                                      </p:cBhvr>
+                                    </p:animEffect>
+                                  </p:childTnLst>
+                                </p:cTn>
+                              </p:par>
+                              <p:par>
+                                <p:cTn id="14" presetID="10" presetClass="entr" presetSubtype="0" fill="hold" nodeType="withEffect">
+                                  <p:stCondLst>
+                                    <p:cond delay="0"/>
+                                  </p:stCondLst>
+                                  <p:childTnLst>
+                                    <p:set>
+                                      <p:cBhvr>
+                                        <p:cTn id="15" dur="1" fill="hold">
+                                          <p:stCondLst>
+                                            <p:cond delay="0"/>
+                                          </p:stCondLst>
+                                        </p:cTn>
+                                        <p:tgtEl>
+                                          <p:spTgt spid="3">
+                                            <p:txEl>
+                                              <p:pRg st="3" end="3"/>
+                                            </p:txEl>
+                                          </p:spTgt>
+                                        </p:tgtEl>
+                                        <p:attrNameLst>
+                                          <p:attrName>style.visibility</p:attrName>
+                                        </p:attrNameLst>
+                                      </p:cBhvr>
+                                      <p:to>
+                                        <p:strVal val="visible"/>
+                                      </p:to>
+                                    </p:set>
+                                    <p:animEffect transition="in" filter="fade">
+                                      <p:cBhvr>
+                                        <p:cTn id="16" dur="500"/>
+                                        <p:tgtEl>
+                                          <p:spTgt spid="3">
+                                            <p:txEl>
+                                              <p:pRg st="3" end="3"/>
+                                            </p:txEl>
+                                          </p:spTgt>
+                                        </p:tgtEl>
+                                      </p:cBhvr>
+                                    </p:animEffect>
+                                  </p:childTnLst>
+                                </p:cTn>
+                              </p:par>
+                              <p:par>
+                                <p:cTn id="17" presetID="10" presetClass="entr" presetSubtype="0" fill="hold" nodeType="withEffect">
+                                  <p:stCondLst>
+                                    <p:cond delay="0"/>
+                                  </p:stCondLst>
+                                  <p:childTnLst>
+                                    <p:set>
+                                      <p:cBhvr>
+                                        <p:cTn id="18" dur="1" fill="hold">
+                                          <p:stCondLst>
+                                            <p:cond delay="0"/>
+                                          </p:stCondLst>
+                                        </p:cTn>
+                                        <p:tgtEl>
+                                          <p:spTgt spid="3">
+                                            <p:txEl>
+                                              <p:pRg st="4" end="4"/>
+                                            </p:txEl>
+                                          </p:spTgt>
+                                        </p:tgtEl>
+                                        <p:attrNameLst>
+                                          <p:attrName>style.visibility</p:attrName>
+                                        </p:attrNameLst>
+                                      </p:cBhvr>
+                                      <p:to>
+                                        <p:strVal val="visible"/>
+                                      </p:to>
+                                    </p:set>
+                                    <p:animEffect transition="in" filter="fade">
+                                      <p:cBhvr>
+                                        <p:cTn id="19" dur="500"/>
+                                        <p:tgtEl>
+                                          <p:spTgt spid="3">
+                                            <p:txEl>
+                                              <p:pRg st="4" end="4"/>
+                                            </p:txEl>
+                                          </p:spTgt>
+                                        </p:tgtEl>
+                                      </p:cBhvr>
+                                    </p:animEffect>
+                                  </p:childTnLst>
+                                </p:cTn>
+                              </p:par>
+                            </p:childTnLst>
+                          </p:cTn>
+                        </p:par>
+                      </p:childTnLst>
+                    </p:cTn>
+                  </p:par>
+                  <p:par>
+                    <p:cTn id="20" fill="hold">
+                      <p:stCondLst>
+                        <p:cond delay="indefinite"/>
+                      </p:stCondLst>
+                      <p:childTnLst>
+                        <p:par>
+                          <p:cTn id="21" fill="hold">
+                            <p:stCondLst>
+                              <p:cond delay="0"/>
+                            </p:stCondLst>
+                            <p:childTnLst>
+                              <p:par>
+                                <p:cTn id="22" presetID="10" presetClass="entr" presetSubtype="0" fill="hold" nodeType="clickEffect">
+                                  <p:stCondLst>
+                                    <p:cond delay="0"/>
+                                  </p:stCondLst>
+                                  <p:childTnLst>
+                                    <p:set>
+                                      <p:cBhvr>
+                                        <p:cTn id="23" dur="1" fill="hold">
+                                          <p:stCondLst>
+                                            <p:cond delay="0"/>
+                                          </p:stCondLst>
+                                        </p:cTn>
+                                        <p:tgtEl>
+                                          <p:spTgt spid="3">
+                                            <p:txEl>
+                                              <p:pRg st="5" end="5"/>
+                                            </p:txEl>
+                                          </p:spTgt>
+                                        </p:tgtEl>
+                                        <p:attrNameLst>
+                                          <p:attrName>style.visibility</p:attrName>
+                                        </p:attrNameLst>
+                                      </p:cBhvr>
+                                      <p:to>
+                                        <p:strVal val="visible"/>
+                                      </p:to>
+                                    </p:set>
+                                    <p:animEffect transition="in" filter="fade">
+                                      <p:cBhvr>
+                                        <p:cTn id="24" dur="500"/>
+                                        <p:tgtEl>
+                                          <p:spTgt spid="3">
+                                            <p:txEl>
+                                              <p:pRg st="5" end="5"/>
+                                            </p:txEl>
+                                          </p:spTgt>
+                                        </p:tgtEl>
+                                      </p:cBhvr>
+                                    </p:animEffect>
+                                  </p:childTnLst>
+                                </p:cTn>
+                              </p:par>
+                              <p:par>
+                                <p:cTn id="25" presetID="10" presetClass="entr" presetSubtype="0" fill="hold" nodeType="withEffect">
+                                  <p:stCondLst>
+                                    <p:cond delay="0"/>
+                                  </p:stCondLst>
+                                  <p:childTnLst>
+                                    <p:set>
+                                      <p:cBhvr>
+                                        <p:cTn id="26" dur="1" fill="hold">
+                                          <p:stCondLst>
+                                            <p:cond delay="0"/>
+                                          </p:stCondLst>
+                                        </p:cTn>
+                                        <p:tgtEl>
+                                          <p:spTgt spid="3">
+                                            <p:txEl>
+                                              <p:pRg st="6" end="6"/>
+                                            </p:txEl>
+                                          </p:spTgt>
+                                        </p:tgtEl>
+                                        <p:attrNameLst>
+                                          <p:attrName>style.visibility</p:attrName>
+                                        </p:attrNameLst>
+                                      </p:cBhvr>
+                                      <p:to>
+                                        <p:strVal val="visible"/>
+                                      </p:to>
+                                    </p:set>
+                                    <p:animEffect transition="in" filter="fade">
+                                      <p:cBhvr>
+                                        <p:cTn id="27" dur="500"/>
+                                        <p:tgtEl>
+                                          <p:spTgt spid="3">
+                                            <p:txEl>
+                                              <p:pRg st="6" end="6"/>
+                                            </p:txEl>
+                                          </p:spTgt>
+                                        </p:tgtEl>
+                                      </p:cBhvr>
+                                    </p:animEffect>
+                                  </p:childTnLst>
+                                </p:cTn>
+                              </p:par>
+                              <p:par>
+                                <p:cTn id="28" presetID="10" presetClass="entr" presetSubtype="0" fill="hold" nodeType="withEffect">
+                                  <p:stCondLst>
+                                    <p:cond delay="0"/>
+                                  </p:stCondLst>
+                                  <p:childTnLst>
+                                    <p:set>
+                                      <p:cBhvr>
+                                        <p:cTn id="29" dur="1" fill="hold">
+                                          <p:stCondLst>
+                                            <p:cond delay="0"/>
+                                          </p:stCondLst>
+                                        </p:cTn>
+                                        <p:tgtEl>
+                                          <p:spTgt spid="3">
+                                            <p:txEl>
+                                              <p:pRg st="7" end="7"/>
+                                            </p:txEl>
+                                          </p:spTgt>
+                                        </p:tgtEl>
+                                        <p:attrNameLst>
+                                          <p:attrName>style.visibility</p:attrName>
+                                        </p:attrNameLst>
+                                      </p:cBhvr>
+                                      <p:to>
+                                        <p:strVal val="visible"/>
+                                      </p:to>
+                                    </p:set>
+                                    <p:animEffect transition="in" filter="fade">
+                                      <p:cBhvr>
+                                        <p:cTn id="30" dur="500"/>
+                                        <p:tgtEl>
+                                          <p:spTgt spid="3">
+                                            <p:txEl>
+                                              <p:pRg st="7" end="7"/>
+                                            </p:txEl>
+                                          </p:spTgt>
+                                        </p:tgtEl>
+                                      </p:cBhvr>
+                                    </p:animEffect>
+                                  </p:childTnLst>
+                                </p:cTn>
+                              </p:par>
+                            </p:childTnLst>
+                          </p:cTn>
+                        </p:par>
+                      </p:childTnLst>
+                    </p:cTn>
+                  </p:par>
+                  <p:par>
+                    <p:cTn id="31" fill="hold">
+                      <p:stCondLst>
+                        <p:cond delay="indefinite"/>
+                      </p:stCondLst>
+                      <p:childTnLst>
+                        <p:par>
+                          <p:cTn id="32" fill="hold">
+                            <p:stCondLst>
+                              <p:cond delay="0"/>
+                            </p:stCondLst>
+                            <p:childTnLst>
+                              <p:par>
+                                <p:cTn id="33" presetID="10" presetClass="entr" presetSubtype="0" fill="hold" grpId="0" nodeType="clickEffect">
+                                  <p:stCondLst>
+                                    <p:cond delay="0"/>
+                                  </p:stCondLst>
+                                  <p:childTnLst>
+                                    <p:set>
+                                      <p:cBhvr>
+                                        <p:cTn id="34" dur="1" fill="hold">
+                                          <p:stCondLst>
+                                            <p:cond delay="0"/>
+                                          </p:stCondLst>
+                                        </p:cTn>
+                                        <p:tgtEl>
+                                          <p:spTgt spid="8"/>
+                                        </p:tgtEl>
+                                        <p:attrNameLst>
+                                          <p:attrName>style.visibility</p:attrName>
+                                        </p:attrNameLst>
+                                      </p:cBhvr>
+                                      <p:to>
+                                        <p:strVal val="visible"/>
+                                      </p:to>
+                                    </p:set>
+                                    <p:animEffect transition="in" filter="fade">
+                                      <p:cBhvr>
+                                        <p:cTn id="35" dur="500"/>
+                                        <p:tgtEl>
+                                          <p:spTgt spid="8"/>
+                                        </p:tgtEl>
+                                      </p:cBhvr>
+                                    </p:animEffect>
+                                  </p:childTnLst>
+                                </p:cTn>
+                              </p:par>
+                              <p:par>
+                                <p:cTn id="36" presetID="10" presetClass="entr" presetSubtype="0" fill="hold" nodeType="withEffect">
+                                  <p:stCondLst>
+                                    <p:cond delay="0"/>
+                                  </p:stCondLst>
+                                  <p:childTnLst>
+                                    <p:set>
+                                      <p:cBhvr>
+                                        <p:cTn id="37" dur="1" fill="hold">
+                                          <p:stCondLst>
+                                            <p:cond delay="0"/>
+                                          </p:stCondLst>
+                                        </p:cTn>
+                                        <p:tgtEl>
+                                          <p:spTgt spid="7"/>
+                                        </p:tgtEl>
+                                        <p:attrNameLst>
+                                          <p:attrName>style.visibility</p:attrName>
+                                        </p:attrNameLst>
+                                      </p:cBhvr>
+                                      <p:to>
+                                        <p:strVal val="visible"/>
+                                      </p:to>
+                                    </p:set>
+                                    <p:animEffect transition="in" filter="fade">
+                                      <p:cBhvr>
+                                        <p:cTn id="38" dur="500"/>
+                                        <p:tgtEl>
+                                          <p:spTgt spid="7"/>
+                                        </p:tgtEl>
+                                      </p:cBhvr>
+                                    </p:animEffect>
+                                  </p:childTnLst>
+                                </p:cTn>
+                              </p:par>
+                            </p:childTnLst>
+                          </p:cTn>
+                        </p:par>
+                      </p:childTnLst>
+                    </p:cTn>
+                  </p:par>
+                </p:childTnLst>
+              </p:cTn>
+              <p:prevCondLst>
+                <p:cond evt="onPrev" delay="0">
+                  <p:tgtEl>
+                    <p:sldTgt/>
+                  </p:tgtEl>
+                </p:cond>
+              </p:prevCondLst>
+              <p:nextCondLst>
+                <p:cond evt="onNext" delay="0">
+                  <p:tgtEl>
+                    <p:sldTgt/>
+                  </p:tgtEl>
+                </p:cond>
+              </p:nextCondLst>
+            </p:seq>
+          </p:childTnLst>
+        </p:cTn>
+      </p:par>
+    </p:tnLst>
+    <p:bldLst>
+      <p:bldP spid="8" grpId="0"/>
+    </p:bldLst>
+  </p:timing>
 </p:sld>
 </file>
 
@@ -3624,53 +4266,41 @@
                 <a:latin typeface="Euclid Circular B" panose="020B0504000000000000" pitchFamily="34" charset="0"/>
                 <a:ea typeface="Euclid Circular B" panose="020B0504000000000000" pitchFamily="34" charset="0"/>
               </a:rPr>
-              <a:t>About me</a:t>
-            </a:r>
-          </a:p>
-        </p:txBody>
-      </p:sp>
-      <p:sp>
-        <p:nvSpPr>
-          <p:cNvPr id="3" name="Content Placeholder 2">
-            <a:extLst>
-              <a:ext uri="{FF2B5EF4-FFF2-40B4-BE49-F238E27FC236}">
-                <a16:creationId xmlns:a16="http://schemas.microsoft.com/office/drawing/2014/main" id="{891C7693-D3DF-4635-96F4-97F3B4136FDF}"/>
-              </a:ext>
-            </a:extLst>
-          </p:cNvPr>
-          <p:cNvSpPr>
-            <a:spLocks noGrp="1"/>
-          </p:cNvSpPr>
-          <p:nvPr>
-            <p:ph idx="1"/>
-          </p:nvPr>
-        </p:nvSpPr>
-        <p:spPr/>
-        <p:txBody>
-          <a:bodyPr/>
-          <a:lstStyle/>
-          <a:p>
-            <a:r>
-              <a:rPr lang="en-US" dirty="0">
-                <a:latin typeface="Euclid Circular B" panose="020B0504000000000000" pitchFamily="34" charset="0"/>
-                <a:ea typeface="Euclid Circular B" panose="020B0504000000000000" pitchFamily="34" charset="0"/>
-              </a:rPr>
-              <a:t>TODO</a:t>
-            </a:r>
-            <a:r>
-              <a:rPr lang="en-US">
-                <a:latin typeface="Euclid Circular B" panose="020B0504000000000000" pitchFamily="34" charset="0"/>
-                <a:ea typeface="Euclid Circular B" panose="020B0504000000000000" pitchFamily="34" charset="0"/>
-              </a:rPr>
-              <a:t>: ...</a:t>
-            </a:r>
-            <a:endParaRPr lang="en-US" dirty="0">
-              <a:latin typeface="Euclid Circular B" panose="020B0504000000000000" pitchFamily="34" charset="0"/>
-              <a:ea typeface="Euclid Circular B" panose="020B0504000000000000" pitchFamily="34" charset="0"/>
-            </a:endParaRPr>
-          </a:p>
-        </p:txBody>
-      </p:sp>
+              <a:t>ABP Framework: Books</a:t>
+            </a:r>
+          </a:p>
+        </p:txBody>
+      </p:sp>
+      <p:pic>
+        <p:nvPicPr>
+          <p:cNvPr id="7" name="Picture 6">
+            <a:extLst>
+              <a:ext uri="{FF2B5EF4-FFF2-40B4-BE49-F238E27FC236}">
+                <a16:creationId xmlns:a16="http://schemas.microsoft.com/office/drawing/2014/main" id="{7C9F7D82-97CE-434C-A740-FD1C1AAA97FF}"/>
+              </a:ext>
+            </a:extLst>
+          </p:cNvPr>
+          <p:cNvPicPr>
+            <a:picLocks noChangeAspect="1"/>
+          </p:cNvPicPr>
+          <p:nvPr/>
+        </p:nvPicPr>
+        <p:blipFill>
+          <a:blip r:embed="rId3"/>
+          <a:stretch>
+            <a:fillRect/>
+          </a:stretch>
+        </p:blipFill>
+        <p:spPr>
+          <a:xfrm>
+            <a:off x="1503182" y="1655781"/>
+            <a:ext cx="9185635" cy="4564949"/>
+          </a:xfrm>
+          <a:prstGeom prst="rect">
+            <a:avLst/>
+          </a:prstGeom>
+        </p:spPr>
+      </p:pic>
     </p:spTree>
     <p:extLst>
       <p:ext uri="{BB962C8B-B14F-4D97-AF65-F5344CB8AC3E}">
@@ -3737,6 +4367,16 @@
           <a:lstStyle/>
           <a:p>
             <a:r>
+              <a:rPr lang="en-US" b="1" dirty="0" err="1">
+                <a:solidFill>
+                  <a:srgbClr val="292D33"/>
+                </a:solidFill>
+                <a:latin typeface="Euclid Circular B" panose="020B0504000000000000" pitchFamily="34" charset="0"/>
+                <a:ea typeface="Euclid Circular B" panose="020B0504000000000000" pitchFamily="34" charset="0"/>
+              </a:rPr>
+              <a:t>eShopOnX</a:t>
+            </a:r>
+            <a:r>
               <a:rPr lang="en-US" b="1" dirty="0">
                 <a:solidFill>
                   <a:srgbClr val="292D33"/>
@@ -3744,50 +4384,848 @@
                 <a:latin typeface="Euclid Circular B" panose="020B0504000000000000" pitchFamily="34" charset="0"/>
                 <a:ea typeface="Euclid Circular B" panose="020B0504000000000000" pitchFamily="34" charset="0"/>
               </a:rPr>
-              <a:t>About me</a:t>
-            </a:r>
-          </a:p>
-        </p:txBody>
-      </p:sp>
-      <p:sp>
-        <p:nvSpPr>
-          <p:cNvPr id="3" name="Content Placeholder 2">
-            <a:extLst>
-              <a:ext uri="{FF2B5EF4-FFF2-40B4-BE49-F238E27FC236}">
-                <a16:creationId xmlns:a16="http://schemas.microsoft.com/office/drawing/2014/main" id="{891C7693-D3DF-4635-96F4-97F3B4136FDF}"/>
-              </a:ext>
-            </a:extLst>
-          </p:cNvPr>
-          <p:cNvSpPr>
-            <a:spLocks noGrp="1"/>
-          </p:cNvSpPr>
-          <p:nvPr>
-            <p:ph idx="1"/>
-          </p:nvPr>
-        </p:nvSpPr>
-        <p:spPr/>
-        <p:txBody>
-          <a:bodyPr/>
+              <a:t> projects</a:t>
+            </a:r>
+          </a:p>
+        </p:txBody>
+      </p:sp>
+      <p:sp>
+        <p:nvSpPr>
+          <p:cNvPr id="6" name="Rectangle 5">
+            <a:extLst>
+              <a:ext uri="{FF2B5EF4-FFF2-40B4-BE49-F238E27FC236}">
+                <a16:creationId xmlns:a16="http://schemas.microsoft.com/office/drawing/2014/main" id="{EDAA7A96-BF3F-48C0-8A20-F858D602539C}"/>
+              </a:ext>
+            </a:extLst>
+          </p:cNvPr>
+          <p:cNvSpPr/>
+          <p:nvPr/>
+        </p:nvSpPr>
+        <p:spPr>
+          <a:xfrm>
+            <a:off x="909444" y="1675586"/>
+            <a:ext cx="3296795" cy="1325563"/>
+          </a:xfrm>
+          <a:prstGeom prst="rect">
+            <a:avLst/>
+          </a:prstGeom>
+        </p:spPr>
+        <p:style>
+          <a:lnRef idx="0">
+            <a:schemeClr val="accent5"/>
+          </a:lnRef>
+          <a:fillRef idx="3">
+            <a:schemeClr val="accent5"/>
+          </a:fillRef>
+          <a:effectRef idx="3">
+            <a:schemeClr val="accent5"/>
+          </a:effectRef>
+          <a:fontRef idx="minor">
+            <a:schemeClr val="lt1"/>
+          </a:fontRef>
+        </p:style>
+        <p:txBody>
+          <a:bodyPr rtlCol="0" anchor="ctr"/>
           <a:lstStyle/>
           <a:p>
+            <a:pPr algn="ctr"/>
+            <a:r>
+              <a:rPr lang="en-US" sz="2400" dirty="0" err="1">
+                <a:latin typeface="Euclid Circular B" panose="020B0504000000000000" pitchFamily="34" charset="0"/>
+                <a:ea typeface="Euclid Circular B" panose="020B0504000000000000" pitchFamily="34" charset="0"/>
+              </a:rPr>
+              <a:t>eShopOn</a:t>
+            </a:r>
+            <a:r>
+              <a:rPr lang="en-US" sz="2400" b="1" dirty="0" err="1">
+                <a:latin typeface="Euclid Circular B" panose="020B0504000000000000" pitchFamily="34" charset="0"/>
+                <a:ea typeface="Euclid Circular B" panose="020B0504000000000000" pitchFamily="34" charset="0"/>
+              </a:rPr>
+              <a:t>Containers</a:t>
+            </a:r>
+            <a:br>
+              <a:rPr lang="en-US" sz="2400" b="1" dirty="0">
+                <a:latin typeface="Euclid Circular B" panose="020B0504000000000000" pitchFamily="34" charset="0"/>
+                <a:ea typeface="Euclid Circular B" panose="020B0504000000000000" pitchFamily="34" charset="0"/>
+              </a:rPr>
+            </a:br>
             <a:r>
               <a:rPr lang="en-US" dirty="0">
                 <a:latin typeface="Euclid Circular B" panose="020B0504000000000000" pitchFamily="34" charset="0"/>
                 <a:ea typeface="Euclid Circular B" panose="020B0504000000000000" pitchFamily="34" charset="0"/>
               </a:rPr>
-              <a:t>TODO</a:t>
-            </a:r>
-            <a:r>
-              <a:rPr lang="en-US">
-                <a:latin typeface="Euclid Circular B" panose="020B0504000000000000" pitchFamily="34" charset="0"/>
-                <a:ea typeface="Euclid Circular B" panose="020B0504000000000000" pitchFamily="34" charset="0"/>
-              </a:rPr>
-              <a:t>: ...</a:t>
+              <a:t>(by Microsoft)</a:t>
+            </a:r>
+            <a:br>
+              <a:rPr lang="en-US" dirty="0">
+                <a:latin typeface="Euclid Circular B" panose="020B0504000000000000" pitchFamily="34" charset="0"/>
+                <a:ea typeface="Euclid Circular B" panose="020B0504000000000000" pitchFamily="34" charset="0"/>
+              </a:rPr>
+            </a:br>
+            <a:br>
+              <a:rPr lang="en-US" dirty="0">
+                <a:latin typeface="Euclid Circular B" panose="020B0504000000000000" pitchFamily="34" charset="0"/>
+                <a:ea typeface="Euclid Circular B" panose="020B0504000000000000" pitchFamily="34" charset="0"/>
+              </a:rPr>
+            </a:br>
+            <a:r>
+              <a:rPr lang="en-US" sz="800" dirty="0">
+                <a:latin typeface="Euclid Circular B" panose="020B0504000000000000" pitchFamily="34" charset="0"/>
+                <a:ea typeface="Euclid Circular B" panose="020B0504000000000000" pitchFamily="34" charset="0"/>
+              </a:rPr>
+              <a:t>https://github.com/dotnet-architecture/eShopOnDapr</a:t>
+            </a:r>
+          </a:p>
+        </p:txBody>
+      </p:sp>
+      <p:sp>
+        <p:nvSpPr>
+          <p:cNvPr id="7" name="Rectangle 6">
+            <a:extLst>
+              <a:ext uri="{FF2B5EF4-FFF2-40B4-BE49-F238E27FC236}">
+                <a16:creationId xmlns:a16="http://schemas.microsoft.com/office/drawing/2014/main" id="{D1387E04-8268-43D2-BA0B-C8495CB6CB62}"/>
+              </a:ext>
+            </a:extLst>
+          </p:cNvPr>
+          <p:cNvSpPr/>
+          <p:nvPr/>
+        </p:nvSpPr>
+        <p:spPr>
+          <a:xfrm>
+            <a:off x="909444" y="3172496"/>
+            <a:ext cx="3296795" cy="1325564"/>
+          </a:xfrm>
+          <a:prstGeom prst="rect">
+            <a:avLst/>
+          </a:prstGeom>
+        </p:spPr>
+        <p:style>
+          <a:lnRef idx="0">
+            <a:schemeClr val="accent5"/>
+          </a:lnRef>
+          <a:fillRef idx="3">
+            <a:schemeClr val="accent5"/>
+          </a:fillRef>
+          <a:effectRef idx="3">
+            <a:schemeClr val="accent5"/>
+          </a:effectRef>
+          <a:fontRef idx="minor">
+            <a:schemeClr val="lt1"/>
+          </a:fontRef>
+        </p:style>
+        <p:txBody>
+          <a:bodyPr rtlCol="0" anchor="ctr"/>
+          <a:lstStyle/>
+          <a:p>
+            <a:pPr algn="ctr"/>
+            <a:r>
+              <a:rPr lang="en-US" sz="2400" dirty="0" err="1">
+                <a:latin typeface="Euclid Circular B" panose="020B0504000000000000" pitchFamily="34" charset="0"/>
+                <a:ea typeface="Euclid Circular B" panose="020B0504000000000000" pitchFamily="34" charset="0"/>
+              </a:rPr>
+              <a:t>eShopOn</a:t>
+            </a:r>
+            <a:r>
+              <a:rPr lang="en-US" sz="2400" b="1" dirty="0" err="1">
+                <a:latin typeface="Euclid Circular B" panose="020B0504000000000000" pitchFamily="34" charset="0"/>
+                <a:ea typeface="Euclid Circular B" panose="020B0504000000000000" pitchFamily="34" charset="0"/>
+              </a:rPr>
+              <a:t>Dapr</a:t>
+            </a:r>
+            <a:br>
+              <a:rPr lang="en-US" sz="2400" b="1" dirty="0">
+                <a:latin typeface="Euclid Circular B" panose="020B0504000000000000" pitchFamily="34" charset="0"/>
+                <a:ea typeface="Euclid Circular B" panose="020B0504000000000000" pitchFamily="34" charset="0"/>
+              </a:rPr>
+            </a:br>
+            <a:r>
+              <a:rPr lang="en-US" dirty="0">
+                <a:latin typeface="Euclid Circular B" panose="020B0504000000000000" pitchFamily="34" charset="0"/>
+                <a:ea typeface="Euclid Circular B" panose="020B0504000000000000" pitchFamily="34" charset="0"/>
+              </a:rPr>
+              <a:t>(by Microsoft)</a:t>
+            </a:r>
+            <a:br>
+              <a:rPr lang="en-US" dirty="0">
+                <a:latin typeface="Euclid Circular B" panose="020B0504000000000000" pitchFamily="34" charset="0"/>
+                <a:ea typeface="Euclid Circular B" panose="020B0504000000000000" pitchFamily="34" charset="0"/>
+              </a:rPr>
+            </a:br>
+            <a:br>
+              <a:rPr lang="en-US" dirty="0">
+                <a:latin typeface="Euclid Circular B" panose="020B0504000000000000" pitchFamily="34" charset="0"/>
+                <a:ea typeface="Euclid Circular B" panose="020B0504000000000000" pitchFamily="34" charset="0"/>
+              </a:rPr>
+            </a:br>
+            <a:r>
+              <a:rPr lang="en-US" sz="800" dirty="0">
+                <a:latin typeface="Euclid Circular B" panose="020B0504000000000000" pitchFamily="34" charset="0"/>
+                <a:ea typeface="Euclid Circular B" panose="020B0504000000000000" pitchFamily="34" charset="0"/>
+              </a:rPr>
+              <a:t>https://github.com/dotnet-architecture/eShopOnDapr</a:t>
             </a:r>
             <a:endParaRPr lang="en-US" dirty="0">
               <a:latin typeface="Euclid Circular B" panose="020B0504000000000000" pitchFamily="34" charset="0"/>
               <a:ea typeface="Euclid Circular B" panose="020B0504000000000000" pitchFamily="34" charset="0"/>
             </a:endParaRPr>
+          </a:p>
+        </p:txBody>
+      </p:sp>
+      <p:sp>
+        <p:nvSpPr>
+          <p:cNvPr id="8" name="Rectangle 7">
+            <a:extLst>
+              <a:ext uri="{FF2B5EF4-FFF2-40B4-BE49-F238E27FC236}">
+                <a16:creationId xmlns:a16="http://schemas.microsoft.com/office/drawing/2014/main" id="{EA92A761-F495-46E3-A9D8-07991FE3B346}"/>
+              </a:ext>
+            </a:extLst>
+          </p:cNvPr>
+          <p:cNvSpPr/>
+          <p:nvPr/>
+        </p:nvSpPr>
+        <p:spPr>
+          <a:xfrm>
+            <a:off x="909444" y="4669408"/>
+            <a:ext cx="3296795" cy="1325564"/>
+          </a:xfrm>
+          <a:prstGeom prst="rect">
+            <a:avLst/>
+          </a:prstGeom>
+        </p:spPr>
+        <p:style>
+          <a:lnRef idx="0">
+            <a:schemeClr val="accent1"/>
+          </a:lnRef>
+          <a:fillRef idx="3">
+            <a:schemeClr val="accent1"/>
+          </a:fillRef>
+          <a:effectRef idx="3">
+            <a:schemeClr val="accent1"/>
+          </a:effectRef>
+          <a:fontRef idx="minor">
+            <a:schemeClr val="lt1"/>
+          </a:fontRef>
+        </p:style>
+        <p:txBody>
+          <a:bodyPr rtlCol="0" anchor="ctr"/>
+          <a:lstStyle/>
+          <a:p>
+            <a:pPr algn="ctr"/>
+            <a:r>
+              <a:rPr lang="en-US" sz="2400" dirty="0" err="1">
+                <a:latin typeface="Euclid Circular B" panose="020B0504000000000000" pitchFamily="34" charset="0"/>
+                <a:ea typeface="Euclid Circular B" panose="020B0504000000000000" pitchFamily="34" charset="0"/>
+              </a:rPr>
+              <a:t>eShopOn</a:t>
+            </a:r>
+            <a:r>
+              <a:rPr lang="en-US" sz="2400" b="1" dirty="0" err="1">
+                <a:latin typeface="Euclid Circular B" panose="020B0504000000000000" pitchFamily="34" charset="0"/>
+                <a:ea typeface="Euclid Circular B" panose="020B0504000000000000" pitchFamily="34" charset="0"/>
+              </a:rPr>
+              <a:t>Abp</a:t>
+            </a:r>
+            <a:br>
+              <a:rPr lang="en-US" sz="2400" b="1" dirty="0">
+                <a:latin typeface="Euclid Circular B" panose="020B0504000000000000" pitchFamily="34" charset="0"/>
+                <a:ea typeface="Euclid Circular B" panose="020B0504000000000000" pitchFamily="34" charset="0"/>
+              </a:rPr>
+            </a:br>
+            <a:r>
+              <a:rPr lang="en-US" dirty="0">
+                <a:latin typeface="Euclid Circular B" panose="020B0504000000000000" pitchFamily="34" charset="0"/>
+                <a:ea typeface="Euclid Circular B" panose="020B0504000000000000" pitchFamily="34" charset="0"/>
+              </a:rPr>
+              <a:t>(by </a:t>
+            </a:r>
+            <a:r>
+              <a:rPr lang="en-US" dirty="0" err="1">
+                <a:latin typeface="Euclid Circular B" panose="020B0504000000000000" pitchFamily="34" charset="0"/>
+                <a:ea typeface="Euclid Circular B" panose="020B0504000000000000" pitchFamily="34" charset="0"/>
+              </a:rPr>
+              <a:t>Volosoft</a:t>
+            </a:r>
+            <a:r>
+              <a:rPr lang="en-US" dirty="0">
+                <a:latin typeface="Euclid Circular B" panose="020B0504000000000000" pitchFamily="34" charset="0"/>
+                <a:ea typeface="Euclid Circular B" panose="020B0504000000000000" pitchFamily="34" charset="0"/>
+              </a:rPr>
+              <a:t>)</a:t>
+            </a:r>
+            <a:br>
+              <a:rPr lang="en-US" dirty="0">
+                <a:latin typeface="Euclid Circular B" panose="020B0504000000000000" pitchFamily="34" charset="0"/>
+                <a:ea typeface="Euclid Circular B" panose="020B0504000000000000" pitchFamily="34" charset="0"/>
+              </a:rPr>
+            </a:br>
+            <a:br>
+              <a:rPr lang="en-US" dirty="0">
+                <a:latin typeface="Euclid Circular B" panose="020B0504000000000000" pitchFamily="34" charset="0"/>
+                <a:ea typeface="Euclid Circular B" panose="020B0504000000000000" pitchFamily="34" charset="0"/>
+              </a:rPr>
+            </a:br>
+            <a:r>
+              <a:rPr lang="en-US" sz="800" dirty="0">
+                <a:latin typeface="Euclid Circular B" panose="020B0504000000000000" pitchFamily="34" charset="0"/>
+                <a:ea typeface="Euclid Circular B" panose="020B0504000000000000" pitchFamily="34" charset="0"/>
+              </a:rPr>
+              <a:t>https://github.com/abpframework/eShopOnAbp</a:t>
+            </a:r>
+          </a:p>
+        </p:txBody>
+      </p:sp>
+      <p:sp>
+        <p:nvSpPr>
+          <p:cNvPr id="9" name="Content Placeholder 2">
+            <a:extLst>
+              <a:ext uri="{FF2B5EF4-FFF2-40B4-BE49-F238E27FC236}">
+                <a16:creationId xmlns:a16="http://schemas.microsoft.com/office/drawing/2014/main" id="{BC8652B7-A796-4A89-B59A-6C1448D1A259}"/>
+              </a:ext>
+            </a:extLst>
+          </p:cNvPr>
+          <p:cNvSpPr>
+            <a:spLocks noGrp="1"/>
+          </p:cNvSpPr>
+          <p:nvPr>
+            <p:ph idx="1"/>
+          </p:nvPr>
+        </p:nvSpPr>
+        <p:spPr>
+          <a:xfrm>
+            <a:off x="4428875" y="1675585"/>
+            <a:ext cx="7315201" cy="1325563"/>
+          </a:xfrm>
+        </p:spPr>
+        <p:txBody>
+          <a:bodyPr anchor="ctr">
+            <a:noAutofit/>
+          </a:bodyPr>
+          <a:lstStyle/>
+          <a:p>
+            <a:pPr marL="0" indent="0">
+              <a:buNone/>
+            </a:pPr>
+            <a:r>
+              <a:rPr lang="en-US" sz="2200" dirty="0">
+                <a:latin typeface="Euclid Circular B" panose="020B0504000000000000" pitchFamily="34" charset="0"/>
+                <a:ea typeface="Euclid Circular B" panose="020B0504000000000000" pitchFamily="34" charset="0"/>
+              </a:rPr>
+              <a:t>Simplified and containerized microservice example</a:t>
+            </a:r>
+          </a:p>
+          <a:p>
+            <a:pPr marL="0" indent="0">
+              <a:buNone/>
+            </a:pPr>
+            <a:r>
+              <a:rPr lang="en-US" sz="2200" dirty="0">
+                <a:latin typeface="Euclid Circular B" panose="020B0504000000000000" pitchFamily="34" charset="0"/>
+                <a:ea typeface="Euclid Circular B" panose="020B0504000000000000" pitchFamily="34" charset="0"/>
+              </a:rPr>
+              <a:t>Show drafts of different architectural patterns</a:t>
+            </a:r>
+          </a:p>
+          <a:p>
+            <a:pPr marL="0" indent="0">
+              <a:buNone/>
+            </a:pPr>
+            <a:r>
+              <a:rPr lang="en-US" sz="2200" b="1" dirty="0">
+                <a:latin typeface="Euclid Circular B" panose="020B0504000000000000" pitchFamily="34" charset="0"/>
+                <a:ea typeface="Euclid Circular B" panose="020B0504000000000000" pitchFamily="34" charset="0"/>
+              </a:rPr>
+              <a:t>Not production ready</a:t>
+            </a:r>
+          </a:p>
+        </p:txBody>
+      </p:sp>
+      <p:sp>
+        <p:nvSpPr>
+          <p:cNvPr id="12" name="Content Placeholder 2">
+            <a:extLst>
+              <a:ext uri="{FF2B5EF4-FFF2-40B4-BE49-F238E27FC236}">
+                <a16:creationId xmlns:a16="http://schemas.microsoft.com/office/drawing/2014/main" id="{AEF424A3-DDE9-4917-B101-1E60B12D563E}"/>
+              </a:ext>
+            </a:extLst>
+          </p:cNvPr>
+          <p:cNvSpPr txBox="1">
+            <a:spLocks/>
+          </p:cNvSpPr>
+          <p:nvPr/>
+        </p:nvSpPr>
+        <p:spPr>
+          <a:xfrm>
+            <a:off x="4428875" y="3172496"/>
+            <a:ext cx="7315201" cy="1325563"/>
+          </a:xfrm>
+          <a:prstGeom prst="rect">
+            <a:avLst/>
+          </a:prstGeom>
+        </p:spPr>
+        <p:txBody>
+          <a:bodyPr vert="horz" lIns="91440" tIns="45720" rIns="91440" bIns="45720" rtlCol="0" anchor="ctr">
+            <a:noAutofit/>
+          </a:bodyPr>
+          <a:lstStyle>
+            <a:lvl1pPr marL="228600" indent="-228600" algn="l" defTabSz="914400" rtl="0" eaLnBrk="1" latinLnBrk="0" hangingPunct="1">
+              <a:lnSpc>
+                <a:spcPct val="90000"/>
+              </a:lnSpc>
+              <a:spcBef>
+                <a:spcPts val="1000"/>
+              </a:spcBef>
+              <a:buFont typeface="Arial" panose="020B0604020202020204" pitchFamily="34" charset="0"/>
+              <a:buChar char="•"/>
+              <a:defRPr sz="2800" kern="1200">
+                <a:solidFill>
+                  <a:schemeClr val="tx1"/>
+                </a:solidFill>
+                <a:latin typeface="+mn-lt"/>
+                <a:ea typeface="+mn-ea"/>
+                <a:cs typeface="+mn-cs"/>
+              </a:defRPr>
+            </a:lvl1pPr>
+            <a:lvl2pPr marL="685800" indent="-228600" algn="l" defTabSz="914400" rtl="0" eaLnBrk="1" latinLnBrk="0" hangingPunct="1">
+              <a:lnSpc>
+                <a:spcPct val="90000"/>
+              </a:lnSpc>
+              <a:spcBef>
+                <a:spcPts val="500"/>
+              </a:spcBef>
+              <a:buFont typeface="Arial" panose="020B0604020202020204" pitchFamily="34" charset="0"/>
+              <a:buChar char="•"/>
+              <a:defRPr sz="2400" kern="1200">
+                <a:solidFill>
+                  <a:schemeClr val="tx1"/>
+                </a:solidFill>
+                <a:latin typeface="+mn-lt"/>
+                <a:ea typeface="+mn-ea"/>
+                <a:cs typeface="+mn-cs"/>
+              </a:defRPr>
+            </a:lvl2pPr>
+            <a:lvl3pPr marL="1143000" indent="-228600" algn="l" defTabSz="914400" rtl="0" eaLnBrk="1" latinLnBrk="0" hangingPunct="1">
+              <a:lnSpc>
+                <a:spcPct val="90000"/>
+              </a:lnSpc>
+              <a:spcBef>
+                <a:spcPts val="500"/>
+              </a:spcBef>
+              <a:buFont typeface="Arial" panose="020B0604020202020204" pitchFamily="34" charset="0"/>
+              <a:buChar char="•"/>
+              <a:defRPr sz="2000" kern="1200">
+                <a:solidFill>
+                  <a:schemeClr val="tx1"/>
+                </a:solidFill>
+                <a:latin typeface="+mn-lt"/>
+                <a:ea typeface="+mn-ea"/>
+                <a:cs typeface="+mn-cs"/>
+              </a:defRPr>
+            </a:lvl3pPr>
+            <a:lvl4pPr marL="1600200" indent="-228600" algn="l" defTabSz="914400" rtl="0" eaLnBrk="1" latinLnBrk="0" hangingPunct="1">
+              <a:lnSpc>
+                <a:spcPct val="90000"/>
+              </a:lnSpc>
+              <a:spcBef>
+                <a:spcPts val="500"/>
+              </a:spcBef>
+              <a:buFont typeface="Arial" panose="020B0604020202020204" pitchFamily="34" charset="0"/>
+              <a:buChar char="•"/>
+              <a:defRPr sz="1800" kern="1200">
+                <a:solidFill>
+                  <a:schemeClr val="tx1"/>
+                </a:solidFill>
+                <a:latin typeface="+mn-lt"/>
+                <a:ea typeface="+mn-ea"/>
+                <a:cs typeface="+mn-cs"/>
+              </a:defRPr>
+            </a:lvl4pPr>
+            <a:lvl5pPr marL="2057400" indent="-228600" algn="l" defTabSz="914400" rtl="0" eaLnBrk="1" latinLnBrk="0" hangingPunct="1">
+              <a:lnSpc>
+                <a:spcPct val="90000"/>
+              </a:lnSpc>
+              <a:spcBef>
+                <a:spcPts val="500"/>
+              </a:spcBef>
+              <a:buFont typeface="Arial" panose="020B0604020202020204" pitchFamily="34" charset="0"/>
+              <a:buChar char="•"/>
+              <a:defRPr sz="1800" kern="1200">
+                <a:solidFill>
+                  <a:schemeClr val="tx1"/>
+                </a:solidFill>
+                <a:latin typeface="+mn-lt"/>
+                <a:ea typeface="+mn-ea"/>
+                <a:cs typeface="+mn-cs"/>
+              </a:defRPr>
+            </a:lvl5pPr>
+            <a:lvl6pPr marL="2514600" indent="-228600" algn="l" defTabSz="914400" rtl="0" eaLnBrk="1" latinLnBrk="0" hangingPunct="1">
+              <a:lnSpc>
+                <a:spcPct val="90000"/>
+              </a:lnSpc>
+              <a:spcBef>
+                <a:spcPts val="500"/>
+              </a:spcBef>
+              <a:buFont typeface="Arial" panose="020B0604020202020204" pitchFamily="34" charset="0"/>
+              <a:buChar char="•"/>
+              <a:defRPr sz="1800" kern="1200">
+                <a:solidFill>
+                  <a:schemeClr val="tx1"/>
+                </a:solidFill>
+                <a:latin typeface="+mn-lt"/>
+                <a:ea typeface="+mn-ea"/>
+                <a:cs typeface="+mn-cs"/>
+              </a:defRPr>
+            </a:lvl6pPr>
+            <a:lvl7pPr marL="2971800" indent="-228600" algn="l" defTabSz="914400" rtl="0" eaLnBrk="1" latinLnBrk="0" hangingPunct="1">
+              <a:lnSpc>
+                <a:spcPct val="90000"/>
+              </a:lnSpc>
+              <a:spcBef>
+                <a:spcPts val="500"/>
+              </a:spcBef>
+              <a:buFont typeface="Arial" panose="020B0604020202020204" pitchFamily="34" charset="0"/>
+              <a:buChar char="•"/>
+              <a:defRPr sz="1800" kern="1200">
+                <a:solidFill>
+                  <a:schemeClr val="tx1"/>
+                </a:solidFill>
+                <a:latin typeface="+mn-lt"/>
+                <a:ea typeface="+mn-ea"/>
+                <a:cs typeface="+mn-cs"/>
+              </a:defRPr>
+            </a:lvl7pPr>
+            <a:lvl8pPr marL="3429000" indent="-228600" algn="l" defTabSz="914400" rtl="0" eaLnBrk="1" latinLnBrk="0" hangingPunct="1">
+              <a:lnSpc>
+                <a:spcPct val="90000"/>
+              </a:lnSpc>
+              <a:spcBef>
+                <a:spcPts val="500"/>
+              </a:spcBef>
+              <a:buFont typeface="Arial" panose="020B0604020202020204" pitchFamily="34" charset="0"/>
+              <a:buChar char="•"/>
+              <a:defRPr sz="1800" kern="1200">
+                <a:solidFill>
+                  <a:schemeClr val="tx1"/>
+                </a:solidFill>
+                <a:latin typeface="+mn-lt"/>
+                <a:ea typeface="+mn-ea"/>
+                <a:cs typeface="+mn-cs"/>
+              </a:defRPr>
+            </a:lvl8pPr>
+            <a:lvl9pPr marL="3886200" indent="-228600" algn="l" defTabSz="914400" rtl="0" eaLnBrk="1" latinLnBrk="0" hangingPunct="1">
+              <a:lnSpc>
+                <a:spcPct val="90000"/>
+              </a:lnSpc>
+              <a:spcBef>
+                <a:spcPts val="500"/>
+              </a:spcBef>
+              <a:buFont typeface="Arial" panose="020B0604020202020204" pitchFamily="34" charset="0"/>
+              <a:buChar char="•"/>
+              <a:defRPr sz="1800" kern="1200">
+                <a:solidFill>
+                  <a:schemeClr val="tx1"/>
+                </a:solidFill>
+                <a:latin typeface="+mn-lt"/>
+                <a:ea typeface="+mn-ea"/>
+                <a:cs typeface="+mn-cs"/>
+              </a:defRPr>
+            </a:lvl9pPr>
+          </a:lstStyle>
+          <a:p>
+            <a:pPr marL="0" indent="0">
+              <a:buFont typeface="Arial" panose="020B0604020202020204" pitchFamily="34" charset="0"/>
+              <a:buNone/>
+            </a:pPr>
+            <a:r>
+              <a:rPr lang="en-US" sz="2200" dirty="0">
+                <a:latin typeface="Euclid Circular B" panose="020B0504000000000000" pitchFamily="34" charset="0"/>
+                <a:ea typeface="Euclid Circular B" panose="020B0504000000000000" pitchFamily="34" charset="0"/>
+              </a:rPr>
+              <a:t>Based on </a:t>
+            </a:r>
+            <a:r>
+              <a:rPr lang="en-US" sz="2200" dirty="0" err="1">
+                <a:latin typeface="Euclid Circular B" panose="020B0504000000000000" pitchFamily="34" charset="0"/>
+                <a:ea typeface="Euclid Circular B" panose="020B0504000000000000" pitchFamily="34" charset="0"/>
+              </a:rPr>
+              <a:t>eShopOnContainers</a:t>
+            </a:r>
+            <a:r>
+              <a:rPr lang="en-US" sz="2200" dirty="0">
+                <a:latin typeface="Euclid Circular B" panose="020B0504000000000000" pitchFamily="34" charset="0"/>
+                <a:ea typeface="Euclid Circular B" panose="020B0504000000000000" pitchFamily="34" charset="0"/>
+              </a:rPr>
+              <a:t>, powered by </a:t>
+            </a:r>
+            <a:r>
+              <a:rPr lang="en-US" sz="2200" dirty="0" err="1">
+                <a:latin typeface="Euclid Circular B" panose="020B0504000000000000" pitchFamily="34" charset="0"/>
+                <a:ea typeface="Euclid Circular B" panose="020B0504000000000000" pitchFamily="34" charset="0"/>
+              </a:rPr>
+              <a:t>Dapr</a:t>
+            </a:r>
+            <a:endParaRPr lang="en-US" sz="2200" dirty="0">
+              <a:latin typeface="Euclid Circular B" panose="020B0504000000000000" pitchFamily="34" charset="0"/>
+              <a:ea typeface="Euclid Circular B" panose="020B0504000000000000" pitchFamily="34" charset="0"/>
+            </a:endParaRPr>
+          </a:p>
+          <a:p>
+            <a:pPr marL="0" indent="0">
+              <a:buFont typeface="Arial" panose="020B0604020202020204" pitchFamily="34" charset="0"/>
+              <a:buNone/>
+            </a:pPr>
+            <a:r>
+              <a:rPr lang="en-US" sz="2200" dirty="0">
+                <a:latin typeface="Euclid Circular B" panose="020B0504000000000000" pitchFamily="34" charset="0"/>
+                <a:ea typeface="Euclid Circular B" panose="020B0504000000000000" pitchFamily="34" charset="0"/>
+              </a:rPr>
+              <a:t>Focuses on demonstrating the </a:t>
+            </a:r>
+            <a:r>
+              <a:rPr lang="en-US" sz="2200" dirty="0" err="1">
+                <a:latin typeface="Euclid Circular B" panose="020B0504000000000000" pitchFamily="34" charset="0"/>
+                <a:ea typeface="Euclid Circular B" panose="020B0504000000000000" pitchFamily="34" charset="0"/>
+              </a:rPr>
+              <a:t>Dapr</a:t>
+            </a:r>
+            <a:r>
+              <a:rPr lang="en-US" sz="2200" dirty="0">
+                <a:latin typeface="Euclid Circular B" panose="020B0504000000000000" pitchFamily="34" charset="0"/>
+                <a:ea typeface="Euclid Circular B" panose="020B0504000000000000" pitchFamily="34" charset="0"/>
+              </a:rPr>
+              <a:t> features</a:t>
+            </a:r>
+          </a:p>
+          <a:p>
+            <a:pPr marL="0" indent="0">
+              <a:buFont typeface="Arial" panose="020B0604020202020204" pitchFamily="34" charset="0"/>
+              <a:buNone/>
+            </a:pPr>
+            <a:r>
+              <a:rPr lang="en-US" sz="2200" b="1" dirty="0">
+                <a:latin typeface="Euclid Circular B" panose="020B0504000000000000" pitchFamily="34" charset="0"/>
+                <a:ea typeface="Euclid Circular B" panose="020B0504000000000000" pitchFamily="34" charset="0"/>
+              </a:rPr>
+              <a:t>More production ready, applicable and maintainable</a:t>
+            </a:r>
+          </a:p>
+        </p:txBody>
+      </p:sp>
+      <p:sp>
+        <p:nvSpPr>
+          <p:cNvPr id="13" name="Content Placeholder 2">
+            <a:extLst>
+              <a:ext uri="{FF2B5EF4-FFF2-40B4-BE49-F238E27FC236}">
+                <a16:creationId xmlns:a16="http://schemas.microsoft.com/office/drawing/2014/main" id="{8FF5D5E2-9337-44A1-A88E-DD9D337ABF34}"/>
+              </a:ext>
+            </a:extLst>
+          </p:cNvPr>
+          <p:cNvSpPr txBox="1">
+            <a:spLocks/>
+          </p:cNvSpPr>
+          <p:nvPr/>
+        </p:nvSpPr>
+        <p:spPr>
+          <a:xfrm>
+            <a:off x="4428875" y="4669409"/>
+            <a:ext cx="7315201" cy="1325563"/>
+          </a:xfrm>
+          <a:prstGeom prst="rect">
+            <a:avLst/>
+          </a:prstGeom>
+        </p:spPr>
+        <p:txBody>
+          <a:bodyPr vert="horz" lIns="91440" tIns="45720" rIns="91440" bIns="45720" rtlCol="0" anchor="ctr">
+            <a:noAutofit/>
+          </a:bodyPr>
+          <a:lstStyle>
+            <a:lvl1pPr marL="228600" indent="-228600" algn="l" defTabSz="914400" rtl="0" eaLnBrk="1" latinLnBrk="0" hangingPunct="1">
+              <a:lnSpc>
+                <a:spcPct val="90000"/>
+              </a:lnSpc>
+              <a:spcBef>
+                <a:spcPts val="1000"/>
+              </a:spcBef>
+              <a:buFont typeface="Arial" panose="020B0604020202020204" pitchFamily="34" charset="0"/>
+              <a:buChar char="•"/>
+              <a:defRPr sz="2800" kern="1200">
+                <a:solidFill>
+                  <a:schemeClr val="tx1"/>
+                </a:solidFill>
+                <a:latin typeface="+mn-lt"/>
+                <a:ea typeface="+mn-ea"/>
+                <a:cs typeface="+mn-cs"/>
+              </a:defRPr>
+            </a:lvl1pPr>
+            <a:lvl2pPr marL="685800" indent="-228600" algn="l" defTabSz="914400" rtl="0" eaLnBrk="1" latinLnBrk="0" hangingPunct="1">
+              <a:lnSpc>
+                <a:spcPct val="90000"/>
+              </a:lnSpc>
+              <a:spcBef>
+                <a:spcPts val="500"/>
+              </a:spcBef>
+              <a:buFont typeface="Arial" panose="020B0604020202020204" pitchFamily="34" charset="0"/>
+              <a:buChar char="•"/>
+              <a:defRPr sz="2400" kern="1200">
+                <a:solidFill>
+                  <a:schemeClr val="tx1"/>
+                </a:solidFill>
+                <a:latin typeface="+mn-lt"/>
+                <a:ea typeface="+mn-ea"/>
+                <a:cs typeface="+mn-cs"/>
+              </a:defRPr>
+            </a:lvl2pPr>
+            <a:lvl3pPr marL="1143000" indent="-228600" algn="l" defTabSz="914400" rtl="0" eaLnBrk="1" latinLnBrk="0" hangingPunct="1">
+              <a:lnSpc>
+                <a:spcPct val="90000"/>
+              </a:lnSpc>
+              <a:spcBef>
+                <a:spcPts val="500"/>
+              </a:spcBef>
+              <a:buFont typeface="Arial" panose="020B0604020202020204" pitchFamily="34" charset="0"/>
+              <a:buChar char="•"/>
+              <a:defRPr sz="2000" kern="1200">
+                <a:solidFill>
+                  <a:schemeClr val="tx1"/>
+                </a:solidFill>
+                <a:latin typeface="+mn-lt"/>
+                <a:ea typeface="+mn-ea"/>
+                <a:cs typeface="+mn-cs"/>
+              </a:defRPr>
+            </a:lvl3pPr>
+            <a:lvl4pPr marL="1600200" indent="-228600" algn="l" defTabSz="914400" rtl="0" eaLnBrk="1" latinLnBrk="0" hangingPunct="1">
+              <a:lnSpc>
+                <a:spcPct val="90000"/>
+              </a:lnSpc>
+              <a:spcBef>
+                <a:spcPts val="500"/>
+              </a:spcBef>
+              <a:buFont typeface="Arial" panose="020B0604020202020204" pitchFamily="34" charset="0"/>
+              <a:buChar char="•"/>
+              <a:defRPr sz="1800" kern="1200">
+                <a:solidFill>
+                  <a:schemeClr val="tx1"/>
+                </a:solidFill>
+                <a:latin typeface="+mn-lt"/>
+                <a:ea typeface="+mn-ea"/>
+                <a:cs typeface="+mn-cs"/>
+              </a:defRPr>
+            </a:lvl4pPr>
+            <a:lvl5pPr marL="2057400" indent="-228600" algn="l" defTabSz="914400" rtl="0" eaLnBrk="1" latinLnBrk="0" hangingPunct="1">
+              <a:lnSpc>
+                <a:spcPct val="90000"/>
+              </a:lnSpc>
+              <a:spcBef>
+                <a:spcPts val="500"/>
+              </a:spcBef>
+              <a:buFont typeface="Arial" panose="020B0604020202020204" pitchFamily="34" charset="0"/>
+              <a:buChar char="•"/>
+              <a:defRPr sz="1800" kern="1200">
+                <a:solidFill>
+                  <a:schemeClr val="tx1"/>
+                </a:solidFill>
+                <a:latin typeface="+mn-lt"/>
+                <a:ea typeface="+mn-ea"/>
+                <a:cs typeface="+mn-cs"/>
+              </a:defRPr>
+            </a:lvl5pPr>
+            <a:lvl6pPr marL="2514600" indent="-228600" algn="l" defTabSz="914400" rtl="0" eaLnBrk="1" latinLnBrk="0" hangingPunct="1">
+              <a:lnSpc>
+                <a:spcPct val="90000"/>
+              </a:lnSpc>
+              <a:spcBef>
+                <a:spcPts val="500"/>
+              </a:spcBef>
+              <a:buFont typeface="Arial" panose="020B0604020202020204" pitchFamily="34" charset="0"/>
+              <a:buChar char="•"/>
+              <a:defRPr sz="1800" kern="1200">
+                <a:solidFill>
+                  <a:schemeClr val="tx1"/>
+                </a:solidFill>
+                <a:latin typeface="+mn-lt"/>
+                <a:ea typeface="+mn-ea"/>
+                <a:cs typeface="+mn-cs"/>
+              </a:defRPr>
+            </a:lvl6pPr>
+            <a:lvl7pPr marL="2971800" indent="-228600" algn="l" defTabSz="914400" rtl="0" eaLnBrk="1" latinLnBrk="0" hangingPunct="1">
+              <a:lnSpc>
+                <a:spcPct val="90000"/>
+              </a:lnSpc>
+              <a:spcBef>
+                <a:spcPts val="500"/>
+              </a:spcBef>
+              <a:buFont typeface="Arial" panose="020B0604020202020204" pitchFamily="34" charset="0"/>
+              <a:buChar char="•"/>
+              <a:defRPr sz="1800" kern="1200">
+                <a:solidFill>
+                  <a:schemeClr val="tx1"/>
+                </a:solidFill>
+                <a:latin typeface="+mn-lt"/>
+                <a:ea typeface="+mn-ea"/>
+                <a:cs typeface="+mn-cs"/>
+              </a:defRPr>
+            </a:lvl7pPr>
+            <a:lvl8pPr marL="3429000" indent="-228600" algn="l" defTabSz="914400" rtl="0" eaLnBrk="1" latinLnBrk="0" hangingPunct="1">
+              <a:lnSpc>
+                <a:spcPct val="90000"/>
+              </a:lnSpc>
+              <a:spcBef>
+                <a:spcPts val="500"/>
+              </a:spcBef>
+              <a:buFont typeface="Arial" panose="020B0604020202020204" pitchFamily="34" charset="0"/>
+              <a:buChar char="•"/>
+              <a:defRPr sz="1800" kern="1200">
+                <a:solidFill>
+                  <a:schemeClr val="tx1"/>
+                </a:solidFill>
+                <a:latin typeface="+mn-lt"/>
+                <a:ea typeface="+mn-ea"/>
+                <a:cs typeface="+mn-cs"/>
+              </a:defRPr>
+            </a:lvl8pPr>
+            <a:lvl9pPr marL="3886200" indent="-228600" algn="l" defTabSz="914400" rtl="0" eaLnBrk="1" latinLnBrk="0" hangingPunct="1">
+              <a:lnSpc>
+                <a:spcPct val="90000"/>
+              </a:lnSpc>
+              <a:spcBef>
+                <a:spcPts val="500"/>
+              </a:spcBef>
+              <a:buFont typeface="Arial" panose="020B0604020202020204" pitchFamily="34" charset="0"/>
+              <a:buChar char="•"/>
+              <a:defRPr sz="1800" kern="1200">
+                <a:solidFill>
+                  <a:schemeClr val="tx1"/>
+                </a:solidFill>
+                <a:latin typeface="+mn-lt"/>
+                <a:ea typeface="+mn-ea"/>
+                <a:cs typeface="+mn-cs"/>
+              </a:defRPr>
+            </a:lvl9pPr>
+          </a:lstStyle>
+          <a:p>
+            <a:pPr marL="0" indent="0">
+              <a:buFont typeface="Arial" panose="020B0604020202020204" pitchFamily="34" charset="0"/>
+              <a:buNone/>
+            </a:pPr>
+            <a:r>
+              <a:rPr lang="en-US" sz="2200" dirty="0">
+                <a:latin typeface="Euclid Circular B" panose="020B0504000000000000" pitchFamily="34" charset="0"/>
+                <a:ea typeface="Euclid Circular B" panose="020B0504000000000000" pitchFamily="34" charset="0"/>
+              </a:rPr>
+              <a:t>Reference solution for microservice development with the ABP Framework and state-of-the-art tools</a:t>
+            </a:r>
+          </a:p>
+          <a:p>
+            <a:pPr marL="0" indent="0">
+              <a:buFont typeface="Arial" panose="020B0604020202020204" pitchFamily="34" charset="0"/>
+              <a:buNone/>
+            </a:pPr>
+            <a:r>
+              <a:rPr lang="en-US" sz="2200" b="1" dirty="0">
+                <a:latin typeface="Euclid Circular B" panose="020B0504000000000000" pitchFamily="34" charset="0"/>
+                <a:ea typeface="Euclid Circular B" panose="020B0504000000000000" pitchFamily="34" charset="0"/>
+              </a:rPr>
+              <a:t>Production ready, easy to develop and maintain</a:t>
+            </a:r>
           </a:p>
         </p:txBody>
       </p:sp>
@@ -3801,6 +5239,688 @@
   <p:clrMapOvr>
     <a:masterClrMapping/>
   </p:clrMapOvr>
+  <p:timing>
+    <p:tnLst>
+      <p:par>
+        <p:cTn id="1" dur="indefinite" restart="never" nodeType="tmRoot">
+          <p:childTnLst>
+            <p:seq concurrent="1" nextAc="seek">
+              <p:cTn id="2" dur="indefinite" nodeType="mainSeq">
+                <p:childTnLst>
+                  <p:par>
+                    <p:cTn id="3" fill="hold">
+                      <p:stCondLst>
+                        <p:cond delay="indefinite"/>
+                      </p:stCondLst>
+                      <p:childTnLst>
+                        <p:par>
+                          <p:cTn id="4" fill="hold">
+                            <p:stCondLst>
+                              <p:cond delay="0"/>
+                            </p:stCondLst>
+                            <p:childTnLst>
+                              <p:par>
+                                <p:cTn id="5" presetID="10" presetClass="entr" presetSubtype="0" fill="hold" grpId="0" nodeType="clickEffect">
+                                  <p:stCondLst>
+                                    <p:cond delay="0"/>
+                                  </p:stCondLst>
+                                  <p:childTnLst>
+                                    <p:set>
+                                      <p:cBhvr>
+                                        <p:cTn id="6" dur="1" fill="hold">
+                                          <p:stCondLst>
+                                            <p:cond delay="0"/>
+                                          </p:stCondLst>
+                                        </p:cTn>
+                                        <p:tgtEl>
+                                          <p:spTgt spid="6"/>
+                                        </p:tgtEl>
+                                        <p:attrNameLst>
+                                          <p:attrName>style.visibility</p:attrName>
+                                        </p:attrNameLst>
+                                      </p:cBhvr>
+                                      <p:to>
+                                        <p:strVal val="visible"/>
+                                      </p:to>
+                                    </p:set>
+                                    <p:animEffect transition="in" filter="fade">
+                                      <p:cBhvr>
+                                        <p:cTn id="7" dur="500"/>
+                                        <p:tgtEl>
+                                          <p:spTgt spid="6"/>
+                                        </p:tgtEl>
+                                      </p:cBhvr>
+                                    </p:animEffect>
+                                  </p:childTnLst>
+                                </p:cTn>
+                              </p:par>
+                            </p:childTnLst>
+                          </p:cTn>
+                        </p:par>
+                      </p:childTnLst>
+                    </p:cTn>
+                  </p:par>
+                  <p:par>
+                    <p:cTn id="8" fill="hold">
+                      <p:stCondLst>
+                        <p:cond delay="indefinite"/>
+                      </p:stCondLst>
+                      <p:childTnLst>
+                        <p:par>
+                          <p:cTn id="9" fill="hold">
+                            <p:stCondLst>
+                              <p:cond delay="0"/>
+                            </p:stCondLst>
+                            <p:childTnLst>
+                              <p:par>
+                                <p:cTn id="10" presetID="10" presetClass="entr" presetSubtype="0" fill="hold" grpId="0" nodeType="clickEffect">
+                                  <p:stCondLst>
+                                    <p:cond delay="0"/>
+                                  </p:stCondLst>
+                                  <p:childTnLst>
+                                    <p:set>
+                                      <p:cBhvr>
+                                        <p:cTn id="11" dur="1" fill="hold">
+                                          <p:stCondLst>
+                                            <p:cond delay="0"/>
+                                          </p:stCondLst>
+                                        </p:cTn>
+                                        <p:tgtEl>
+                                          <p:spTgt spid="7"/>
+                                        </p:tgtEl>
+                                        <p:attrNameLst>
+                                          <p:attrName>style.visibility</p:attrName>
+                                        </p:attrNameLst>
+                                      </p:cBhvr>
+                                      <p:to>
+                                        <p:strVal val="visible"/>
+                                      </p:to>
+                                    </p:set>
+                                    <p:animEffect transition="in" filter="fade">
+                                      <p:cBhvr>
+                                        <p:cTn id="12" dur="500"/>
+                                        <p:tgtEl>
+                                          <p:spTgt spid="7"/>
+                                        </p:tgtEl>
+                                      </p:cBhvr>
+                                    </p:animEffect>
+                                  </p:childTnLst>
+                                </p:cTn>
+                              </p:par>
+                            </p:childTnLst>
+                          </p:cTn>
+                        </p:par>
+                      </p:childTnLst>
+                    </p:cTn>
+                  </p:par>
+                  <p:par>
+                    <p:cTn id="13" fill="hold">
+                      <p:stCondLst>
+                        <p:cond delay="indefinite"/>
+                      </p:stCondLst>
+                      <p:childTnLst>
+                        <p:par>
+                          <p:cTn id="14" fill="hold">
+                            <p:stCondLst>
+                              <p:cond delay="0"/>
+                            </p:stCondLst>
+                            <p:childTnLst>
+                              <p:par>
+                                <p:cTn id="15" presetID="10" presetClass="entr" presetSubtype="0" fill="hold" grpId="0" nodeType="clickEffect">
+                                  <p:stCondLst>
+                                    <p:cond delay="0"/>
+                                  </p:stCondLst>
+                                  <p:childTnLst>
+                                    <p:set>
+                                      <p:cBhvr>
+                                        <p:cTn id="16" dur="1" fill="hold">
+                                          <p:stCondLst>
+                                            <p:cond delay="0"/>
+                                          </p:stCondLst>
+                                        </p:cTn>
+                                        <p:tgtEl>
+                                          <p:spTgt spid="8"/>
+                                        </p:tgtEl>
+                                        <p:attrNameLst>
+                                          <p:attrName>style.visibility</p:attrName>
+                                        </p:attrNameLst>
+                                      </p:cBhvr>
+                                      <p:to>
+                                        <p:strVal val="visible"/>
+                                      </p:to>
+                                    </p:set>
+                                    <p:animEffect transition="in" filter="fade">
+                                      <p:cBhvr>
+                                        <p:cTn id="17" dur="500"/>
+                                        <p:tgtEl>
+                                          <p:spTgt spid="8"/>
+                                        </p:tgtEl>
+                                      </p:cBhvr>
+                                    </p:animEffect>
+                                  </p:childTnLst>
+                                </p:cTn>
+                              </p:par>
+                            </p:childTnLst>
+                          </p:cTn>
+                        </p:par>
+                      </p:childTnLst>
+                    </p:cTn>
+                  </p:par>
+                  <p:par>
+                    <p:cTn id="18" fill="hold">
+                      <p:stCondLst>
+                        <p:cond delay="indefinite"/>
+                      </p:stCondLst>
+                      <p:childTnLst>
+                        <p:par>
+                          <p:cTn id="19" fill="hold">
+                            <p:stCondLst>
+                              <p:cond delay="0"/>
+                            </p:stCondLst>
+                            <p:childTnLst>
+                              <p:par>
+                                <p:cTn id="20" presetID="10" presetClass="entr" presetSubtype="0" fill="hold" nodeType="clickEffect">
+                                  <p:stCondLst>
+                                    <p:cond delay="0"/>
+                                  </p:stCondLst>
+                                  <p:childTnLst>
+                                    <p:set>
+                                      <p:cBhvr>
+                                        <p:cTn id="21" dur="1" fill="hold">
+                                          <p:stCondLst>
+                                            <p:cond delay="0"/>
+                                          </p:stCondLst>
+                                        </p:cTn>
+                                        <p:tgtEl>
+                                          <p:spTgt spid="9">
+                                            <p:txEl>
+                                              <p:pRg st="0" end="0"/>
+                                            </p:txEl>
+                                          </p:spTgt>
+                                        </p:tgtEl>
+                                        <p:attrNameLst>
+                                          <p:attrName>style.visibility</p:attrName>
+                                        </p:attrNameLst>
+                                      </p:cBhvr>
+                                      <p:to>
+                                        <p:strVal val="visible"/>
+                                      </p:to>
+                                    </p:set>
+                                    <p:animEffect transition="in" filter="fade">
+                                      <p:cBhvr>
+                                        <p:cTn id="22" dur="500"/>
+                                        <p:tgtEl>
+                                          <p:spTgt spid="9">
+                                            <p:txEl>
+                                              <p:pRg st="0" end="0"/>
+                                            </p:txEl>
+                                          </p:spTgt>
+                                        </p:tgtEl>
+                                      </p:cBhvr>
+                                    </p:animEffect>
+                                  </p:childTnLst>
+                                </p:cTn>
+                              </p:par>
+                            </p:childTnLst>
+                          </p:cTn>
+                        </p:par>
+                      </p:childTnLst>
+                    </p:cTn>
+                  </p:par>
+                  <p:par>
+                    <p:cTn id="23" fill="hold">
+                      <p:stCondLst>
+                        <p:cond delay="indefinite"/>
+                      </p:stCondLst>
+                      <p:childTnLst>
+                        <p:par>
+                          <p:cTn id="24" fill="hold">
+                            <p:stCondLst>
+                              <p:cond delay="0"/>
+                            </p:stCondLst>
+                            <p:childTnLst>
+                              <p:par>
+                                <p:cTn id="25" presetID="10" presetClass="entr" presetSubtype="0" fill="hold" nodeType="clickEffect">
+                                  <p:stCondLst>
+                                    <p:cond delay="0"/>
+                                  </p:stCondLst>
+                                  <p:childTnLst>
+                                    <p:set>
+                                      <p:cBhvr>
+                                        <p:cTn id="26" dur="1" fill="hold">
+                                          <p:stCondLst>
+                                            <p:cond delay="0"/>
+                                          </p:stCondLst>
+                                        </p:cTn>
+                                        <p:tgtEl>
+                                          <p:spTgt spid="9">
+                                            <p:txEl>
+                                              <p:pRg st="1" end="1"/>
+                                            </p:txEl>
+                                          </p:spTgt>
+                                        </p:tgtEl>
+                                        <p:attrNameLst>
+                                          <p:attrName>style.visibility</p:attrName>
+                                        </p:attrNameLst>
+                                      </p:cBhvr>
+                                      <p:to>
+                                        <p:strVal val="visible"/>
+                                      </p:to>
+                                    </p:set>
+                                    <p:animEffect transition="in" filter="fade">
+                                      <p:cBhvr>
+                                        <p:cTn id="27" dur="500"/>
+                                        <p:tgtEl>
+                                          <p:spTgt spid="9">
+                                            <p:txEl>
+                                              <p:pRg st="1" end="1"/>
+                                            </p:txEl>
+                                          </p:spTgt>
+                                        </p:tgtEl>
+                                      </p:cBhvr>
+                                    </p:animEffect>
+                                  </p:childTnLst>
+                                </p:cTn>
+                              </p:par>
+                            </p:childTnLst>
+                          </p:cTn>
+                        </p:par>
+                      </p:childTnLst>
+                    </p:cTn>
+                  </p:par>
+                  <p:par>
+                    <p:cTn id="28" fill="hold">
+                      <p:stCondLst>
+                        <p:cond delay="indefinite"/>
+                      </p:stCondLst>
+                      <p:childTnLst>
+                        <p:par>
+                          <p:cTn id="29" fill="hold">
+                            <p:stCondLst>
+                              <p:cond delay="0"/>
+                            </p:stCondLst>
+                            <p:childTnLst>
+                              <p:par>
+                                <p:cTn id="30" presetID="10" presetClass="entr" presetSubtype="0" fill="hold" nodeType="clickEffect">
+                                  <p:stCondLst>
+                                    <p:cond delay="0"/>
+                                  </p:stCondLst>
+                                  <p:childTnLst>
+                                    <p:set>
+                                      <p:cBhvr>
+                                        <p:cTn id="31" dur="1" fill="hold">
+                                          <p:stCondLst>
+                                            <p:cond delay="0"/>
+                                          </p:stCondLst>
+                                        </p:cTn>
+                                        <p:tgtEl>
+                                          <p:spTgt spid="9">
+                                            <p:txEl>
+                                              <p:pRg st="2" end="2"/>
+                                            </p:txEl>
+                                          </p:spTgt>
+                                        </p:tgtEl>
+                                        <p:attrNameLst>
+                                          <p:attrName>style.visibility</p:attrName>
+                                        </p:attrNameLst>
+                                      </p:cBhvr>
+                                      <p:to>
+                                        <p:strVal val="visible"/>
+                                      </p:to>
+                                    </p:set>
+                                    <p:animEffect transition="in" filter="fade">
+                                      <p:cBhvr>
+                                        <p:cTn id="32" dur="500"/>
+                                        <p:tgtEl>
+                                          <p:spTgt spid="9">
+                                            <p:txEl>
+                                              <p:pRg st="2" end="2"/>
+                                            </p:txEl>
+                                          </p:spTgt>
+                                        </p:tgtEl>
+                                      </p:cBhvr>
+                                    </p:animEffect>
+                                  </p:childTnLst>
+                                </p:cTn>
+                              </p:par>
+                            </p:childTnLst>
+                          </p:cTn>
+                        </p:par>
+                      </p:childTnLst>
+                    </p:cTn>
+                  </p:par>
+                  <p:par>
+                    <p:cTn id="33" fill="hold">
+                      <p:stCondLst>
+                        <p:cond delay="indefinite"/>
+                      </p:stCondLst>
+                      <p:childTnLst>
+                        <p:par>
+                          <p:cTn id="34" fill="hold">
+                            <p:stCondLst>
+                              <p:cond delay="0"/>
+                            </p:stCondLst>
+                            <p:childTnLst>
+                              <p:par>
+                                <p:cTn id="35" presetID="10" presetClass="entr" presetSubtype="0" fill="hold" nodeType="clickEffect">
+                                  <p:stCondLst>
+                                    <p:cond delay="0"/>
+                                  </p:stCondLst>
+                                  <p:childTnLst>
+                                    <p:set>
+                                      <p:cBhvr>
+                                        <p:cTn id="36" dur="1" fill="hold">
+                                          <p:stCondLst>
+                                            <p:cond delay="0"/>
+                                          </p:stCondLst>
+                                        </p:cTn>
+                                        <p:tgtEl>
+                                          <p:spTgt spid="12">
+                                            <p:txEl>
+                                              <p:pRg st="0" end="0"/>
+                                            </p:txEl>
+                                          </p:spTgt>
+                                        </p:tgtEl>
+                                        <p:attrNameLst>
+                                          <p:attrName>style.visibility</p:attrName>
+                                        </p:attrNameLst>
+                                      </p:cBhvr>
+                                      <p:to>
+                                        <p:strVal val="visible"/>
+                                      </p:to>
+                                    </p:set>
+                                    <p:animEffect transition="in" filter="fade">
+                                      <p:cBhvr>
+                                        <p:cTn id="37" dur="500"/>
+                                        <p:tgtEl>
+                                          <p:spTgt spid="12">
+                                            <p:txEl>
+                                              <p:pRg st="0" end="0"/>
+                                            </p:txEl>
+                                          </p:spTgt>
+                                        </p:tgtEl>
+                                      </p:cBhvr>
+                                    </p:animEffect>
+                                  </p:childTnLst>
+                                </p:cTn>
+                              </p:par>
+                            </p:childTnLst>
+                          </p:cTn>
+                        </p:par>
+                      </p:childTnLst>
+                    </p:cTn>
+                  </p:par>
+                  <p:par>
+                    <p:cTn id="38" fill="hold">
+                      <p:stCondLst>
+                        <p:cond delay="indefinite"/>
+                      </p:stCondLst>
+                      <p:childTnLst>
+                        <p:par>
+                          <p:cTn id="39" fill="hold">
+                            <p:stCondLst>
+                              <p:cond delay="0"/>
+                            </p:stCondLst>
+                            <p:childTnLst>
+                              <p:par>
+                                <p:cTn id="40" presetID="10" presetClass="entr" presetSubtype="0" fill="hold" nodeType="clickEffect">
+                                  <p:stCondLst>
+                                    <p:cond delay="0"/>
+                                  </p:stCondLst>
+                                  <p:childTnLst>
+                                    <p:set>
+                                      <p:cBhvr>
+                                        <p:cTn id="41" dur="1" fill="hold">
+                                          <p:stCondLst>
+                                            <p:cond delay="0"/>
+                                          </p:stCondLst>
+                                        </p:cTn>
+                                        <p:tgtEl>
+                                          <p:spTgt spid="12">
+                                            <p:txEl>
+                                              <p:pRg st="1" end="1"/>
+                                            </p:txEl>
+                                          </p:spTgt>
+                                        </p:tgtEl>
+                                        <p:attrNameLst>
+                                          <p:attrName>style.visibility</p:attrName>
+                                        </p:attrNameLst>
+                                      </p:cBhvr>
+                                      <p:to>
+                                        <p:strVal val="visible"/>
+                                      </p:to>
+                                    </p:set>
+                                    <p:animEffect transition="in" filter="fade">
+                                      <p:cBhvr>
+                                        <p:cTn id="42" dur="500"/>
+                                        <p:tgtEl>
+                                          <p:spTgt spid="12">
+                                            <p:txEl>
+                                              <p:pRg st="1" end="1"/>
+                                            </p:txEl>
+                                          </p:spTgt>
+                                        </p:tgtEl>
+                                      </p:cBhvr>
+                                    </p:animEffect>
+                                  </p:childTnLst>
+                                </p:cTn>
+                              </p:par>
+                            </p:childTnLst>
+                          </p:cTn>
+                        </p:par>
+                      </p:childTnLst>
+                    </p:cTn>
+                  </p:par>
+                  <p:par>
+                    <p:cTn id="43" fill="hold">
+                      <p:stCondLst>
+                        <p:cond delay="indefinite"/>
+                      </p:stCondLst>
+                      <p:childTnLst>
+                        <p:par>
+                          <p:cTn id="44" fill="hold">
+                            <p:stCondLst>
+                              <p:cond delay="0"/>
+                            </p:stCondLst>
+                            <p:childTnLst>
+                              <p:par>
+                                <p:cTn id="45" presetID="10" presetClass="entr" presetSubtype="0" fill="hold" nodeType="clickEffect">
+                                  <p:stCondLst>
+                                    <p:cond delay="0"/>
+                                  </p:stCondLst>
+                                  <p:childTnLst>
+                                    <p:set>
+                                      <p:cBhvr>
+                                        <p:cTn id="46" dur="1" fill="hold">
+                                          <p:stCondLst>
+                                            <p:cond delay="0"/>
+                                          </p:stCondLst>
+                                        </p:cTn>
+                                        <p:tgtEl>
+                                          <p:spTgt spid="12">
+                                            <p:txEl>
+                                              <p:pRg st="2" end="2"/>
+                                            </p:txEl>
+                                          </p:spTgt>
+                                        </p:tgtEl>
+                                        <p:attrNameLst>
+                                          <p:attrName>style.visibility</p:attrName>
+                                        </p:attrNameLst>
+                                      </p:cBhvr>
+                                      <p:to>
+                                        <p:strVal val="visible"/>
+                                      </p:to>
+                                    </p:set>
+                                    <p:animEffect transition="in" filter="fade">
+                                      <p:cBhvr>
+                                        <p:cTn id="47" dur="500"/>
+                                        <p:tgtEl>
+                                          <p:spTgt spid="12">
+                                            <p:txEl>
+                                              <p:pRg st="2" end="2"/>
+                                            </p:txEl>
+                                          </p:spTgt>
+                                        </p:tgtEl>
+                                      </p:cBhvr>
+                                    </p:animEffect>
+                                  </p:childTnLst>
+                                </p:cTn>
+                              </p:par>
+                            </p:childTnLst>
+                          </p:cTn>
+                        </p:par>
+                      </p:childTnLst>
+                    </p:cTn>
+                  </p:par>
+                  <p:par>
+                    <p:cTn id="48" fill="hold">
+                      <p:stCondLst>
+                        <p:cond delay="indefinite"/>
+                      </p:stCondLst>
+                      <p:childTnLst>
+                        <p:par>
+                          <p:cTn id="49" fill="hold">
+                            <p:stCondLst>
+                              <p:cond delay="0"/>
+                            </p:stCondLst>
+                            <p:childTnLst>
+                              <p:par>
+                                <p:cTn id="50" presetID="10" presetClass="entr" presetSubtype="0" fill="hold" nodeType="clickEffect">
+                                  <p:stCondLst>
+                                    <p:cond delay="0"/>
+                                  </p:stCondLst>
+                                  <p:childTnLst>
+                                    <p:set>
+                                      <p:cBhvr>
+                                        <p:cTn id="51" dur="1" fill="hold">
+                                          <p:stCondLst>
+                                            <p:cond delay="0"/>
+                                          </p:stCondLst>
+                                        </p:cTn>
+                                        <p:tgtEl>
+                                          <p:spTgt spid="13">
+                                            <p:txEl>
+                                              <p:pRg st="0" end="0"/>
+                                            </p:txEl>
+                                          </p:spTgt>
+                                        </p:tgtEl>
+                                        <p:attrNameLst>
+                                          <p:attrName>style.visibility</p:attrName>
+                                        </p:attrNameLst>
+                                      </p:cBhvr>
+                                      <p:to>
+                                        <p:strVal val="visible"/>
+                                      </p:to>
+                                    </p:set>
+                                    <p:animEffect transition="in" filter="fade">
+                                      <p:cBhvr>
+                                        <p:cTn id="52" dur="500"/>
+                                        <p:tgtEl>
+                                          <p:spTgt spid="13">
+                                            <p:txEl>
+                                              <p:pRg st="0" end="0"/>
+                                            </p:txEl>
+                                          </p:spTgt>
+                                        </p:tgtEl>
+                                      </p:cBhvr>
+                                    </p:animEffect>
+                                  </p:childTnLst>
+                                </p:cTn>
+                              </p:par>
+                            </p:childTnLst>
+                          </p:cTn>
+                        </p:par>
+                      </p:childTnLst>
+                    </p:cTn>
+                  </p:par>
+                  <p:par>
+                    <p:cTn id="53" fill="hold">
+                      <p:stCondLst>
+                        <p:cond delay="indefinite"/>
+                      </p:stCondLst>
+                      <p:childTnLst>
+                        <p:par>
+                          <p:cTn id="54" fill="hold">
+                            <p:stCondLst>
+                              <p:cond delay="0"/>
+                            </p:stCondLst>
+                            <p:childTnLst>
+                              <p:par>
+                                <p:cTn id="55" presetID="10" presetClass="entr" presetSubtype="0" fill="hold" nodeType="clickEffect">
+                                  <p:stCondLst>
+                                    <p:cond delay="0"/>
+                                  </p:stCondLst>
+                                  <p:childTnLst>
+                                    <p:set>
+                                      <p:cBhvr>
+                                        <p:cTn id="56" dur="1" fill="hold">
+                                          <p:stCondLst>
+                                            <p:cond delay="0"/>
+                                          </p:stCondLst>
+                                        </p:cTn>
+                                        <p:tgtEl>
+                                          <p:spTgt spid="13">
+                                            <p:txEl>
+                                              <p:pRg st="1" end="1"/>
+                                            </p:txEl>
+                                          </p:spTgt>
+                                        </p:tgtEl>
+                                        <p:attrNameLst>
+                                          <p:attrName>style.visibility</p:attrName>
+                                        </p:attrNameLst>
+                                      </p:cBhvr>
+                                      <p:to>
+                                        <p:strVal val="visible"/>
+                                      </p:to>
+                                    </p:set>
+                                    <p:animEffect transition="in" filter="fade">
+                                      <p:cBhvr>
+                                        <p:cTn id="57" dur="500"/>
+                                        <p:tgtEl>
+                                          <p:spTgt spid="13">
+                                            <p:txEl>
+                                              <p:pRg st="1" end="1"/>
+                                            </p:txEl>
+                                          </p:spTgt>
+                                        </p:tgtEl>
+                                      </p:cBhvr>
+                                    </p:animEffect>
+                                  </p:childTnLst>
+                                </p:cTn>
+                              </p:par>
+                            </p:childTnLst>
+                          </p:cTn>
+                        </p:par>
+                      </p:childTnLst>
+                    </p:cTn>
+                  </p:par>
+                </p:childTnLst>
+              </p:cTn>
+              <p:prevCondLst>
+                <p:cond evt="onPrev" delay="0">
+                  <p:tgtEl>
+                    <p:sldTgt/>
+                  </p:tgtEl>
+                </p:cond>
+              </p:prevCondLst>
+              <p:nextCondLst>
+                <p:cond evt="onNext" delay="0">
+                  <p:tgtEl>
+                    <p:sldTgt/>
+                  </p:tgtEl>
+                </p:cond>
+              </p:nextCondLst>
+            </p:seq>
+          </p:childTnLst>
+        </p:cTn>
+      </p:par>
+    </p:tnLst>
+    <p:bldLst>
+      <p:bldP spid="6" grpId="0" animBg="1"/>
+      <p:bldP spid="7" grpId="0" animBg="1"/>
+      <p:bldP spid="8" grpId="0" animBg="1"/>
+    </p:bldLst>
+  </p:timing>
 </p:sld>
 </file>
 
@@ -3840,7 +5960,7 @@
           <p:cNvPr id="2" name="Title 1">
             <a:extLst>
               <a:ext uri="{FF2B5EF4-FFF2-40B4-BE49-F238E27FC236}">
-                <a16:creationId xmlns:a16="http://schemas.microsoft.com/office/drawing/2014/main" id="{9255DFBE-19DA-408D-84E6-F4043FC30BD3}"/>
+                <a16:creationId xmlns:a16="http://schemas.microsoft.com/office/drawing/2014/main" id="{55E11F08-6CA0-48F1-AD67-97430DDA07F0}"/>
               </a:ext>
             </a:extLst>
           </p:cNvPr>
@@ -3848,7 +5968,7 @@
             <a:spLocks noGrp="1"/>
           </p:cNvSpPr>
           <p:nvPr>
-            <p:ph type="ctrTitle"/>
+            <p:ph type="title"/>
           </p:nvPr>
         </p:nvSpPr>
         <p:spPr/>
@@ -3859,17 +5979,17 @@
           <a:lstStyle/>
           <a:p>
             <a:r>
-              <a:rPr lang="en-US" sz="4800" b="1" dirty="0">
+              <a:rPr lang="en-US" b="1" dirty="0" err="1">
                 <a:solidFill>
                   <a:srgbClr val="292D33"/>
                 </a:solidFill>
                 <a:latin typeface="Euclid Circular B" panose="020B0504000000000000" pitchFamily="34" charset="0"/>
                 <a:ea typeface="Euclid Circular B" panose="020B0504000000000000" pitchFamily="34" charset="0"/>
               </a:rPr>
-              <a:t>DESIGNING</a:t>
+              <a:t>eShopOnAbp</a:t>
             </a:r>
             <a:br>
-              <a:rPr lang="en-US" sz="4800" b="1" dirty="0">
+              <a:rPr lang="en-US" b="1" dirty="0">
                 <a:solidFill>
                   <a:srgbClr val="292D33"/>
                 </a:solidFill>
@@ -3878,62 +5998,76 @@
               </a:rPr>
             </a:br>
             <a:r>
-              <a:rPr lang="en-US" sz="4800" b="1" dirty="0">
+              <a:rPr lang="en-US" sz="2800" i="1" dirty="0">
                 <a:solidFill>
                   <a:srgbClr val="292D33"/>
                 </a:solidFill>
                 <a:latin typeface="Euclid Circular B" panose="020B0504000000000000" pitchFamily="34" charset="0"/>
                 <a:ea typeface="Euclid Circular B" panose="020B0504000000000000" pitchFamily="34" charset="0"/>
               </a:rPr>
-              <a:t>A MODULAR MONOLITH</a:t>
-            </a:r>
-          </a:p>
-        </p:txBody>
-      </p:sp>
-      <p:sp>
-        <p:nvSpPr>
-          <p:cNvPr id="3" name="Subtitle 2">
-            <a:extLst>
-              <a:ext uri="{FF2B5EF4-FFF2-40B4-BE49-F238E27FC236}">
-                <a16:creationId xmlns:a16="http://schemas.microsoft.com/office/drawing/2014/main" id="{265612B9-B745-46CB-8A20-997CA82E05E7}"/>
-              </a:ext>
-            </a:extLst>
-          </p:cNvPr>
-          <p:cNvSpPr>
-            <a:spLocks noGrp="1"/>
-          </p:cNvSpPr>
-          <p:nvPr>
-            <p:ph type="subTitle" idx="1"/>
-          </p:nvPr>
-        </p:nvSpPr>
-        <p:spPr/>
-        <p:txBody>
-          <a:bodyPr>
-            <a:normAutofit/>
-          </a:bodyPr>
-          <a:lstStyle/>
-          <a:p>
-            <a:r>
-              <a:rPr lang="en-US" sz="2000" b="1" dirty="0">
-                <a:solidFill>
-                  <a:srgbClr val="292D33"/>
-                </a:solidFill>
-                <a:latin typeface="Euclid Circular B" panose="020B0504000000000000" pitchFamily="34" charset="0"/>
-                <a:ea typeface="Euclid Circular B" panose="020B0504000000000000" pitchFamily="34" charset="0"/>
-              </a:rPr>
-              <a:t>DESIGNING MONOLITH FIRST FOR MICROSERVICE ARCHITECTURE</a:t>
-            </a:r>
-            <a:endParaRPr lang="en-US" sz="2000" dirty="0">
+              <a:t>https://github.com/abpframework/eShopOnAbp</a:t>
+            </a:r>
+            <a:endParaRPr lang="en-US" i="1" dirty="0">
+              <a:solidFill>
+                <a:srgbClr val="292D33"/>
+              </a:solidFill>
               <a:latin typeface="Euclid Circular B" panose="020B0504000000000000" pitchFamily="34" charset="0"/>
               <a:ea typeface="Euclid Circular B" panose="020B0504000000000000" pitchFamily="34" charset="0"/>
             </a:endParaRPr>
           </a:p>
         </p:txBody>
       </p:sp>
+      <p:pic>
+        <p:nvPicPr>
+          <p:cNvPr id="4098" name="Picture 2" descr="eSopOnAbp Phase 1">
+            <a:extLst>
+              <a:ext uri="{FF2B5EF4-FFF2-40B4-BE49-F238E27FC236}">
+                <a16:creationId xmlns:a16="http://schemas.microsoft.com/office/drawing/2014/main" id="{2136AA09-D2C1-4393-9568-B5F8132956D8}"/>
+              </a:ext>
+            </a:extLst>
+          </p:cNvPr>
+          <p:cNvPicPr>
+            <a:picLocks noChangeAspect="1" noChangeArrowheads="1"/>
+          </p:cNvPicPr>
+          <p:nvPr/>
+        </p:nvPicPr>
+        <p:blipFill>
+          <a:blip r:embed="rId3">
+            <a:extLst>
+              <a:ext uri="{28A0092B-C50C-407E-A947-70E740481C1C}">
+                <a14:useLocalDpi xmlns:a14="http://schemas.microsoft.com/office/drawing/2010/main" val="0"/>
+              </a:ext>
+            </a:extLst>
+          </a:blip>
+          <a:srcRect/>
+          <a:stretch>
+            <a:fillRect/>
+          </a:stretch>
+        </p:blipFill>
+        <p:spPr bwMode="auto">
+          <a:xfrm>
+            <a:off x="838200" y="1690688"/>
+            <a:ext cx="8961977" cy="4511329"/>
+          </a:xfrm>
+          <a:prstGeom prst="rect">
+            <a:avLst/>
+          </a:prstGeom>
+          <a:noFill/>
+          <a:extLst>
+            <a:ext uri="{909E8E84-426E-40DD-AFC4-6F175D3DCCD1}">
+              <a14:hiddenFill xmlns:a14="http://schemas.microsoft.com/office/drawing/2010/main">
+                <a:solidFill>
+                  <a:srgbClr val="FFFFFF"/>
+                </a:solidFill>
+              </a14:hiddenFill>
+            </a:ext>
+          </a:extLst>
+        </p:spPr>
+      </p:pic>
     </p:spTree>
     <p:extLst>
       <p:ext uri="{BB962C8B-B14F-4D97-AF65-F5344CB8AC3E}">
-        <p14:creationId xmlns:p14="http://schemas.microsoft.com/office/powerpoint/2010/main" val="3204605943"/>
+        <p14:creationId xmlns:p14="http://schemas.microsoft.com/office/powerpoint/2010/main" val="1314194447"/>
       </p:ext>
     </p:extLst>
   </p:cSld>
@@ -3992,10 +6126,22 @@
         </p:nvSpPr>
         <p:spPr/>
         <p:txBody>
-          <a:bodyPr/>
+          <a:bodyPr>
+            <a:normAutofit/>
+          </a:bodyPr>
           <a:lstStyle/>
           <a:p>
             <a:r>
+              <a:rPr lang="en-US" b="1" dirty="0" err="1">
+                <a:solidFill>
+                  <a:srgbClr val="292D33"/>
+                </a:solidFill>
+                <a:latin typeface="Euclid Circular B" panose="020B0504000000000000" pitchFamily="34" charset="0"/>
+                <a:ea typeface="Euclid Circular B" panose="020B0504000000000000" pitchFamily="34" charset="0"/>
+              </a:rPr>
+              <a:t>eShopOnAbp</a:t>
+            </a:r>
+            <a:br>
               <a:rPr lang="en-US" b="1" dirty="0">
                 <a:solidFill>
                   <a:srgbClr val="292D33"/>
@@ -4003,8 +6149,24 @@
                 <a:latin typeface="Euclid Circular B" panose="020B0504000000000000" pitchFamily="34" charset="0"/>
                 <a:ea typeface="Euclid Circular B" panose="020B0504000000000000" pitchFamily="34" charset="0"/>
               </a:rPr>
-              <a:t>About me</a:t>
-            </a:r>
+            </a:br>
+            <a:r>
+              <a:rPr lang="en-US" sz="2800" i="1" dirty="0">
+                <a:solidFill>
+                  <a:srgbClr val="292D33"/>
+                </a:solidFill>
+                <a:latin typeface="Euclid Circular B" panose="020B0504000000000000" pitchFamily="34" charset="0"/>
+                <a:ea typeface="Euclid Circular B" panose="020B0504000000000000" pitchFamily="34" charset="0"/>
+              </a:rPr>
+              <a:t>https://github.com/abpframework/eShopOnAbp</a:t>
+            </a:r>
+            <a:endParaRPr lang="en-US" sz="2800" b="1" dirty="0">
+              <a:solidFill>
+                <a:srgbClr val="292D33"/>
+              </a:solidFill>
+              <a:latin typeface="Euclid Circular B" panose="020B0504000000000000" pitchFamily="34" charset="0"/>
+              <a:ea typeface="Euclid Circular B" panose="020B0504000000000000" pitchFamily="34" charset="0"/>
+            </a:endParaRPr>
           </a:p>
         </p:txBody>
       </p:sp>
@@ -4034,26 +6196,15 @@
                 <a:latin typeface="Euclid Circular B" panose="020B0504000000000000" pitchFamily="34" charset="0"/>
                 <a:ea typeface="Euclid Circular B" panose="020B0504000000000000" pitchFamily="34" charset="0"/>
               </a:rPr>
-              <a:t>TODO</a:t>
-            </a:r>
-            <a:r>
-              <a:rPr lang="en-US">
-                <a:latin typeface="Euclid Circular B" panose="020B0504000000000000" pitchFamily="34" charset="0"/>
-                <a:ea typeface="Euclid Circular B" panose="020B0504000000000000" pitchFamily="34" charset="0"/>
-              </a:rPr>
-              <a:t>: ...</a:t>
-            </a:r>
-            <a:endParaRPr lang="en-US" dirty="0">
-              <a:latin typeface="Euclid Circular B" panose="020B0504000000000000" pitchFamily="34" charset="0"/>
-              <a:ea typeface="Euclid Circular B" panose="020B0504000000000000" pitchFamily="34" charset="0"/>
-            </a:endParaRPr>
+              <a:t>TODO: More details and the book!</a:t>
+            </a:r>
           </a:p>
         </p:txBody>
       </p:sp>
     </p:spTree>
     <p:extLst>
       <p:ext uri="{BB962C8B-B14F-4D97-AF65-F5344CB8AC3E}">
-        <p14:creationId xmlns:p14="http://schemas.microsoft.com/office/powerpoint/2010/main" val="1153068639"/>
+        <p14:creationId xmlns:p14="http://schemas.microsoft.com/office/powerpoint/2010/main" val="86157581"/>
       </p:ext>
     </p:extLst>
   </p:cSld>
@@ -4123,7 +6274,7 @@
                 <a:latin typeface="Euclid Circular B" panose="020B0504000000000000" pitchFamily="34" charset="0"/>
                 <a:ea typeface="Euclid Circular B" panose="020B0504000000000000" pitchFamily="34" charset="0"/>
               </a:rPr>
-              <a:t>About me</a:t>
+              <a:t>Microservice trade-offs</a:t>
             </a:r>
           </a:p>
         </p:txBody>
@@ -4144,42 +6295,970 @@
             <p:ph idx="1"/>
           </p:nvPr>
         </p:nvSpPr>
-        <p:spPr/>
+        <p:spPr>
+          <a:xfrm>
+            <a:off x="838200" y="1825625"/>
+            <a:ext cx="5037814" cy="3072378"/>
+          </a:xfrm>
+        </p:spPr>
         <p:txBody>
           <a:bodyPr/>
           <a:lstStyle/>
           <a:p>
+            <a:pPr marL="0" indent="0">
+              <a:buNone/>
+            </a:pPr>
+            <a:r>
+              <a:rPr lang="en-US" b="1" u="sng" dirty="0">
+                <a:latin typeface="Euclid Circular B" panose="020B0504000000000000" pitchFamily="34" charset="0"/>
+                <a:ea typeface="Euclid Circular B" panose="020B0504000000000000" pitchFamily="34" charset="0"/>
+              </a:rPr>
+              <a:t>BENEFITS</a:t>
+            </a:r>
+          </a:p>
+          <a:p>
             <a:r>
               <a:rPr lang="en-US" dirty="0">
                 <a:latin typeface="Euclid Circular B" panose="020B0504000000000000" pitchFamily="34" charset="0"/>
                 <a:ea typeface="Euclid Circular B" panose="020B0504000000000000" pitchFamily="34" charset="0"/>
               </a:rPr>
-              <a:t>TODO</a:t>
-            </a:r>
-            <a:r>
-              <a:rPr lang="en-US">
-                <a:latin typeface="Euclid Circular B" panose="020B0504000000000000" pitchFamily="34" charset="0"/>
-                <a:ea typeface="Euclid Circular B" panose="020B0504000000000000" pitchFamily="34" charset="0"/>
-              </a:rPr>
-              <a:t>: ...</a:t>
-            </a:r>
-            <a:endParaRPr lang="en-US" dirty="0">
-              <a:latin typeface="Euclid Circular B" panose="020B0504000000000000" pitchFamily="34" charset="0"/>
-              <a:ea typeface="Euclid Circular B" panose="020B0504000000000000" pitchFamily="34" charset="0"/>
-            </a:endParaRPr>
+              <a:t>Forcing the modularity and encapsulation</a:t>
+            </a:r>
+          </a:p>
+          <a:p>
+            <a:r>
+              <a:rPr lang="en-US" dirty="0">
+                <a:latin typeface="Euclid Circular B" panose="020B0504000000000000" pitchFamily="34" charset="0"/>
+                <a:ea typeface="Euclid Circular B" panose="020B0504000000000000" pitchFamily="34" charset="0"/>
+              </a:rPr>
+              <a:t>Independently developed, deployed and scaled</a:t>
+            </a:r>
+          </a:p>
+          <a:p>
+            <a:r>
+              <a:rPr lang="en-US" dirty="0">
+                <a:latin typeface="Euclid Circular B" panose="020B0504000000000000" pitchFamily="34" charset="0"/>
+                <a:ea typeface="Euclid Circular B" panose="020B0504000000000000" pitchFamily="34" charset="0"/>
+              </a:rPr>
+              <a:t>Technology diversity</a:t>
+            </a:r>
+          </a:p>
+        </p:txBody>
+      </p:sp>
+      <p:sp>
+        <p:nvSpPr>
+          <p:cNvPr id="4" name="Content Placeholder 2">
+            <a:extLst>
+              <a:ext uri="{FF2B5EF4-FFF2-40B4-BE49-F238E27FC236}">
+                <a16:creationId xmlns:a16="http://schemas.microsoft.com/office/drawing/2014/main" id="{3C6C15FB-DFA6-464B-86D0-05F848FB3810}"/>
+              </a:ext>
+            </a:extLst>
+          </p:cNvPr>
+          <p:cNvSpPr txBox="1">
+            <a:spLocks/>
+          </p:cNvSpPr>
+          <p:nvPr/>
+        </p:nvSpPr>
+        <p:spPr>
+          <a:xfrm>
+            <a:off x="6315988" y="1831727"/>
+            <a:ext cx="5037814" cy="3066276"/>
+          </a:xfrm>
+          <a:prstGeom prst="rect">
+            <a:avLst/>
+          </a:prstGeom>
+        </p:spPr>
+        <p:txBody>
+          <a:bodyPr vert="horz" lIns="91440" tIns="45720" rIns="91440" bIns="45720" rtlCol="0">
+            <a:normAutofit/>
+          </a:bodyPr>
+          <a:lstStyle>
+            <a:lvl1pPr marL="228600" indent="-228600" algn="l" defTabSz="914400" rtl="0" eaLnBrk="1" latinLnBrk="0" hangingPunct="1">
+              <a:lnSpc>
+                <a:spcPct val="90000"/>
+              </a:lnSpc>
+              <a:spcBef>
+                <a:spcPts val="1000"/>
+              </a:spcBef>
+              <a:buFont typeface="Arial" panose="020B0604020202020204" pitchFamily="34" charset="0"/>
+              <a:buChar char="•"/>
+              <a:defRPr sz="2800" kern="1200">
+                <a:solidFill>
+                  <a:schemeClr val="tx1"/>
+                </a:solidFill>
+                <a:latin typeface="+mn-lt"/>
+                <a:ea typeface="+mn-ea"/>
+                <a:cs typeface="+mn-cs"/>
+              </a:defRPr>
+            </a:lvl1pPr>
+            <a:lvl2pPr marL="685800" indent="-228600" algn="l" defTabSz="914400" rtl="0" eaLnBrk="1" latinLnBrk="0" hangingPunct="1">
+              <a:lnSpc>
+                <a:spcPct val="90000"/>
+              </a:lnSpc>
+              <a:spcBef>
+                <a:spcPts val="500"/>
+              </a:spcBef>
+              <a:buFont typeface="Arial" panose="020B0604020202020204" pitchFamily="34" charset="0"/>
+              <a:buChar char="•"/>
+              <a:defRPr sz="2400" kern="1200">
+                <a:solidFill>
+                  <a:schemeClr val="tx1"/>
+                </a:solidFill>
+                <a:latin typeface="+mn-lt"/>
+                <a:ea typeface="+mn-ea"/>
+                <a:cs typeface="+mn-cs"/>
+              </a:defRPr>
+            </a:lvl2pPr>
+            <a:lvl3pPr marL="1143000" indent="-228600" algn="l" defTabSz="914400" rtl="0" eaLnBrk="1" latinLnBrk="0" hangingPunct="1">
+              <a:lnSpc>
+                <a:spcPct val="90000"/>
+              </a:lnSpc>
+              <a:spcBef>
+                <a:spcPts val="500"/>
+              </a:spcBef>
+              <a:buFont typeface="Arial" panose="020B0604020202020204" pitchFamily="34" charset="0"/>
+              <a:buChar char="•"/>
+              <a:defRPr sz="2000" kern="1200">
+                <a:solidFill>
+                  <a:schemeClr val="tx1"/>
+                </a:solidFill>
+                <a:latin typeface="+mn-lt"/>
+                <a:ea typeface="+mn-ea"/>
+                <a:cs typeface="+mn-cs"/>
+              </a:defRPr>
+            </a:lvl3pPr>
+            <a:lvl4pPr marL="1600200" indent="-228600" algn="l" defTabSz="914400" rtl="0" eaLnBrk="1" latinLnBrk="0" hangingPunct="1">
+              <a:lnSpc>
+                <a:spcPct val="90000"/>
+              </a:lnSpc>
+              <a:spcBef>
+                <a:spcPts val="500"/>
+              </a:spcBef>
+              <a:buFont typeface="Arial" panose="020B0604020202020204" pitchFamily="34" charset="0"/>
+              <a:buChar char="•"/>
+              <a:defRPr sz="1800" kern="1200">
+                <a:solidFill>
+                  <a:schemeClr val="tx1"/>
+                </a:solidFill>
+                <a:latin typeface="+mn-lt"/>
+                <a:ea typeface="+mn-ea"/>
+                <a:cs typeface="+mn-cs"/>
+              </a:defRPr>
+            </a:lvl4pPr>
+            <a:lvl5pPr marL="2057400" indent="-228600" algn="l" defTabSz="914400" rtl="0" eaLnBrk="1" latinLnBrk="0" hangingPunct="1">
+              <a:lnSpc>
+                <a:spcPct val="90000"/>
+              </a:lnSpc>
+              <a:spcBef>
+                <a:spcPts val="500"/>
+              </a:spcBef>
+              <a:buFont typeface="Arial" panose="020B0604020202020204" pitchFamily="34" charset="0"/>
+              <a:buChar char="•"/>
+              <a:defRPr sz="1800" kern="1200">
+                <a:solidFill>
+                  <a:schemeClr val="tx1"/>
+                </a:solidFill>
+                <a:latin typeface="+mn-lt"/>
+                <a:ea typeface="+mn-ea"/>
+                <a:cs typeface="+mn-cs"/>
+              </a:defRPr>
+            </a:lvl5pPr>
+            <a:lvl6pPr marL="2514600" indent="-228600" algn="l" defTabSz="914400" rtl="0" eaLnBrk="1" latinLnBrk="0" hangingPunct="1">
+              <a:lnSpc>
+                <a:spcPct val="90000"/>
+              </a:lnSpc>
+              <a:spcBef>
+                <a:spcPts val="500"/>
+              </a:spcBef>
+              <a:buFont typeface="Arial" panose="020B0604020202020204" pitchFamily="34" charset="0"/>
+              <a:buChar char="•"/>
+              <a:defRPr sz="1800" kern="1200">
+                <a:solidFill>
+                  <a:schemeClr val="tx1"/>
+                </a:solidFill>
+                <a:latin typeface="+mn-lt"/>
+                <a:ea typeface="+mn-ea"/>
+                <a:cs typeface="+mn-cs"/>
+              </a:defRPr>
+            </a:lvl6pPr>
+            <a:lvl7pPr marL="2971800" indent="-228600" algn="l" defTabSz="914400" rtl="0" eaLnBrk="1" latinLnBrk="0" hangingPunct="1">
+              <a:lnSpc>
+                <a:spcPct val="90000"/>
+              </a:lnSpc>
+              <a:spcBef>
+                <a:spcPts val="500"/>
+              </a:spcBef>
+              <a:buFont typeface="Arial" panose="020B0604020202020204" pitchFamily="34" charset="0"/>
+              <a:buChar char="•"/>
+              <a:defRPr sz="1800" kern="1200">
+                <a:solidFill>
+                  <a:schemeClr val="tx1"/>
+                </a:solidFill>
+                <a:latin typeface="+mn-lt"/>
+                <a:ea typeface="+mn-ea"/>
+                <a:cs typeface="+mn-cs"/>
+              </a:defRPr>
+            </a:lvl7pPr>
+            <a:lvl8pPr marL="3429000" indent="-228600" algn="l" defTabSz="914400" rtl="0" eaLnBrk="1" latinLnBrk="0" hangingPunct="1">
+              <a:lnSpc>
+                <a:spcPct val="90000"/>
+              </a:lnSpc>
+              <a:spcBef>
+                <a:spcPts val="500"/>
+              </a:spcBef>
+              <a:buFont typeface="Arial" panose="020B0604020202020204" pitchFamily="34" charset="0"/>
+              <a:buChar char="•"/>
+              <a:defRPr sz="1800" kern="1200">
+                <a:solidFill>
+                  <a:schemeClr val="tx1"/>
+                </a:solidFill>
+                <a:latin typeface="+mn-lt"/>
+                <a:ea typeface="+mn-ea"/>
+                <a:cs typeface="+mn-cs"/>
+              </a:defRPr>
+            </a:lvl8pPr>
+            <a:lvl9pPr marL="3886200" indent="-228600" algn="l" defTabSz="914400" rtl="0" eaLnBrk="1" latinLnBrk="0" hangingPunct="1">
+              <a:lnSpc>
+                <a:spcPct val="90000"/>
+              </a:lnSpc>
+              <a:spcBef>
+                <a:spcPts val="500"/>
+              </a:spcBef>
+              <a:buFont typeface="Arial" panose="020B0604020202020204" pitchFamily="34" charset="0"/>
+              <a:buChar char="•"/>
+              <a:defRPr sz="1800" kern="1200">
+                <a:solidFill>
+                  <a:schemeClr val="tx1"/>
+                </a:solidFill>
+                <a:latin typeface="+mn-lt"/>
+                <a:ea typeface="+mn-ea"/>
+                <a:cs typeface="+mn-cs"/>
+              </a:defRPr>
+            </a:lvl9pPr>
+          </a:lstStyle>
+          <a:p>
+            <a:pPr marL="0" indent="0">
+              <a:buNone/>
+            </a:pPr>
+            <a:r>
+              <a:rPr lang="en-US" b="1" u="sng" dirty="0">
+                <a:latin typeface="Euclid Circular B" panose="020B0504000000000000" pitchFamily="34" charset="0"/>
+                <a:ea typeface="Euclid Circular B" panose="020B0504000000000000" pitchFamily="34" charset="0"/>
+              </a:rPr>
+              <a:t>COSTS</a:t>
+            </a:r>
+          </a:p>
+          <a:p>
+            <a:r>
+              <a:rPr lang="en-US" dirty="0">
+                <a:latin typeface="Euclid Circular B" panose="020B0504000000000000" pitchFamily="34" charset="0"/>
+                <a:ea typeface="Euclid Circular B" panose="020B0504000000000000" pitchFamily="34" charset="0"/>
+              </a:rPr>
+              <a:t>Distribution</a:t>
+            </a:r>
+          </a:p>
+          <a:p>
+            <a:r>
+              <a:rPr lang="en-US" dirty="0">
+                <a:latin typeface="Euclid Circular B" panose="020B0504000000000000" pitchFamily="34" charset="0"/>
+                <a:ea typeface="Euclid Circular B" panose="020B0504000000000000" pitchFamily="34" charset="0"/>
+              </a:rPr>
+              <a:t>Eventually consistency</a:t>
+            </a:r>
+          </a:p>
+          <a:p>
+            <a:r>
+              <a:rPr lang="en-US" dirty="0">
+                <a:latin typeface="Euclid Circular B" panose="020B0504000000000000" pitchFamily="34" charset="0"/>
+                <a:ea typeface="Euclid Circular B" panose="020B0504000000000000" pitchFamily="34" charset="0"/>
+              </a:rPr>
+              <a:t>Operational complexity</a:t>
+            </a:r>
+          </a:p>
+        </p:txBody>
+      </p:sp>
+      <p:sp>
+        <p:nvSpPr>
+          <p:cNvPr id="5" name="Content Placeholder 2">
+            <a:extLst>
+              <a:ext uri="{FF2B5EF4-FFF2-40B4-BE49-F238E27FC236}">
+                <a16:creationId xmlns:a16="http://schemas.microsoft.com/office/drawing/2014/main" id="{9A41E9B9-359F-4652-B292-08D7DA25DEE3}"/>
+              </a:ext>
+            </a:extLst>
+          </p:cNvPr>
+          <p:cNvSpPr txBox="1">
+            <a:spLocks/>
+          </p:cNvSpPr>
+          <p:nvPr/>
+        </p:nvSpPr>
+        <p:spPr>
+          <a:xfrm>
+            <a:off x="838200" y="5039042"/>
+            <a:ext cx="10715710" cy="829022"/>
+          </a:xfrm>
+          <a:prstGeom prst="rect">
+            <a:avLst/>
+          </a:prstGeom>
+        </p:spPr>
+        <p:txBody>
+          <a:bodyPr vert="horz" lIns="91440" tIns="45720" rIns="91440" bIns="45720" rtlCol="0" anchor="ctr">
+            <a:normAutofit/>
+          </a:bodyPr>
+          <a:lstStyle>
+            <a:lvl1pPr marL="228600" indent="-228600" algn="l" defTabSz="914400" rtl="0" eaLnBrk="1" latinLnBrk="0" hangingPunct="1">
+              <a:lnSpc>
+                <a:spcPct val="90000"/>
+              </a:lnSpc>
+              <a:spcBef>
+                <a:spcPts val="1000"/>
+              </a:spcBef>
+              <a:buFont typeface="Arial" panose="020B0604020202020204" pitchFamily="34" charset="0"/>
+              <a:buChar char="•"/>
+              <a:defRPr sz="2800" kern="1200">
+                <a:solidFill>
+                  <a:schemeClr val="tx1"/>
+                </a:solidFill>
+                <a:latin typeface="+mn-lt"/>
+                <a:ea typeface="+mn-ea"/>
+                <a:cs typeface="+mn-cs"/>
+              </a:defRPr>
+            </a:lvl1pPr>
+            <a:lvl2pPr marL="685800" indent="-228600" algn="l" defTabSz="914400" rtl="0" eaLnBrk="1" latinLnBrk="0" hangingPunct="1">
+              <a:lnSpc>
+                <a:spcPct val="90000"/>
+              </a:lnSpc>
+              <a:spcBef>
+                <a:spcPts val="500"/>
+              </a:spcBef>
+              <a:buFont typeface="Arial" panose="020B0604020202020204" pitchFamily="34" charset="0"/>
+              <a:buChar char="•"/>
+              <a:defRPr sz="2400" kern="1200">
+                <a:solidFill>
+                  <a:schemeClr val="tx1"/>
+                </a:solidFill>
+                <a:latin typeface="+mn-lt"/>
+                <a:ea typeface="+mn-ea"/>
+                <a:cs typeface="+mn-cs"/>
+              </a:defRPr>
+            </a:lvl2pPr>
+            <a:lvl3pPr marL="1143000" indent="-228600" algn="l" defTabSz="914400" rtl="0" eaLnBrk="1" latinLnBrk="0" hangingPunct="1">
+              <a:lnSpc>
+                <a:spcPct val="90000"/>
+              </a:lnSpc>
+              <a:spcBef>
+                <a:spcPts val="500"/>
+              </a:spcBef>
+              <a:buFont typeface="Arial" panose="020B0604020202020204" pitchFamily="34" charset="0"/>
+              <a:buChar char="•"/>
+              <a:defRPr sz="2000" kern="1200">
+                <a:solidFill>
+                  <a:schemeClr val="tx1"/>
+                </a:solidFill>
+                <a:latin typeface="+mn-lt"/>
+                <a:ea typeface="+mn-ea"/>
+                <a:cs typeface="+mn-cs"/>
+              </a:defRPr>
+            </a:lvl3pPr>
+            <a:lvl4pPr marL="1600200" indent="-228600" algn="l" defTabSz="914400" rtl="0" eaLnBrk="1" latinLnBrk="0" hangingPunct="1">
+              <a:lnSpc>
+                <a:spcPct val="90000"/>
+              </a:lnSpc>
+              <a:spcBef>
+                <a:spcPts val="500"/>
+              </a:spcBef>
+              <a:buFont typeface="Arial" panose="020B0604020202020204" pitchFamily="34" charset="0"/>
+              <a:buChar char="•"/>
+              <a:defRPr sz="1800" kern="1200">
+                <a:solidFill>
+                  <a:schemeClr val="tx1"/>
+                </a:solidFill>
+                <a:latin typeface="+mn-lt"/>
+                <a:ea typeface="+mn-ea"/>
+                <a:cs typeface="+mn-cs"/>
+              </a:defRPr>
+            </a:lvl4pPr>
+            <a:lvl5pPr marL="2057400" indent="-228600" algn="l" defTabSz="914400" rtl="0" eaLnBrk="1" latinLnBrk="0" hangingPunct="1">
+              <a:lnSpc>
+                <a:spcPct val="90000"/>
+              </a:lnSpc>
+              <a:spcBef>
+                <a:spcPts val="500"/>
+              </a:spcBef>
+              <a:buFont typeface="Arial" panose="020B0604020202020204" pitchFamily="34" charset="0"/>
+              <a:buChar char="•"/>
+              <a:defRPr sz="1800" kern="1200">
+                <a:solidFill>
+                  <a:schemeClr val="tx1"/>
+                </a:solidFill>
+                <a:latin typeface="+mn-lt"/>
+                <a:ea typeface="+mn-ea"/>
+                <a:cs typeface="+mn-cs"/>
+              </a:defRPr>
+            </a:lvl5pPr>
+            <a:lvl6pPr marL="2514600" indent="-228600" algn="l" defTabSz="914400" rtl="0" eaLnBrk="1" latinLnBrk="0" hangingPunct="1">
+              <a:lnSpc>
+                <a:spcPct val="90000"/>
+              </a:lnSpc>
+              <a:spcBef>
+                <a:spcPts val="500"/>
+              </a:spcBef>
+              <a:buFont typeface="Arial" panose="020B0604020202020204" pitchFamily="34" charset="0"/>
+              <a:buChar char="•"/>
+              <a:defRPr sz="1800" kern="1200">
+                <a:solidFill>
+                  <a:schemeClr val="tx1"/>
+                </a:solidFill>
+                <a:latin typeface="+mn-lt"/>
+                <a:ea typeface="+mn-ea"/>
+                <a:cs typeface="+mn-cs"/>
+              </a:defRPr>
+            </a:lvl6pPr>
+            <a:lvl7pPr marL="2971800" indent="-228600" algn="l" defTabSz="914400" rtl="0" eaLnBrk="1" latinLnBrk="0" hangingPunct="1">
+              <a:lnSpc>
+                <a:spcPct val="90000"/>
+              </a:lnSpc>
+              <a:spcBef>
+                <a:spcPts val="500"/>
+              </a:spcBef>
+              <a:buFont typeface="Arial" panose="020B0604020202020204" pitchFamily="34" charset="0"/>
+              <a:buChar char="•"/>
+              <a:defRPr sz="1800" kern="1200">
+                <a:solidFill>
+                  <a:schemeClr val="tx1"/>
+                </a:solidFill>
+                <a:latin typeface="+mn-lt"/>
+                <a:ea typeface="+mn-ea"/>
+                <a:cs typeface="+mn-cs"/>
+              </a:defRPr>
+            </a:lvl7pPr>
+            <a:lvl8pPr marL="3429000" indent="-228600" algn="l" defTabSz="914400" rtl="0" eaLnBrk="1" latinLnBrk="0" hangingPunct="1">
+              <a:lnSpc>
+                <a:spcPct val="90000"/>
+              </a:lnSpc>
+              <a:spcBef>
+                <a:spcPts val="500"/>
+              </a:spcBef>
+              <a:buFont typeface="Arial" panose="020B0604020202020204" pitchFamily="34" charset="0"/>
+              <a:buChar char="•"/>
+              <a:defRPr sz="1800" kern="1200">
+                <a:solidFill>
+                  <a:schemeClr val="tx1"/>
+                </a:solidFill>
+                <a:latin typeface="+mn-lt"/>
+                <a:ea typeface="+mn-ea"/>
+                <a:cs typeface="+mn-cs"/>
+              </a:defRPr>
+            </a:lvl8pPr>
+            <a:lvl9pPr marL="3886200" indent="-228600" algn="l" defTabSz="914400" rtl="0" eaLnBrk="1" latinLnBrk="0" hangingPunct="1">
+              <a:lnSpc>
+                <a:spcPct val="90000"/>
+              </a:lnSpc>
+              <a:spcBef>
+                <a:spcPts val="500"/>
+              </a:spcBef>
+              <a:buFont typeface="Arial" panose="020B0604020202020204" pitchFamily="34" charset="0"/>
+              <a:buChar char="•"/>
+              <a:defRPr sz="1800" kern="1200">
+                <a:solidFill>
+                  <a:schemeClr val="tx1"/>
+                </a:solidFill>
+                <a:latin typeface="+mn-lt"/>
+                <a:ea typeface="+mn-ea"/>
+                <a:cs typeface="+mn-cs"/>
+              </a:defRPr>
+            </a:lvl9pPr>
+          </a:lstStyle>
+          <a:p>
+            <a:pPr marL="0" indent="0" algn="ctr">
+              <a:buNone/>
+            </a:pPr>
+            <a:r>
+              <a:rPr lang="en-US" sz="2000" dirty="0">
+                <a:latin typeface="Euclid Circular B" panose="020B0504000000000000" pitchFamily="34" charset="0"/>
+                <a:ea typeface="Euclid Circular B" panose="020B0504000000000000" pitchFamily="34" charset="0"/>
+              </a:rPr>
+              <a:t>Reference: </a:t>
+            </a:r>
+            <a:r>
+              <a:rPr lang="en-US" sz="2000" dirty="0">
+                <a:latin typeface="Euclid Circular B" panose="020B0504000000000000" pitchFamily="34" charset="0"/>
+                <a:ea typeface="Euclid Circular B" panose="020B0504000000000000" pitchFamily="34" charset="0"/>
+                <a:hlinkClick r:id="rId3"/>
+              </a:rPr>
+              <a:t>https://martinfowler.com/articles/microservice-trade-offs.html</a:t>
+            </a:r>
+            <a:r>
+              <a:rPr lang="en-US" sz="2000" dirty="0">
+                <a:latin typeface="Euclid Circular B" panose="020B0504000000000000" pitchFamily="34" charset="0"/>
+                <a:ea typeface="Euclid Circular B" panose="020B0504000000000000" pitchFamily="34" charset="0"/>
+              </a:rPr>
+              <a:t> </a:t>
+            </a:r>
           </a:p>
         </p:txBody>
       </p:sp>
     </p:spTree>
     <p:extLst>
       <p:ext uri="{BB962C8B-B14F-4D97-AF65-F5344CB8AC3E}">
-        <p14:creationId xmlns:p14="http://schemas.microsoft.com/office/powerpoint/2010/main" val="989995036"/>
+        <p14:creationId xmlns:p14="http://schemas.microsoft.com/office/powerpoint/2010/main" val="3435363587"/>
       </p:ext>
     </p:extLst>
   </p:cSld>
   <p:clrMapOvr>
     <a:masterClrMapping/>
   </p:clrMapOvr>
+  <p:timing>
+    <p:tnLst>
+      <p:par>
+        <p:cTn id="1" dur="indefinite" restart="never" nodeType="tmRoot">
+          <p:childTnLst>
+            <p:seq concurrent="1" nextAc="seek">
+              <p:cTn id="2" dur="indefinite" nodeType="mainSeq">
+                <p:childTnLst>
+                  <p:par>
+                    <p:cTn id="3" fill="hold">
+                      <p:stCondLst>
+                        <p:cond delay="indefinite"/>
+                      </p:stCondLst>
+                      <p:childTnLst>
+                        <p:par>
+                          <p:cTn id="4" fill="hold">
+                            <p:stCondLst>
+                              <p:cond delay="0"/>
+                            </p:stCondLst>
+                            <p:childTnLst>
+                              <p:par>
+                                <p:cTn id="5" presetID="10" presetClass="entr" presetSubtype="0" fill="hold" nodeType="clickEffect">
+                                  <p:stCondLst>
+                                    <p:cond delay="0"/>
+                                  </p:stCondLst>
+                                  <p:childTnLst>
+                                    <p:set>
+                                      <p:cBhvr>
+                                        <p:cTn id="6" dur="1" fill="hold">
+                                          <p:stCondLst>
+                                            <p:cond delay="0"/>
+                                          </p:stCondLst>
+                                        </p:cTn>
+                                        <p:tgtEl>
+                                          <p:spTgt spid="3">
+                                            <p:txEl>
+                                              <p:pRg st="1" end="1"/>
+                                            </p:txEl>
+                                          </p:spTgt>
+                                        </p:tgtEl>
+                                        <p:attrNameLst>
+                                          <p:attrName>style.visibility</p:attrName>
+                                        </p:attrNameLst>
+                                      </p:cBhvr>
+                                      <p:to>
+                                        <p:strVal val="visible"/>
+                                      </p:to>
+                                    </p:set>
+                                    <p:animEffect transition="in" filter="fade">
+                                      <p:cBhvr>
+                                        <p:cTn id="7" dur="500"/>
+                                        <p:tgtEl>
+                                          <p:spTgt spid="3">
+                                            <p:txEl>
+                                              <p:pRg st="1" end="1"/>
+                                            </p:txEl>
+                                          </p:spTgt>
+                                        </p:tgtEl>
+                                      </p:cBhvr>
+                                    </p:animEffect>
+                                  </p:childTnLst>
+                                </p:cTn>
+                              </p:par>
+                            </p:childTnLst>
+                          </p:cTn>
+                        </p:par>
+                      </p:childTnLst>
+                    </p:cTn>
+                  </p:par>
+                  <p:par>
+                    <p:cTn id="8" fill="hold">
+                      <p:stCondLst>
+                        <p:cond delay="indefinite"/>
+                      </p:stCondLst>
+                      <p:childTnLst>
+                        <p:par>
+                          <p:cTn id="9" fill="hold">
+                            <p:stCondLst>
+                              <p:cond delay="0"/>
+                            </p:stCondLst>
+                            <p:childTnLst>
+                              <p:par>
+                                <p:cTn id="10" presetID="10" presetClass="entr" presetSubtype="0" fill="hold" nodeType="clickEffect">
+                                  <p:stCondLst>
+                                    <p:cond delay="0"/>
+                                  </p:stCondLst>
+                                  <p:childTnLst>
+                                    <p:set>
+                                      <p:cBhvr>
+                                        <p:cTn id="11" dur="1" fill="hold">
+                                          <p:stCondLst>
+                                            <p:cond delay="0"/>
+                                          </p:stCondLst>
+                                        </p:cTn>
+                                        <p:tgtEl>
+                                          <p:spTgt spid="3">
+                                            <p:txEl>
+                                              <p:pRg st="2" end="2"/>
+                                            </p:txEl>
+                                          </p:spTgt>
+                                        </p:tgtEl>
+                                        <p:attrNameLst>
+                                          <p:attrName>style.visibility</p:attrName>
+                                        </p:attrNameLst>
+                                      </p:cBhvr>
+                                      <p:to>
+                                        <p:strVal val="visible"/>
+                                      </p:to>
+                                    </p:set>
+                                    <p:animEffect transition="in" filter="fade">
+                                      <p:cBhvr>
+                                        <p:cTn id="12" dur="500"/>
+                                        <p:tgtEl>
+                                          <p:spTgt spid="3">
+                                            <p:txEl>
+                                              <p:pRg st="2" end="2"/>
+                                            </p:txEl>
+                                          </p:spTgt>
+                                        </p:tgtEl>
+                                      </p:cBhvr>
+                                    </p:animEffect>
+                                  </p:childTnLst>
+                                </p:cTn>
+                              </p:par>
+                            </p:childTnLst>
+                          </p:cTn>
+                        </p:par>
+                      </p:childTnLst>
+                    </p:cTn>
+                  </p:par>
+                  <p:par>
+                    <p:cTn id="13" fill="hold">
+                      <p:stCondLst>
+                        <p:cond delay="indefinite"/>
+                      </p:stCondLst>
+                      <p:childTnLst>
+                        <p:par>
+                          <p:cTn id="14" fill="hold">
+                            <p:stCondLst>
+                              <p:cond delay="0"/>
+                            </p:stCondLst>
+                            <p:childTnLst>
+                              <p:par>
+                                <p:cTn id="15" presetID="10" presetClass="entr" presetSubtype="0" fill="hold" nodeType="clickEffect">
+                                  <p:stCondLst>
+                                    <p:cond delay="0"/>
+                                  </p:stCondLst>
+                                  <p:childTnLst>
+                                    <p:set>
+                                      <p:cBhvr>
+                                        <p:cTn id="16" dur="1" fill="hold">
+                                          <p:stCondLst>
+                                            <p:cond delay="0"/>
+                                          </p:stCondLst>
+                                        </p:cTn>
+                                        <p:tgtEl>
+                                          <p:spTgt spid="3">
+                                            <p:txEl>
+                                              <p:pRg st="3" end="3"/>
+                                            </p:txEl>
+                                          </p:spTgt>
+                                        </p:tgtEl>
+                                        <p:attrNameLst>
+                                          <p:attrName>style.visibility</p:attrName>
+                                        </p:attrNameLst>
+                                      </p:cBhvr>
+                                      <p:to>
+                                        <p:strVal val="visible"/>
+                                      </p:to>
+                                    </p:set>
+                                    <p:animEffect transition="in" filter="fade">
+                                      <p:cBhvr>
+                                        <p:cTn id="17" dur="500"/>
+                                        <p:tgtEl>
+                                          <p:spTgt spid="3">
+                                            <p:txEl>
+                                              <p:pRg st="3" end="3"/>
+                                            </p:txEl>
+                                          </p:spTgt>
+                                        </p:tgtEl>
+                                      </p:cBhvr>
+                                    </p:animEffect>
+                                  </p:childTnLst>
+                                </p:cTn>
+                              </p:par>
+                            </p:childTnLst>
+                          </p:cTn>
+                        </p:par>
+                      </p:childTnLst>
+                    </p:cTn>
+                  </p:par>
+                  <p:par>
+                    <p:cTn id="18" fill="hold">
+                      <p:stCondLst>
+                        <p:cond delay="indefinite"/>
+                      </p:stCondLst>
+                      <p:childTnLst>
+                        <p:par>
+                          <p:cTn id="19" fill="hold">
+                            <p:stCondLst>
+                              <p:cond delay="0"/>
+                            </p:stCondLst>
+                            <p:childTnLst>
+                              <p:par>
+                                <p:cTn id="20" presetID="10" presetClass="entr" presetSubtype="0" fill="hold" nodeType="clickEffect">
+                                  <p:stCondLst>
+                                    <p:cond delay="0"/>
+                                  </p:stCondLst>
+                                  <p:childTnLst>
+                                    <p:set>
+                                      <p:cBhvr>
+                                        <p:cTn id="21" dur="1" fill="hold">
+                                          <p:stCondLst>
+                                            <p:cond delay="0"/>
+                                          </p:stCondLst>
+                                        </p:cTn>
+                                        <p:tgtEl>
+                                          <p:spTgt spid="4">
+                                            <p:txEl>
+                                              <p:pRg st="1" end="1"/>
+                                            </p:txEl>
+                                          </p:spTgt>
+                                        </p:tgtEl>
+                                        <p:attrNameLst>
+                                          <p:attrName>style.visibility</p:attrName>
+                                        </p:attrNameLst>
+                                      </p:cBhvr>
+                                      <p:to>
+                                        <p:strVal val="visible"/>
+                                      </p:to>
+                                    </p:set>
+                                    <p:animEffect transition="in" filter="fade">
+                                      <p:cBhvr>
+                                        <p:cTn id="22" dur="500"/>
+                                        <p:tgtEl>
+                                          <p:spTgt spid="4">
+                                            <p:txEl>
+                                              <p:pRg st="1" end="1"/>
+                                            </p:txEl>
+                                          </p:spTgt>
+                                        </p:tgtEl>
+                                      </p:cBhvr>
+                                    </p:animEffect>
+                                  </p:childTnLst>
+                                </p:cTn>
+                              </p:par>
+                            </p:childTnLst>
+                          </p:cTn>
+                        </p:par>
+                      </p:childTnLst>
+                    </p:cTn>
+                  </p:par>
+                  <p:par>
+                    <p:cTn id="23" fill="hold">
+                      <p:stCondLst>
+                        <p:cond delay="indefinite"/>
+                      </p:stCondLst>
+                      <p:childTnLst>
+                        <p:par>
+                          <p:cTn id="24" fill="hold">
+                            <p:stCondLst>
+                              <p:cond delay="0"/>
+                            </p:stCondLst>
+                            <p:childTnLst>
+                              <p:par>
+                                <p:cTn id="25" presetID="10" presetClass="entr" presetSubtype="0" fill="hold" nodeType="clickEffect">
+                                  <p:stCondLst>
+                                    <p:cond delay="0"/>
+                                  </p:stCondLst>
+                                  <p:childTnLst>
+                                    <p:set>
+                                      <p:cBhvr>
+                                        <p:cTn id="26" dur="1" fill="hold">
+                                          <p:stCondLst>
+                                            <p:cond delay="0"/>
+                                          </p:stCondLst>
+                                        </p:cTn>
+                                        <p:tgtEl>
+                                          <p:spTgt spid="4">
+                                            <p:txEl>
+                                              <p:pRg st="2" end="2"/>
+                                            </p:txEl>
+                                          </p:spTgt>
+                                        </p:tgtEl>
+                                        <p:attrNameLst>
+                                          <p:attrName>style.visibility</p:attrName>
+                                        </p:attrNameLst>
+                                      </p:cBhvr>
+                                      <p:to>
+                                        <p:strVal val="visible"/>
+                                      </p:to>
+                                    </p:set>
+                                    <p:animEffect transition="in" filter="fade">
+                                      <p:cBhvr>
+                                        <p:cTn id="27" dur="500"/>
+                                        <p:tgtEl>
+                                          <p:spTgt spid="4">
+                                            <p:txEl>
+                                              <p:pRg st="2" end="2"/>
+                                            </p:txEl>
+                                          </p:spTgt>
+                                        </p:tgtEl>
+                                      </p:cBhvr>
+                                    </p:animEffect>
+                                  </p:childTnLst>
+                                </p:cTn>
+                              </p:par>
+                            </p:childTnLst>
+                          </p:cTn>
+                        </p:par>
+                      </p:childTnLst>
+                    </p:cTn>
+                  </p:par>
+                  <p:par>
+                    <p:cTn id="28" fill="hold">
+                      <p:stCondLst>
+                        <p:cond delay="indefinite"/>
+                      </p:stCondLst>
+                      <p:childTnLst>
+                        <p:par>
+                          <p:cTn id="29" fill="hold">
+                            <p:stCondLst>
+                              <p:cond delay="0"/>
+                            </p:stCondLst>
+                            <p:childTnLst>
+                              <p:par>
+                                <p:cTn id="30" presetID="10" presetClass="entr" presetSubtype="0" fill="hold" nodeType="clickEffect">
+                                  <p:stCondLst>
+                                    <p:cond delay="0"/>
+                                  </p:stCondLst>
+                                  <p:childTnLst>
+                                    <p:set>
+                                      <p:cBhvr>
+                                        <p:cTn id="31" dur="1" fill="hold">
+                                          <p:stCondLst>
+                                            <p:cond delay="0"/>
+                                          </p:stCondLst>
+                                        </p:cTn>
+                                        <p:tgtEl>
+                                          <p:spTgt spid="4">
+                                            <p:txEl>
+                                              <p:pRg st="3" end="3"/>
+                                            </p:txEl>
+                                          </p:spTgt>
+                                        </p:tgtEl>
+                                        <p:attrNameLst>
+                                          <p:attrName>style.visibility</p:attrName>
+                                        </p:attrNameLst>
+                                      </p:cBhvr>
+                                      <p:to>
+                                        <p:strVal val="visible"/>
+                                      </p:to>
+                                    </p:set>
+                                    <p:animEffect transition="in" filter="fade">
+                                      <p:cBhvr>
+                                        <p:cTn id="32" dur="500"/>
+                                        <p:tgtEl>
+                                          <p:spTgt spid="4">
+                                            <p:txEl>
+                                              <p:pRg st="3" end="3"/>
+                                            </p:txEl>
+                                          </p:spTgt>
+                                        </p:tgtEl>
+                                      </p:cBhvr>
+                                    </p:animEffect>
+                                  </p:childTnLst>
+                                </p:cTn>
+                              </p:par>
+                            </p:childTnLst>
+                          </p:cTn>
+                        </p:par>
+                      </p:childTnLst>
+                    </p:cTn>
+                  </p:par>
+                  <p:par>
+                    <p:cTn id="33" fill="hold">
+                      <p:stCondLst>
+                        <p:cond delay="indefinite"/>
+                      </p:stCondLst>
+                      <p:childTnLst>
+                        <p:par>
+                          <p:cTn id="34" fill="hold">
+                            <p:stCondLst>
+                              <p:cond delay="0"/>
+                            </p:stCondLst>
+                            <p:childTnLst>
+                              <p:par>
+                                <p:cTn id="35" presetID="10" presetClass="entr" presetSubtype="0" fill="hold" grpId="0" nodeType="clickEffect">
+                                  <p:stCondLst>
+                                    <p:cond delay="0"/>
+                                  </p:stCondLst>
+                                  <p:childTnLst>
+                                    <p:set>
+                                      <p:cBhvr>
+                                        <p:cTn id="36" dur="1" fill="hold">
+                                          <p:stCondLst>
+                                            <p:cond delay="0"/>
+                                          </p:stCondLst>
+                                        </p:cTn>
+                                        <p:tgtEl>
+                                          <p:spTgt spid="5"/>
+                                        </p:tgtEl>
+                                        <p:attrNameLst>
+                                          <p:attrName>style.visibility</p:attrName>
+                                        </p:attrNameLst>
+                                      </p:cBhvr>
+                                      <p:to>
+                                        <p:strVal val="visible"/>
+                                      </p:to>
+                                    </p:set>
+                                    <p:animEffect transition="in" filter="fade">
+                                      <p:cBhvr>
+                                        <p:cTn id="37" dur="500"/>
+                                        <p:tgtEl>
+                                          <p:spTgt spid="5"/>
+                                        </p:tgtEl>
+                                      </p:cBhvr>
+                                    </p:animEffect>
+                                  </p:childTnLst>
+                                </p:cTn>
+                              </p:par>
+                            </p:childTnLst>
+                          </p:cTn>
+                        </p:par>
+                      </p:childTnLst>
+                    </p:cTn>
+                  </p:par>
+                </p:childTnLst>
+              </p:cTn>
+              <p:prevCondLst>
+                <p:cond evt="onPrev" delay="0">
+                  <p:tgtEl>
+                    <p:sldTgt/>
+                  </p:tgtEl>
+                </p:cond>
+              </p:prevCondLst>
+              <p:nextCondLst>
+                <p:cond evt="onNext" delay="0">
+                  <p:tgtEl>
+                    <p:sldTgt/>
+                  </p:tgtEl>
+                </p:cond>
+              </p:nextCondLst>
+            </p:seq>
+          </p:childTnLst>
+        </p:cTn>
+      </p:par>
+    </p:tnLst>
+    <p:bldLst>
+      <p:bldP spid="5" grpId="0"/>
+    </p:bldLst>
+  </p:timing>
 </p:sld>
 </file>
 
@@ -4219,7 +7298,7 @@
           <p:cNvPr id="2" name="Title 1">
             <a:extLst>
               <a:ext uri="{FF2B5EF4-FFF2-40B4-BE49-F238E27FC236}">
-                <a16:creationId xmlns:a16="http://schemas.microsoft.com/office/drawing/2014/main" id="{9255DFBE-19DA-408D-84E6-F4043FC30BD3}"/>
+                <a16:creationId xmlns:a16="http://schemas.microsoft.com/office/drawing/2014/main" id="{55E11F08-6CA0-48F1-AD67-97430DDA07F0}"/>
               </a:ext>
             </a:extLst>
           </p:cNvPr>
@@ -4227,79 +7306,641 @@
             <a:spLocks noGrp="1"/>
           </p:cNvSpPr>
           <p:nvPr>
-            <p:ph type="ctrTitle"/>
+            <p:ph type="title"/>
           </p:nvPr>
         </p:nvSpPr>
         <p:spPr/>
+        <p:txBody>
+          <a:bodyPr/>
+          <a:lstStyle/>
+          <a:p>
+            <a:r>
+              <a:rPr lang="en-US" b="1" dirty="0">
+                <a:solidFill>
+                  <a:srgbClr val="292D33"/>
+                </a:solidFill>
+                <a:latin typeface="Euclid Circular B" panose="020B0504000000000000" pitchFamily="34" charset="0"/>
+                <a:ea typeface="Euclid Circular B" panose="020B0504000000000000" pitchFamily="34" charset="0"/>
+              </a:rPr>
+              <a:t>Microservices</a:t>
+            </a:r>
+            <a:r>
+              <a:rPr lang="en-US" dirty="0">
+                <a:solidFill>
+                  <a:srgbClr val="292D33"/>
+                </a:solidFill>
+                <a:latin typeface="Euclid Circular B" panose="020B0504000000000000" pitchFamily="34" charset="0"/>
+                <a:ea typeface="Euclid Circular B" panose="020B0504000000000000" pitchFamily="34" charset="0"/>
+              </a:rPr>
+              <a:t>: Who is for?</a:t>
+            </a:r>
+          </a:p>
+        </p:txBody>
+      </p:sp>
+      <p:sp>
+        <p:nvSpPr>
+          <p:cNvPr id="3" name="Content Placeholder 2">
+            <a:extLst>
+              <a:ext uri="{FF2B5EF4-FFF2-40B4-BE49-F238E27FC236}">
+                <a16:creationId xmlns:a16="http://schemas.microsoft.com/office/drawing/2014/main" id="{891C7693-D3DF-4635-96F4-97F3B4136FDF}"/>
+              </a:ext>
+            </a:extLst>
+          </p:cNvPr>
+          <p:cNvSpPr>
+            <a:spLocks noGrp="1"/>
+          </p:cNvSpPr>
+          <p:nvPr>
+            <p:ph idx="1"/>
+          </p:nvPr>
+        </p:nvSpPr>
+        <p:spPr>
+          <a:xfrm>
+            <a:off x="1045590" y="4872659"/>
+            <a:ext cx="4746735" cy="1620216"/>
+          </a:xfrm>
+        </p:spPr>
         <p:txBody>
           <a:bodyPr>
             <a:normAutofit/>
           </a:bodyPr>
           <a:lstStyle/>
           <a:p>
-            <a:r>
-              <a:rPr lang="en-US" sz="4800" b="1" dirty="0">
+            <a:pPr marL="0" indent="0">
+              <a:buNone/>
+            </a:pPr>
+            <a:r>
+              <a:rPr lang="en-US" sz="3200" b="1" dirty="0">
+                <a:latin typeface="Euclid Circular B" panose="020B0504000000000000" pitchFamily="34" charset="0"/>
+                <a:ea typeface="Euclid Circular B" panose="020B0504000000000000" pitchFamily="34" charset="0"/>
+              </a:rPr>
+              <a:t>Large development team </a:t>
+            </a:r>
+            <a:r>
+              <a:rPr lang="en-US" sz="3200" dirty="0">
+                <a:latin typeface="Euclid Circular B" panose="020B0504000000000000" pitchFamily="34" charset="0"/>
+                <a:ea typeface="Euclid Circular B" panose="020B0504000000000000" pitchFamily="34" charset="0"/>
+              </a:rPr>
+              <a:t>with </a:t>
+            </a:r>
+            <a:r>
+              <a:rPr lang="en-US" sz="3200" b="1" dirty="0">
+                <a:latin typeface="Euclid Circular B" panose="020B0504000000000000" pitchFamily="34" charset="0"/>
+                <a:ea typeface="Euclid Circular B" panose="020B0504000000000000" pitchFamily="34" charset="0"/>
+              </a:rPr>
+              <a:t>DevOps</a:t>
+            </a:r>
+            <a:r>
+              <a:rPr lang="en-US" sz="3200" dirty="0">
+                <a:latin typeface="Euclid Circular B" panose="020B0504000000000000" pitchFamily="34" charset="0"/>
+                <a:ea typeface="Euclid Circular B" panose="020B0504000000000000" pitchFamily="34" charset="0"/>
+              </a:rPr>
+              <a:t> and automation culture</a:t>
+            </a:r>
+          </a:p>
+        </p:txBody>
+      </p:sp>
+      <p:pic>
+        <p:nvPicPr>
+          <p:cNvPr id="5122" name="Picture 2" descr="Uniland&amp;#39;s Portfolio Supports Growing Businesses | Best Office Space">
+            <a:extLst>
+              <a:ext uri="{FF2B5EF4-FFF2-40B4-BE49-F238E27FC236}">
+                <a16:creationId xmlns:a16="http://schemas.microsoft.com/office/drawing/2014/main" id="{89F52188-709F-46CE-9DD9-CBAC90F55AEE}"/>
+              </a:ext>
+            </a:extLst>
+          </p:cNvPr>
+          <p:cNvPicPr>
+            <a:picLocks noChangeAspect="1" noChangeArrowheads="1"/>
+          </p:cNvPicPr>
+          <p:nvPr/>
+        </p:nvPicPr>
+        <p:blipFill>
+          <a:blip r:embed="rId3">
+            <a:extLst>
+              <a:ext uri="{28A0092B-C50C-407E-A947-70E740481C1C}">
+                <a14:useLocalDpi xmlns:a14="http://schemas.microsoft.com/office/drawing/2010/main" val="0"/>
+              </a:ext>
+            </a:extLst>
+          </a:blip>
+          <a:srcRect/>
+          <a:stretch>
+            <a:fillRect/>
+          </a:stretch>
+        </p:blipFill>
+        <p:spPr bwMode="auto">
+          <a:xfrm>
+            <a:off x="1045590" y="1690688"/>
+            <a:ext cx="4539345" cy="3032141"/>
+          </a:xfrm>
+          <a:prstGeom prst="rect">
+            <a:avLst/>
+          </a:prstGeom>
+          <a:noFill/>
+          <a:extLst>
+            <a:ext uri="{909E8E84-426E-40DD-AFC4-6F175D3DCCD1}">
+              <a14:hiddenFill xmlns:a14="http://schemas.microsoft.com/office/drawing/2010/main">
                 <a:solidFill>
-                  <a:srgbClr val="292D33"/>
+                  <a:srgbClr val="FFFFFF"/>
                 </a:solidFill>
-                <a:latin typeface="Euclid Circular B" panose="020B0504000000000000" pitchFamily="34" charset="0"/>
-                <a:ea typeface="Euclid Circular B" panose="020B0504000000000000" pitchFamily="34" charset="0"/>
-              </a:rPr>
-              <a:t>MIGRATING TO MICROSERVICES</a:t>
-            </a:r>
-          </a:p>
-        </p:txBody>
-      </p:sp>
-      <p:sp>
-        <p:nvSpPr>
-          <p:cNvPr id="3" name="Subtitle 2">
-            <a:extLst>
-              <a:ext uri="{FF2B5EF4-FFF2-40B4-BE49-F238E27FC236}">
-                <a16:creationId xmlns:a16="http://schemas.microsoft.com/office/drawing/2014/main" id="{265612B9-B745-46CB-8A20-997CA82E05E7}"/>
-              </a:ext>
-            </a:extLst>
-          </p:cNvPr>
-          <p:cNvSpPr>
-            <a:spLocks noGrp="1"/>
-          </p:cNvSpPr>
-          <p:nvPr>
-            <p:ph type="subTitle" idx="1"/>
-          </p:nvPr>
-        </p:nvSpPr>
-        <p:spPr/>
-        <p:txBody>
-          <a:bodyPr>
+              </a14:hiddenFill>
+            </a:ext>
+          </a:extLst>
+        </p:spPr>
+      </p:pic>
+      <p:pic>
+        <p:nvPicPr>
+          <p:cNvPr id="5124" name="Picture 4" descr="Why Is Business Important To Society - [10 REASONS ] SmallBusinessify.com">
+            <a:extLst>
+              <a:ext uri="{FF2B5EF4-FFF2-40B4-BE49-F238E27FC236}">
+                <a16:creationId xmlns:a16="http://schemas.microsoft.com/office/drawing/2014/main" id="{6613878B-8058-47F5-9F93-70ED91A3B093}"/>
+              </a:ext>
+            </a:extLst>
+          </p:cNvPr>
+          <p:cNvPicPr>
+            <a:picLocks noChangeAspect="1" noChangeArrowheads="1"/>
+          </p:cNvPicPr>
+          <p:nvPr/>
+        </p:nvPicPr>
+        <p:blipFill>
+          <a:blip r:embed="rId4">
+            <a:extLst>
+              <a:ext uri="{28A0092B-C50C-407E-A947-70E740481C1C}">
+                <a14:useLocalDpi xmlns:a14="http://schemas.microsoft.com/office/drawing/2010/main" val="0"/>
+              </a:ext>
+            </a:extLst>
+          </a:blip>
+          <a:srcRect/>
+          <a:stretch>
+            <a:fillRect/>
+          </a:stretch>
+        </p:blipFill>
+        <p:spPr bwMode="auto">
+          <a:xfrm>
+            <a:off x="6096000" y="1688157"/>
+            <a:ext cx="4141002" cy="3037203"/>
+          </a:xfrm>
+          <a:prstGeom prst="rect">
+            <a:avLst/>
+          </a:prstGeom>
+          <a:noFill/>
+          <a:extLst>
+            <a:ext uri="{909E8E84-426E-40DD-AFC4-6F175D3DCCD1}">
+              <a14:hiddenFill xmlns:a14="http://schemas.microsoft.com/office/drawing/2010/main">
+                <a:solidFill>
+                  <a:srgbClr val="FFFFFF"/>
+                </a:solidFill>
+              </a14:hiddenFill>
+            </a:ext>
+          </a:extLst>
+        </p:spPr>
+      </p:pic>
+      <p:sp>
+        <p:nvSpPr>
+          <p:cNvPr id="6" name="Content Placeholder 2">
+            <a:extLst>
+              <a:ext uri="{FF2B5EF4-FFF2-40B4-BE49-F238E27FC236}">
+                <a16:creationId xmlns:a16="http://schemas.microsoft.com/office/drawing/2014/main" id="{FB7F4021-E29E-48EC-86AF-260177BEB376}"/>
+              </a:ext>
+            </a:extLst>
+          </p:cNvPr>
+          <p:cNvSpPr txBox="1">
+            <a:spLocks/>
+          </p:cNvSpPr>
+          <p:nvPr/>
+        </p:nvSpPr>
+        <p:spPr>
+          <a:xfrm>
+            <a:off x="6096000" y="4871660"/>
+            <a:ext cx="4746735" cy="1620215"/>
+          </a:xfrm>
+          <a:prstGeom prst="rect">
+            <a:avLst/>
+          </a:prstGeom>
+        </p:spPr>
+        <p:txBody>
+          <a:bodyPr vert="horz" lIns="91440" tIns="45720" rIns="91440" bIns="45720" rtlCol="0">
             <a:normAutofit/>
           </a:bodyPr>
-          <a:lstStyle/>
-          <a:p>
-            <a:r>
-              <a:rPr lang="en-US" sz="2000" b="1" dirty="0">
+          <a:lstStyle>
+            <a:lvl1pPr marL="228600" indent="-228600" algn="l" defTabSz="914400" rtl="0" eaLnBrk="1" latinLnBrk="0" hangingPunct="1">
+              <a:lnSpc>
+                <a:spcPct val="90000"/>
+              </a:lnSpc>
+              <a:spcBef>
+                <a:spcPts val="1000"/>
+              </a:spcBef>
+              <a:buFont typeface="Arial" panose="020B0604020202020204" pitchFamily="34" charset="0"/>
+              <a:buChar char="•"/>
+              <a:defRPr sz="2800" kern="1200">
                 <a:solidFill>
-                  <a:srgbClr val="292D33"/>
+                  <a:schemeClr val="tx1"/>
                 </a:solidFill>
-                <a:latin typeface="Euclid Circular B" panose="020B0504000000000000" pitchFamily="34" charset="0"/>
-                <a:ea typeface="Euclid Circular B" panose="020B0504000000000000" pitchFamily="34" charset="0"/>
-              </a:rPr>
-              <a:t>DESIGNING MONOLITH FIRST FOR MICROSERVICE ARCHITECTURE</a:t>
-            </a:r>
-            <a:endParaRPr lang="en-US" sz="2000" dirty="0">
-              <a:latin typeface="Euclid Circular B" panose="020B0504000000000000" pitchFamily="34" charset="0"/>
-              <a:ea typeface="Euclid Circular B" panose="020B0504000000000000" pitchFamily="34" charset="0"/>
-            </a:endParaRPr>
+                <a:latin typeface="+mn-lt"/>
+                <a:ea typeface="+mn-ea"/>
+                <a:cs typeface="+mn-cs"/>
+              </a:defRPr>
+            </a:lvl1pPr>
+            <a:lvl2pPr marL="685800" indent="-228600" algn="l" defTabSz="914400" rtl="0" eaLnBrk="1" latinLnBrk="0" hangingPunct="1">
+              <a:lnSpc>
+                <a:spcPct val="90000"/>
+              </a:lnSpc>
+              <a:spcBef>
+                <a:spcPts val="500"/>
+              </a:spcBef>
+              <a:buFont typeface="Arial" panose="020B0604020202020204" pitchFamily="34" charset="0"/>
+              <a:buChar char="•"/>
+              <a:defRPr sz="2400" kern="1200">
+                <a:solidFill>
+                  <a:schemeClr val="tx1"/>
+                </a:solidFill>
+                <a:latin typeface="+mn-lt"/>
+                <a:ea typeface="+mn-ea"/>
+                <a:cs typeface="+mn-cs"/>
+              </a:defRPr>
+            </a:lvl2pPr>
+            <a:lvl3pPr marL="1143000" indent="-228600" algn="l" defTabSz="914400" rtl="0" eaLnBrk="1" latinLnBrk="0" hangingPunct="1">
+              <a:lnSpc>
+                <a:spcPct val="90000"/>
+              </a:lnSpc>
+              <a:spcBef>
+                <a:spcPts val="500"/>
+              </a:spcBef>
+              <a:buFont typeface="Arial" panose="020B0604020202020204" pitchFamily="34" charset="0"/>
+              <a:buChar char="•"/>
+              <a:defRPr sz="2000" kern="1200">
+                <a:solidFill>
+                  <a:schemeClr val="tx1"/>
+                </a:solidFill>
+                <a:latin typeface="+mn-lt"/>
+                <a:ea typeface="+mn-ea"/>
+                <a:cs typeface="+mn-cs"/>
+              </a:defRPr>
+            </a:lvl3pPr>
+            <a:lvl4pPr marL="1600200" indent="-228600" algn="l" defTabSz="914400" rtl="0" eaLnBrk="1" latinLnBrk="0" hangingPunct="1">
+              <a:lnSpc>
+                <a:spcPct val="90000"/>
+              </a:lnSpc>
+              <a:spcBef>
+                <a:spcPts val="500"/>
+              </a:spcBef>
+              <a:buFont typeface="Arial" panose="020B0604020202020204" pitchFamily="34" charset="0"/>
+              <a:buChar char="•"/>
+              <a:defRPr sz="1800" kern="1200">
+                <a:solidFill>
+                  <a:schemeClr val="tx1"/>
+                </a:solidFill>
+                <a:latin typeface="+mn-lt"/>
+                <a:ea typeface="+mn-ea"/>
+                <a:cs typeface="+mn-cs"/>
+              </a:defRPr>
+            </a:lvl4pPr>
+            <a:lvl5pPr marL="2057400" indent="-228600" algn="l" defTabSz="914400" rtl="0" eaLnBrk="1" latinLnBrk="0" hangingPunct="1">
+              <a:lnSpc>
+                <a:spcPct val="90000"/>
+              </a:lnSpc>
+              <a:spcBef>
+                <a:spcPts val="500"/>
+              </a:spcBef>
+              <a:buFont typeface="Arial" panose="020B0604020202020204" pitchFamily="34" charset="0"/>
+              <a:buChar char="•"/>
+              <a:defRPr sz="1800" kern="1200">
+                <a:solidFill>
+                  <a:schemeClr val="tx1"/>
+                </a:solidFill>
+                <a:latin typeface="+mn-lt"/>
+                <a:ea typeface="+mn-ea"/>
+                <a:cs typeface="+mn-cs"/>
+              </a:defRPr>
+            </a:lvl5pPr>
+            <a:lvl6pPr marL="2514600" indent="-228600" algn="l" defTabSz="914400" rtl="0" eaLnBrk="1" latinLnBrk="0" hangingPunct="1">
+              <a:lnSpc>
+                <a:spcPct val="90000"/>
+              </a:lnSpc>
+              <a:spcBef>
+                <a:spcPts val="500"/>
+              </a:spcBef>
+              <a:buFont typeface="Arial" panose="020B0604020202020204" pitchFamily="34" charset="0"/>
+              <a:buChar char="•"/>
+              <a:defRPr sz="1800" kern="1200">
+                <a:solidFill>
+                  <a:schemeClr val="tx1"/>
+                </a:solidFill>
+                <a:latin typeface="+mn-lt"/>
+                <a:ea typeface="+mn-ea"/>
+                <a:cs typeface="+mn-cs"/>
+              </a:defRPr>
+            </a:lvl6pPr>
+            <a:lvl7pPr marL="2971800" indent="-228600" algn="l" defTabSz="914400" rtl="0" eaLnBrk="1" latinLnBrk="0" hangingPunct="1">
+              <a:lnSpc>
+                <a:spcPct val="90000"/>
+              </a:lnSpc>
+              <a:spcBef>
+                <a:spcPts val="500"/>
+              </a:spcBef>
+              <a:buFont typeface="Arial" panose="020B0604020202020204" pitchFamily="34" charset="0"/>
+              <a:buChar char="•"/>
+              <a:defRPr sz="1800" kern="1200">
+                <a:solidFill>
+                  <a:schemeClr val="tx1"/>
+                </a:solidFill>
+                <a:latin typeface="+mn-lt"/>
+                <a:ea typeface="+mn-ea"/>
+                <a:cs typeface="+mn-cs"/>
+              </a:defRPr>
+            </a:lvl7pPr>
+            <a:lvl8pPr marL="3429000" indent="-228600" algn="l" defTabSz="914400" rtl="0" eaLnBrk="1" latinLnBrk="0" hangingPunct="1">
+              <a:lnSpc>
+                <a:spcPct val="90000"/>
+              </a:lnSpc>
+              <a:spcBef>
+                <a:spcPts val="500"/>
+              </a:spcBef>
+              <a:buFont typeface="Arial" panose="020B0604020202020204" pitchFamily="34" charset="0"/>
+              <a:buChar char="•"/>
+              <a:defRPr sz="1800" kern="1200">
+                <a:solidFill>
+                  <a:schemeClr val="tx1"/>
+                </a:solidFill>
+                <a:latin typeface="+mn-lt"/>
+                <a:ea typeface="+mn-ea"/>
+                <a:cs typeface="+mn-cs"/>
+              </a:defRPr>
+            </a:lvl8pPr>
+            <a:lvl9pPr marL="3886200" indent="-228600" algn="l" defTabSz="914400" rtl="0" eaLnBrk="1" latinLnBrk="0" hangingPunct="1">
+              <a:lnSpc>
+                <a:spcPct val="90000"/>
+              </a:lnSpc>
+              <a:spcBef>
+                <a:spcPts val="500"/>
+              </a:spcBef>
+              <a:buFont typeface="Arial" panose="020B0604020202020204" pitchFamily="34" charset="0"/>
+              <a:buChar char="•"/>
+              <a:defRPr sz="1800" kern="1200">
+                <a:solidFill>
+                  <a:schemeClr val="tx1"/>
+                </a:solidFill>
+                <a:latin typeface="+mn-lt"/>
+                <a:ea typeface="+mn-ea"/>
+                <a:cs typeface="+mn-cs"/>
+              </a:defRPr>
+            </a:lvl9pPr>
+          </a:lstStyle>
+          <a:p>
+            <a:pPr marL="0" indent="0">
+              <a:buFont typeface="Arial" panose="020B0604020202020204" pitchFamily="34" charset="0"/>
+              <a:buNone/>
+            </a:pPr>
+            <a:r>
+              <a:rPr lang="en-US" sz="3200" dirty="0">
+                <a:latin typeface="Euclid Circular B" panose="020B0504000000000000" pitchFamily="34" charset="0"/>
+                <a:ea typeface="Euclid Circular B" panose="020B0504000000000000" pitchFamily="34" charset="0"/>
+              </a:rPr>
+              <a:t>Large, complex and </a:t>
+            </a:r>
+            <a:r>
+              <a:rPr lang="en-US" sz="3200" b="1" dirty="0">
+                <a:latin typeface="Euclid Circular B" panose="020B0504000000000000" pitchFamily="34" charset="0"/>
+                <a:ea typeface="Euclid Circular B" panose="020B0504000000000000" pitchFamily="34" charset="0"/>
+              </a:rPr>
+              <a:t>mature</a:t>
+            </a:r>
+            <a:r>
+              <a:rPr lang="en-US" sz="3200" dirty="0">
+                <a:latin typeface="Euclid Circular B" panose="020B0504000000000000" pitchFamily="34" charset="0"/>
+                <a:ea typeface="Euclid Circular B" panose="020B0504000000000000" pitchFamily="34" charset="0"/>
+              </a:rPr>
+              <a:t> business or domain</a:t>
+            </a:r>
           </a:p>
         </p:txBody>
       </p:sp>
     </p:spTree>
     <p:extLst>
       <p:ext uri="{BB962C8B-B14F-4D97-AF65-F5344CB8AC3E}">
-        <p14:creationId xmlns:p14="http://schemas.microsoft.com/office/powerpoint/2010/main" val="3507474482"/>
+        <p14:creationId xmlns:p14="http://schemas.microsoft.com/office/powerpoint/2010/main" val="749659056"/>
       </p:ext>
     </p:extLst>
   </p:cSld>
   <p:clrMapOvr>
     <a:masterClrMapping/>
   </p:clrMapOvr>
+  <p:timing>
+    <p:tnLst>
+      <p:par>
+        <p:cTn id="1" dur="indefinite" restart="never" nodeType="tmRoot">
+          <p:childTnLst>
+            <p:seq concurrent="1" nextAc="seek">
+              <p:cTn id="2" dur="indefinite" nodeType="mainSeq">
+                <p:childTnLst>
+                  <p:par>
+                    <p:cTn id="3" fill="hold">
+                      <p:stCondLst>
+                        <p:cond delay="indefinite"/>
+                      </p:stCondLst>
+                      <p:childTnLst>
+                        <p:par>
+                          <p:cTn id="4" fill="hold">
+                            <p:stCondLst>
+                              <p:cond delay="0"/>
+                            </p:stCondLst>
+                            <p:childTnLst>
+                              <p:par>
+                                <p:cTn id="5" presetID="10" presetClass="entr" presetSubtype="0" fill="hold" grpId="0" nodeType="clickEffect">
+                                  <p:stCondLst>
+                                    <p:cond delay="0"/>
+                                  </p:stCondLst>
+                                  <p:childTnLst>
+                                    <p:set>
+                                      <p:cBhvr>
+                                        <p:cTn id="6" dur="1" fill="hold">
+                                          <p:stCondLst>
+                                            <p:cond delay="0"/>
+                                          </p:stCondLst>
+                                        </p:cTn>
+                                        <p:tgtEl>
+                                          <p:spTgt spid="3">
+                                            <p:txEl>
+                                              <p:pRg st="0" end="0"/>
+                                            </p:txEl>
+                                          </p:spTgt>
+                                        </p:tgtEl>
+                                        <p:attrNameLst>
+                                          <p:attrName>style.visibility</p:attrName>
+                                        </p:attrNameLst>
+                                      </p:cBhvr>
+                                      <p:to>
+                                        <p:strVal val="visible"/>
+                                      </p:to>
+                                    </p:set>
+                                    <p:animEffect transition="in" filter="fade">
+                                      <p:cBhvr>
+                                        <p:cTn id="7" dur="500"/>
+                                        <p:tgtEl>
+                                          <p:spTgt spid="3">
+                                            <p:txEl>
+                                              <p:pRg st="0" end="0"/>
+                                            </p:txEl>
+                                          </p:spTgt>
+                                        </p:tgtEl>
+                                      </p:cBhvr>
+                                    </p:animEffect>
+                                  </p:childTnLst>
+                                </p:cTn>
+                              </p:par>
+                              <p:par>
+                                <p:cTn id="8" presetID="10" presetClass="entr" presetSubtype="0" fill="hold" nodeType="withEffect">
+                                  <p:stCondLst>
+                                    <p:cond delay="0"/>
+                                  </p:stCondLst>
+                                  <p:childTnLst>
+                                    <p:set>
+                                      <p:cBhvr>
+                                        <p:cTn id="9" dur="1" fill="hold">
+                                          <p:stCondLst>
+                                            <p:cond delay="0"/>
+                                          </p:stCondLst>
+                                        </p:cTn>
+                                        <p:tgtEl>
+                                          <p:spTgt spid="5122"/>
+                                        </p:tgtEl>
+                                        <p:attrNameLst>
+                                          <p:attrName>style.visibility</p:attrName>
+                                        </p:attrNameLst>
+                                      </p:cBhvr>
+                                      <p:to>
+                                        <p:strVal val="visible"/>
+                                      </p:to>
+                                    </p:set>
+                                    <p:animEffect transition="in" filter="fade">
+                                      <p:cBhvr>
+                                        <p:cTn id="10" dur="500"/>
+                                        <p:tgtEl>
+                                          <p:spTgt spid="5122"/>
+                                        </p:tgtEl>
+                                      </p:cBhvr>
+                                    </p:animEffect>
+                                  </p:childTnLst>
+                                </p:cTn>
+                              </p:par>
+                            </p:childTnLst>
+                          </p:cTn>
+                        </p:par>
+                      </p:childTnLst>
+                    </p:cTn>
+                  </p:par>
+                  <p:par>
+                    <p:cTn id="11" fill="hold">
+                      <p:stCondLst>
+                        <p:cond delay="indefinite"/>
+                      </p:stCondLst>
+                      <p:childTnLst>
+                        <p:par>
+                          <p:cTn id="12" fill="hold">
+                            <p:stCondLst>
+                              <p:cond delay="0"/>
+                            </p:stCondLst>
+                            <p:childTnLst>
+                              <p:par>
+                                <p:cTn id="13" presetID="10" presetClass="entr" presetSubtype="0" fill="hold" nodeType="clickEffect">
+                                  <p:stCondLst>
+                                    <p:cond delay="0"/>
+                                  </p:stCondLst>
+                                  <p:childTnLst>
+                                    <p:set>
+                                      <p:cBhvr>
+                                        <p:cTn id="14" dur="1" fill="hold">
+                                          <p:stCondLst>
+                                            <p:cond delay="0"/>
+                                          </p:stCondLst>
+                                        </p:cTn>
+                                        <p:tgtEl>
+                                          <p:spTgt spid="5124"/>
+                                        </p:tgtEl>
+                                        <p:attrNameLst>
+                                          <p:attrName>style.visibility</p:attrName>
+                                        </p:attrNameLst>
+                                      </p:cBhvr>
+                                      <p:to>
+                                        <p:strVal val="visible"/>
+                                      </p:to>
+                                    </p:set>
+                                    <p:animEffect transition="in" filter="fade">
+                                      <p:cBhvr>
+                                        <p:cTn id="15" dur="500"/>
+                                        <p:tgtEl>
+                                          <p:spTgt spid="5124"/>
+                                        </p:tgtEl>
+                                      </p:cBhvr>
+                                    </p:animEffect>
+                                  </p:childTnLst>
+                                </p:cTn>
+                              </p:par>
+                              <p:par>
+                                <p:cTn id="16" presetID="10" presetClass="entr" presetSubtype="0" fill="hold" grpId="0" nodeType="withEffect">
+                                  <p:stCondLst>
+                                    <p:cond delay="0"/>
+                                  </p:stCondLst>
+                                  <p:childTnLst>
+                                    <p:set>
+                                      <p:cBhvr>
+                                        <p:cTn id="17" dur="1" fill="hold">
+                                          <p:stCondLst>
+                                            <p:cond delay="0"/>
+                                          </p:stCondLst>
+                                        </p:cTn>
+                                        <p:tgtEl>
+                                          <p:spTgt spid="6"/>
+                                        </p:tgtEl>
+                                        <p:attrNameLst>
+                                          <p:attrName>style.visibility</p:attrName>
+                                        </p:attrNameLst>
+                                      </p:cBhvr>
+                                      <p:to>
+                                        <p:strVal val="visible"/>
+                                      </p:to>
+                                    </p:set>
+                                    <p:animEffect transition="in" filter="fade">
+                                      <p:cBhvr>
+                                        <p:cTn id="18" dur="500"/>
+                                        <p:tgtEl>
+                                          <p:spTgt spid="6"/>
+                                        </p:tgtEl>
+                                      </p:cBhvr>
+                                    </p:animEffect>
+                                  </p:childTnLst>
+                                </p:cTn>
+                              </p:par>
+                            </p:childTnLst>
+                          </p:cTn>
+                        </p:par>
+                      </p:childTnLst>
+                    </p:cTn>
+                  </p:par>
+                </p:childTnLst>
+              </p:cTn>
+              <p:prevCondLst>
+                <p:cond evt="onPrev" delay="0">
+                  <p:tgtEl>
+                    <p:sldTgt/>
+                  </p:tgtEl>
+                </p:cond>
+              </p:prevCondLst>
+              <p:nextCondLst>
+                <p:cond evt="onNext" delay="0">
+                  <p:tgtEl>
+                    <p:sldTgt/>
+                  </p:tgtEl>
+                </p:cond>
+              </p:nextCondLst>
+            </p:seq>
+          </p:childTnLst>
+        </p:cTn>
+      </p:par>
+    </p:tnLst>
+    <p:bldLst>
+      <p:bldP spid="3" grpId="0" build="p"/>
+      <p:bldP spid="6" grpId="0"/>
+    </p:bldLst>
+  </p:timing>
 </p:sld>
 </file>
 
@@ -4363,7 +8004,17 @@
                 <a:latin typeface="Euclid Circular B" panose="020B0504000000000000" pitchFamily="34" charset="0"/>
                 <a:ea typeface="Euclid Circular B" panose="020B0504000000000000" pitchFamily="34" charset="0"/>
               </a:rPr>
-              <a:t>About me</a:t>
+              <a:t>Microservices</a:t>
+            </a:r>
+            <a:r>
+              <a:rPr lang="en-US" dirty="0">
+                <a:solidFill>
+                  <a:srgbClr val="292D33"/>
+                </a:solidFill>
+                <a:latin typeface="Euclid Circular B" panose="020B0504000000000000" pitchFamily="34" charset="0"/>
+                <a:ea typeface="Euclid Circular B" panose="020B0504000000000000" pitchFamily="34" charset="0"/>
+              </a:rPr>
+              <a:t>: Who is for?</a:t>
             </a:r>
           </a:p>
         </p:txBody>
@@ -4394,26 +8045,15 @@
                 <a:latin typeface="Euclid Circular B" panose="020B0504000000000000" pitchFamily="34" charset="0"/>
                 <a:ea typeface="Euclid Circular B" panose="020B0504000000000000" pitchFamily="34" charset="0"/>
               </a:rPr>
-              <a:t>TODO</a:t>
-            </a:r>
-            <a:r>
-              <a:rPr lang="en-US">
-                <a:latin typeface="Euclid Circular B" panose="020B0504000000000000" pitchFamily="34" charset="0"/>
-                <a:ea typeface="Euclid Circular B" panose="020B0504000000000000" pitchFamily="34" charset="0"/>
-              </a:rPr>
-              <a:t>: ...</a:t>
-            </a:r>
-            <a:endParaRPr lang="en-US" dirty="0">
-              <a:latin typeface="Euclid Circular B" panose="020B0504000000000000" pitchFamily="34" charset="0"/>
-              <a:ea typeface="Euclid Circular B" panose="020B0504000000000000" pitchFamily="34" charset="0"/>
-            </a:endParaRPr>
+              <a:t>TODO: most business don’t need it!</a:t>
+            </a:r>
           </a:p>
         </p:txBody>
       </p:sp>
     </p:spTree>
     <p:extLst>
       <p:ext uri="{BB962C8B-B14F-4D97-AF65-F5344CB8AC3E}">
-        <p14:creationId xmlns:p14="http://schemas.microsoft.com/office/powerpoint/2010/main" val="1277783299"/>
+        <p14:creationId xmlns:p14="http://schemas.microsoft.com/office/powerpoint/2010/main" val="3908682011"/>
       </p:ext>
     </p:extLst>
   </p:cSld>
@@ -4483,7 +8123,17 @@
                 <a:latin typeface="Euclid Circular B" panose="020B0504000000000000" pitchFamily="34" charset="0"/>
                 <a:ea typeface="Euclid Circular B" panose="020B0504000000000000" pitchFamily="34" charset="0"/>
               </a:rPr>
-              <a:t>About me</a:t>
+              <a:t>Monolith first</a:t>
+            </a:r>
+            <a:r>
+              <a:rPr lang="en-US" dirty="0">
+                <a:solidFill>
+                  <a:srgbClr val="292D33"/>
+                </a:solidFill>
+                <a:latin typeface="Euclid Circular B" panose="020B0504000000000000" pitchFamily="34" charset="0"/>
+                <a:ea typeface="Euclid Circular B" panose="020B0504000000000000" pitchFamily="34" charset="0"/>
+              </a:rPr>
+              <a:t>: What?</a:t>
             </a:r>
           </a:p>
         </p:txBody>
@@ -4533,7 +8183,7 @@
     </p:spTree>
     <p:extLst>
       <p:ext uri="{BB962C8B-B14F-4D97-AF65-F5344CB8AC3E}">
-        <p14:creationId xmlns:p14="http://schemas.microsoft.com/office/powerpoint/2010/main" val="326598016"/>
+        <p14:creationId xmlns:p14="http://schemas.microsoft.com/office/powerpoint/2010/main" val="1699722907"/>
       </p:ext>
     </p:extLst>
   </p:cSld>
@@ -4603,7 +8253,17 @@
                 <a:latin typeface="Euclid Circular B" panose="020B0504000000000000" pitchFamily="34" charset="0"/>
                 <a:ea typeface="Euclid Circular B" panose="020B0504000000000000" pitchFamily="34" charset="0"/>
               </a:rPr>
-              <a:t>About me</a:t>
+              <a:t>Monolith first</a:t>
+            </a:r>
+            <a:r>
+              <a:rPr lang="en-US" dirty="0">
+                <a:solidFill>
+                  <a:srgbClr val="292D33"/>
+                </a:solidFill>
+                <a:latin typeface="Euclid Circular B" panose="020B0504000000000000" pitchFamily="34" charset="0"/>
+                <a:ea typeface="Euclid Circular B" panose="020B0504000000000000" pitchFamily="34" charset="0"/>
+              </a:rPr>
+              <a:t>: Why?</a:t>
             </a:r>
           </a:p>
         </p:txBody>
@@ -4653,7 +8313,7 @@
     </p:spTree>
     <p:extLst>
       <p:ext uri="{BB962C8B-B14F-4D97-AF65-F5344CB8AC3E}">
-        <p14:creationId xmlns:p14="http://schemas.microsoft.com/office/powerpoint/2010/main" val="3073250955"/>
+        <p14:creationId xmlns:p14="http://schemas.microsoft.com/office/powerpoint/2010/main" val="1194020304"/>
       </p:ext>
     </p:extLst>
   </p:cSld>
@@ -4882,7 +8542,7 @@
     </p:spTree>
     <p:extLst>
       <p:ext uri="{BB962C8B-B14F-4D97-AF65-F5344CB8AC3E}">
-        <p14:creationId xmlns:p14="http://schemas.microsoft.com/office/powerpoint/2010/main" val="214136112"/>
+        <p14:creationId xmlns:p14="http://schemas.microsoft.com/office/powerpoint/2010/main" val="2067840834"/>
       </p:ext>
     </p:extLst>
   </p:cSld>
@@ -5002,7 +8662,7 @@
     </p:spTree>
     <p:extLst>
       <p:ext uri="{BB962C8B-B14F-4D97-AF65-F5344CB8AC3E}">
-        <p14:creationId xmlns:p14="http://schemas.microsoft.com/office/powerpoint/2010/main" val="3539053896"/>
+        <p14:creationId xmlns:p14="http://schemas.microsoft.com/office/powerpoint/2010/main" val="3098739854"/>
       </p:ext>
     </p:extLst>
   </p:cSld>
@@ -5048,7 +8708,7 @@
           <p:cNvPr id="2" name="Title 1">
             <a:extLst>
               <a:ext uri="{FF2B5EF4-FFF2-40B4-BE49-F238E27FC236}">
-                <a16:creationId xmlns:a16="http://schemas.microsoft.com/office/drawing/2014/main" id="{55E11F08-6CA0-48F1-AD67-97430DDA07F0}"/>
+                <a16:creationId xmlns:a16="http://schemas.microsoft.com/office/drawing/2014/main" id="{9255DFBE-19DA-408D-84E6-F4043FC30BD3}"/>
               </a:ext>
             </a:extLst>
           </p:cNvPr>
@@ -5056,33 +8716,54 @@
             <a:spLocks noGrp="1"/>
           </p:cNvSpPr>
           <p:nvPr>
-            <p:ph type="title"/>
+            <p:ph type="ctrTitle"/>
           </p:nvPr>
         </p:nvSpPr>
         <p:spPr/>
         <p:txBody>
-          <a:bodyPr/>
+          <a:bodyPr>
+            <a:normAutofit/>
+          </a:bodyPr>
           <a:lstStyle/>
           <a:p>
             <a:r>
-              <a:rPr lang="en-US" b="1" dirty="0">
+              <a:rPr lang="en-US" sz="4800" b="1" dirty="0">
                 <a:solidFill>
                   <a:srgbClr val="292D33"/>
                 </a:solidFill>
                 <a:latin typeface="Euclid Circular B" panose="020B0504000000000000" pitchFamily="34" charset="0"/>
                 <a:ea typeface="Euclid Circular B" panose="020B0504000000000000" pitchFamily="34" charset="0"/>
               </a:rPr>
-              <a:t>About me</a:t>
-            </a:r>
-          </a:p>
-        </p:txBody>
-      </p:sp>
-      <p:sp>
-        <p:nvSpPr>
-          <p:cNvPr id="3" name="Content Placeholder 2">
-            <a:extLst>
-              <a:ext uri="{FF2B5EF4-FFF2-40B4-BE49-F238E27FC236}">
-                <a16:creationId xmlns:a16="http://schemas.microsoft.com/office/drawing/2014/main" id="{891C7693-D3DF-4635-96F4-97F3B4136FDF}"/>
+              <a:t>DESIGNING</a:t>
+            </a:r>
+            <a:br>
+              <a:rPr lang="en-US" sz="4800" b="1" dirty="0">
+                <a:solidFill>
+                  <a:srgbClr val="292D33"/>
+                </a:solidFill>
+                <a:latin typeface="Euclid Circular B" panose="020B0504000000000000" pitchFamily="34" charset="0"/>
+                <a:ea typeface="Euclid Circular B" panose="020B0504000000000000" pitchFamily="34" charset="0"/>
+              </a:rPr>
+            </a:br>
+            <a:r>
+              <a:rPr lang="en-US" sz="4800" b="1" dirty="0">
+                <a:solidFill>
+                  <a:srgbClr val="292D33"/>
+                </a:solidFill>
+                <a:latin typeface="Euclid Circular B" panose="020B0504000000000000" pitchFamily="34" charset="0"/>
+                <a:ea typeface="Euclid Circular B" panose="020B0504000000000000" pitchFamily="34" charset="0"/>
+              </a:rPr>
+              <a:t>A MODULAR MONOLITH</a:t>
+            </a:r>
+          </a:p>
+        </p:txBody>
+      </p:sp>
+      <p:sp>
+        <p:nvSpPr>
+          <p:cNvPr id="3" name="Subtitle 2">
+            <a:extLst>
+              <a:ext uri="{FF2B5EF4-FFF2-40B4-BE49-F238E27FC236}">
+                <a16:creationId xmlns:a16="http://schemas.microsoft.com/office/drawing/2014/main" id="{265612B9-B745-46CB-8A20-997CA82E05E7}"/>
               </a:ext>
             </a:extLst>
           </p:cNvPr>
@@ -5090,29 +8771,27 @@
             <a:spLocks noGrp="1"/>
           </p:cNvSpPr>
           <p:nvPr>
-            <p:ph idx="1"/>
+            <p:ph type="subTitle" idx="1"/>
           </p:nvPr>
         </p:nvSpPr>
         <p:spPr/>
         <p:txBody>
-          <a:bodyPr/>
+          <a:bodyPr>
+            <a:normAutofit/>
+          </a:bodyPr>
           <a:lstStyle/>
           <a:p>
             <a:r>
-              <a:rPr lang="en-US" dirty="0">
-                <a:latin typeface="Euclid Circular B" panose="020B0504000000000000" pitchFamily="34" charset="0"/>
-                <a:ea typeface="Euclid Circular B" panose="020B0504000000000000" pitchFamily="34" charset="0"/>
-              </a:rPr>
-              <a:t>TODO</a:t>
-            </a:r>
-            <a:r>
-              <a:rPr lang="en-US">
-                <a:latin typeface="Euclid Circular B" panose="020B0504000000000000" pitchFamily="34" charset="0"/>
-                <a:ea typeface="Euclid Circular B" panose="020B0504000000000000" pitchFamily="34" charset="0"/>
-              </a:rPr>
-              <a:t>: ...</a:t>
-            </a:r>
-            <a:endParaRPr lang="en-US" dirty="0">
+              <a:rPr lang="en-US" sz="2000" b="1" dirty="0">
+                <a:solidFill>
+                  <a:srgbClr val="292D33"/>
+                </a:solidFill>
+                <a:latin typeface="Euclid Circular B" panose="020B0504000000000000" pitchFamily="34" charset="0"/>
+                <a:ea typeface="Euclid Circular B" panose="020B0504000000000000" pitchFamily="34" charset="0"/>
+              </a:rPr>
+              <a:t>DESIGNING MONOLITH FIRST FOR MICROSERVICE ARCHITECTURE</a:t>
+            </a:r>
+            <a:endParaRPr lang="en-US" sz="2000" dirty="0">
               <a:latin typeface="Euclid Circular B" panose="020B0504000000000000" pitchFamily="34" charset="0"/>
               <a:ea typeface="Euclid Circular B" panose="020B0504000000000000" pitchFamily="34" charset="0"/>
             </a:endParaRPr>
@@ -5122,7 +8801,7 @@
     </p:spTree>
     <p:extLst>
       <p:ext uri="{BB962C8B-B14F-4D97-AF65-F5344CB8AC3E}">
-        <p14:creationId xmlns:p14="http://schemas.microsoft.com/office/powerpoint/2010/main" val="2818505958"/>
+        <p14:creationId xmlns:p14="http://schemas.microsoft.com/office/powerpoint/2010/main" val="3204605943"/>
       </p:ext>
     </p:extLst>
   </p:cSld>
@@ -5242,7 +8921,727 @@
     </p:spTree>
     <p:extLst>
       <p:ext uri="{BB962C8B-B14F-4D97-AF65-F5344CB8AC3E}">
-        <p14:creationId xmlns:p14="http://schemas.microsoft.com/office/powerpoint/2010/main" val="4272791268"/>
+        <p14:creationId xmlns:p14="http://schemas.microsoft.com/office/powerpoint/2010/main" val="1153068639"/>
+      </p:ext>
+    </p:extLst>
+  </p:cSld>
+  <p:clrMapOvr>
+    <a:masterClrMapping/>
+  </p:clrMapOvr>
+</p:sld>
+</file>
+
+<file path=ppt/slides/slide24.xml><?xml version="1.0" encoding="utf-8"?>
+<p:sld xmlns:a="http://schemas.openxmlformats.org/drawingml/2006/main" xmlns:r="http://schemas.openxmlformats.org/officeDocument/2006/relationships" xmlns:p="http://schemas.openxmlformats.org/presentationml/2006/main">
+  <p:cSld>
+    <p:bg>
+      <p:bgPr>
+        <a:blipFill dpi="0" rotWithShape="1">
+          <a:blip r:embed="rId2">
+            <a:lum/>
+          </a:blip>
+          <a:srcRect/>
+          <a:stretch>
+            <a:fillRect/>
+          </a:stretch>
+        </a:blipFill>
+        <a:effectLst/>
+      </p:bgPr>
+    </p:bg>
+    <p:spTree>
+      <p:nvGrpSpPr>
+        <p:cNvPr id="1" name=""/>
+        <p:cNvGrpSpPr/>
+        <p:nvPr/>
+      </p:nvGrpSpPr>
+      <p:grpSpPr>
+        <a:xfrm>
+          <a:off x="0" y="0"/>
+          <a:ext cx="0" cy="0"/>
+          <a:chOff x="0" y="0"/>
+          <a:chExt cx="0" cy="0"/>
+        </a:xfrm>
+      </p:grpSpPr>
+      <p:sp>
+        <p:nvSpPr>
+          <p:cNvPr id="2" name="Title 1">
+            <a:extLst>
+              <a:ext uri="{FF2B5EF4-FFF2-40B4-BE49-F238E27FC236}">
+                <a16:creationId xmlns:a16="http://schemas.microsoft.com/office/drawing/2014/main" id="{55E11F08-6CA0-48F1-AD67-97430DDA07F0}"/>
+              </a:ext>
+            </a:extLst>
+          </p:cNvPr>
+          <p:cNvSpPr>
+            <a:spLocks noGrp="1"/>
+          </p:cNvSpPr>
+          <p:nvPr>
+            <p:ph type="title"/>
+          </p:nvPr>
+        </p:nvSpPr>
+        <p:spPr/>
+        <p:txBody>
+          <a:bodyPr/>
+          <a:lstStyle/>
+          <a:p>
+            <a:r>
+              <a:rPr lang="en-US" b="1" dirty="0">
+                <a:solidFill>
+                  <a:srgbClr val="292D33"/>
+                </a:solidFill>
+                <a:latin typeface="Euclid Circular B" panose="020B0504000000000000" pitchFamily="34" charset="0"/>
+                <a:ea typeface="Euclid Circular B" panose="020B0504000000000000" pitchFamily="34" charset="0"/>
+              </a:rPr>
+              <a:t>About me</a:t>
+            </a:r>
+          </a:p>
+        </p:txBody>
+      </p:sp>
+      <p:sp>
+        <p:nvSpPr>
+          <p:cNvPr id="3" name="Content Placeholder 2">
+            <a:extLst>
+              <a:ext uri="{FF2B5EF4-FFF2-40B4-BE49-F238E27FC236}">
+                <a16:creationId xmlns:a16="http://schemas.microsoft.com/office/drawing/2014/main" id="{891C7693-D3DF-4635-96F4-97F3B4136FDF}"/>
+              </a:ext>
+            </a:extLst>
+          </p:cNvPr>
+          <p:cNvSpPr>
+            <a:spLocks noGrp="1"/>
+          </p:cNvSpPr>
+          <p:nvPr>
+            <p:ph idx="1"/>
+          </p:nvPr>
+        </p:nvSpPr>
+        <p:spPr/>
+        <p:txBody>
+          <a:bodyPr/>
+          <a:lstStyle/>
+          <a:p>
+            <a:r>
+              <a:rPr lang="en-US" dirty="0">
+                <a:latin typeface="Euclid Circular B" panose="020B0504000000000000" pitchFamily="34" charset="0"/>
+                <a:ea typeface="Euclid Circular B" panose="020B0504000000000000" pitchFamily="34" charset="0"/>
+              </a:rPr>
+              <a:t>TODO</a:t>
+            </a:r>
+            <a:r>
+              <a:rPr lang="en-US">
+                <a:latin typeface="Euclid Circular B" panose="020B0504000000000000" pitchFamily="34" charset="0"/>
+                <a:ea typeface="Euclid Circular B" panose="020B0504000000000000" pitchFamily="34" charset="0"/>
+              </a:rPr>
+              <a:t>: ...</a:t>
+            </a:r>
+            <a:endParaRPr lang="en-US" dirty="0">
+              <a:latin typeface="Euclid Circular B" panose="020B0504000000000000" pitchFamily="34" charset="0"/>
+              <a:ea typeface="Euclid Circular B" panose="020B0504000000000000" pitchFamily="34" charset="0"/>
+            </a:endParaRPr>
+          </a:p>
+        </p:txBody>
+      </p:sp>
+    </p:spTree>
+    <p:extLst>
+      <p:ext uri="{BB962C8B-B14F-4D97-AF65-F5344CB8AC3E}">
+        <p14:creationId xmlns:p14="http://schemas.microsoft.com/office/powerpoint/2010/main" val="989995036"/>
+      </p:ext>
+    </p:extLst>
+  </p:cSld>
+  <p:clrMapOvr>
+    <a:masterClrMapping/>
+  </p:clrMapOvr>
+</p:sld>
+</file>
+
+<file path=ppt/slides/slide25.xml><?xml version="1.0" encoding="utf-8"?>
+<p:sld xmlns:a="http://schemas.openxmlformats.org/drawingml/2006/main" xmlns:r="http://schemas.openxmlformats.org/officeDocument/2006/relationships" xmlns:p="http://schemas.openxmlformats.org/presentationml/2006/main">
+  <p:cSld>
+    <p:bg>
+      <p:bgPr>
+        <a:blipFill dpi="0" rotWithShape="1">
+          <a:blip r:embed="rId2">
+            <a:lum/>
+          </a:blip>
+          <a:srcRect/>
+          <a:stretch>
+            <a:fillRect/>
+          </a:stretch>
+        </a:blipFill>
+        <a:effectLst/>
+      </p:bgPr>
+    </p:bg>
+    <p:spTree>
+      <p:nvGrpSpPr>
+        <p:cNvPr id="1" name=""/>
+        <p:cNvGrpSpPr/>
+        <p:nvPr/>
+      </p:nvGrpSpPr>
+      <p:grpSpPr>
+        <a:xfrm>
+          <a:off x="0" y="0"/>
+          <a:ext cx="0" cy="0"/>
+          <a:chOff x="0" y="0"/>
+          <a:chExt cx="0" cy="0"/>
+        </a:xfrm>
+      </p:grpSpPr>
+      <p:sp>
+        <p:nvSpPr>
+          <p:cNvPr id="2" name="Title 1">
+            <a:extLst>
+              <a:ext uri="{FF2B5EF4-FFF2-40B4-BE49-F238E27FC236}">
+                <a16:creationId xmlns:a16="http://schemas.microsoft.com/office/drawing/2014/main" id="{9255DFBE-19DA-408D-84E6-F4043FC30BD3}"/>
+              </a:ext>
+            </a:extLst>
+          </p:cNvPr>
+          <p:cNvSpPr>
+            <a:spLocks noGrp="1"/>
+          </p:cNvSpPr>
+          <p:nvPr>
+            <p:ph type="ctrTitle"/>
+          </p:nvPr>
+        </p:nvSpPr>
+        <p:spPr/>
+        <p:txBody>
+          <a:bodyPr>
+            <a:normAutofit/>
+          </a:bodyPr>
+          <a:lstStyle/>
+          <a:p>
+            <a:r>
+              <a:rPr lang="en-US" sz="4800" b="1" dirty="0">
+                <a:solidFill>
+                  <a:srgbClr val="292D33"/>
+                </a:solidFill>
+                <a:latin typeface="Euclid Circular B" panose="020B0504000000000000" pitchFamily="34" charset="0"/>
+                <a:ea typeface="Euclid Circular B" panose="020B0504000000000000" pitchFamily="34" charset="0"/>
+              </a:rPr>
+              <a:t>MIGRATING TO MICROSERVICES</a:t>
+            </a:r>
+          </a:p>
+        </p:txBody>
+      </p:sp>
+      <p:sp>
+        <p:nvSpPr>
+          <p:cNvPr id="3" name="Subtitle 2">
+            <a:extLst>
+              <a:ext uri="{FF2B5EF4-FFF2-40B4-BE49-F238E27FC236}">
+                <a16:creationId xmlns:a16="http://schemas.microsoft.com/office/drawing/2014/main" id="{265612B9-B745-46CB-8A20-997CA82E05E7}"/>
+              </a:ext>
+            </a:extLst>
+          </p:cNvPr>
+          <p:cNvSpPr>
+            <a:spLocks noGrp="1"/>
+          </p:cNvSpPr>
+          <p:nvPr>
+            <p:ph type="subTitle" idx="1"/>
+          </p:nvPr>
+        </p:nvSpPr>
+        <p:spPr/>
+        <p:txBody>
+          <a:bodyPr>
+            <a:normAutofit/>
+          </a:bodyPr>
+          <a:lstStyle/>
+          <a:p>
+            <a:r>
+              <a:rPr lang="en-US" sz="2000" b="1" dirty="0">
+                <a:solidFill>
+                  <a:srgbClr val="292D33"/>
+                </a:solidFill>
+                <a:latin typeface="Euclid Circular B" panose="020B0504000000000000" pitchFamily="34" charset="0"/>
+                <a:ea typeface="Euclid Circular B" panose="020B0504000000000000" pitchFamily="34" charset="0"/>
+              </a:rPr>
+              <a:t>DESIGNING MONOLITH FIRST FOR MICROSERVICE ARCHITECTURE</a:t>
+            </a:r>
+            <a:endParaRPr lang="en-US" sz="2000" dirty="0">
+              <a:latin typeface="Euclid Circular B" panose="020B0504000000000000" pitchFamily="34" charset="0"/>
+              <a:ea typeface="Euclid Circular B" panose="020B0504000000000000" pitchFamily="34" charset="0"/>
+            </a:endParaRPr>
+          </a:p>
+        </p:txBody>
+      </p:sp>
+    </p:spTree>
+    <p:extLst>
+      <p:ext uri="{BB962C8B-B14F-4D97-AF65-F5344CB8AC3E}">
+        <p14:creationId xmlns:p14="http://schemas.microsoft.com/office/powerpoint/2010/main" val="3507474482"/>
+      </p:ext>
+    </p:extLst>
+  </p:cSld>
+  <p:clrMapOvr>
+    <a:masterClrMapping/>
+  </p:clrMapOvr>
+</p:sld>
+</file>
+
+<file path=ppt/slides/slide26.xml><?xml version="1.0" encoding="utf-8"?>
+<p:sld xmlns:a="http://schemas.openxmlformats.org/drawingml/2006/main" xmlns:r="http://schemas.openxmlformats.org/officeDocument/2006/relationships" xmlns:p="http://schemas.openxmlformats.org/presentationml/2006/main">
+  <p:cSld>
+    <p:bg>
+      <p:bgPr>
+        <a:blipFill dpi="0" rotWithShape="1">
+          <a:blip r:embed="rId2">
+            <a:lum/>
+          </a:blip>
+          <a:srcRect/>
+          <a:stretch>
+            <a:fillRect/>
+          </a:stretch>
+        </a:blipFill>
+        <a:effectLst/>
+      </p:bgPr>
+    </p:bg>
+    <p:spTree>
+      <p:nvGrpSpPr>
+        <p:cNvPr id="1" name=""/>
+        <p:cNvGrpSpPr/>
+        <p:nvPr/>
+      </p:nvGrpSpPr>
+      <p:grpSpPr>
+        <a:xfrm>
+          <a:off x="0" y="0"/>
+          <a:ext cx="0" cy="0"/>
+          <a:chOff x="0" y="0"/>
+          <a:chExt cx="0" cy="0"/>
+        </a:xfrm>
+      </p:grpSpPr>
+      <p:sp>
+        <p:nvSpPr>
+          <p:cNvPr id="2" name="Title 1">
+            <a:extLst>
+              <a:ext uri="{FF2B5EF4-FFF2-40B4-BE49-F238E27FC236}">
+                <a16:creationId xmlns:a16="http://schemas.microsoft.com/office/drawing/2014/main" id="{55E11F08-6CA0-48F1-AD67-97430DDA07F0}"/>
+              </a:ext>
+            </a:extLst>
+          </p:cNvPr>
+          <p:cNvSpPr>
+            <a:spLocks noGrp="1"/>
+          </p:cNvSpPr>
+          <p:nvPr>
+            <p:ph type="title"/>
+          </p:nvPr>
+        </p:nvSpPr>
+        <p:spPr/>
+        <p:txBody>
+          <a:bodyPr/>
+          <a:lstStyle/>
+          <a:p>
+            <a:r>
+              <a:rPr lang="en-US" b="1" dirty="0">
+                <a:solidFill>
+                  <a:srgbClr val="292D33"/>
+                </a:solidFill>
+                <a:latin typeface="Euclid Circular B" panose="020B0504000000000000" pitchFamily="34" charset="0"/>
+                <a:ea typeface="Euclid Circular B" panose="020B0504000000000000" pitchFamily="34" charset="0"/>
+              </a:rPr>
+              <a:t>About me</a:t>
+            </a:r>
+          </a:p>
+        </p:txBody>
+      </p:sp>
+      <p:sp>
+        <p:nvSpPr>
+          <p:cNvPr id="3" name="Content Placeholder 2">
+            <a:extLst>
+              <a:ext uri="{FF2B5EF4-FFF2-40B4-BE49-F238E27FC236}">
+                <a16:creationId xmlns:a16="http://schemas.microsoft.com/office/drawing/2014/main" id="{891C7693-D3DF-4635-96F4-97F3B4136FDF}"/>
+              </a:ext>
+            </a:extLst>
+          </p:cNvPr>
+          <p:cNvSpPr>
+            <a:spLocks noGrp="1"/>
+          </p:cNvSpPr>
+          <p:nvPr>
+            <p:ph idx="1"/>
+          </p:nvPr>
+        </p:nvSpPr>
+        <p:spPr/>
+        <p:txBody>
+          <a:bodyPr/>
+          <a:lstStyle/>
+          <a:p>
+            <a:r>
+              <a:rPr lang="en-US" dirty="0">
+                <a:latin typeface="Euclid Circular B" panose="020B0504000000000000" pitchFamily="34" charset="0"/>
+                <a:ea typeface="Euclid Circular B" panose="020B0504000000000000" pitchFamily="34" charset="0"/>
+              </a:rPr>
+              <a:t>TODO</a:t>
+            </a:r>
+            <a:r>
+              <a:rPr lang="en-US">
+                <a:latin typeface="Euclid Circular B" panose="020B0504000000000000" pitchFamily="34" charset="0"/>
+                <a:ea typeface="Euclid Circular B" panose="020B0504000000000000" pitchFamily="34" charset="0"/>
+              </a:rPr>
+              <a:t>: ...</a:t>
+            </a:r>
+            <a:endParaRPr lang="en-US" dirty="0">
+              <a:latin typeface="Euclid Circular B" panose="020B0504000000000000" pitchFamily="34" charset="0"/>
+              <a:ea typeface="Euclid Circular B" panose="020B0504000000000000" pitchFamily="34" charset="0"/>
+            </a:endParaRPr>
+          </a:p>
+        </p:txBody>
+      </p:sp>
+    </p:spTree>
+    <p:extLst>
+      <p:ext uri="{BB962C8B-B14F-4D97-AF65-F5344CB8AC3E}">
+        <p14:creationId xmlns:p14="http://schemas.microsoft.com/office/powerpoint/2010/main" val="1277783299"/>
+      </p:ext>
+    </p:extLst>
+  </p:cSld>
+  <p:clrMapOvr>
+    <a:masterClrMapping/>
+  </p:clrMapOvr>
+</p:sld>
+</file>
+
+<file path=ppt/slides/slide27.xml><?xml version="1.0" encoding="utf-8"?>
+<p:sld xmlns:a="http://schemas.openxmlformats.org/drawingml/2006/main" xmlns:r="http://schemas.openxmlformats.org/officeDocument/2006/relationships" xmlns:p="http://schemas.openxmlformats.org/presentationml/2006/main">
+  <p:cSld>
+    <p:bg>
+      <p:bgPr>
+        <a:blipFill dpi="0" rotWithShape="1">
+          <a:blip r:embed="rId2">
+            <a:lum/>
+          </a:blip>
+          <a:srcRect/>
+          <a:stretch>
+            <a:fillRect/>
+          </a:stretch>
+        </a:blipFill>
+        <a:effectLst/>
+      </p:bgPr>
+    </p:bg>
+    <p:spTree>
+      <p:nvGrpSpPr>
+        <p:cNvPr id="1" name=""/>
+        <p:cNvGrpSpPr/>
+        <p:nvPr/>
+      </p:nvGrpSpPr>
+      <p:grpSpPr>
+        <a:xfrm>
+          <a:off x="0" y="0"/>
+          <a:ext cx="0" cy="0"/>
+          <a:chOff x="0" y="0"/>
+          <a:chExt cx="0" cy="0"/>
+        </a:xfrm>
+      </p:grpSpPr>
+      <p:sp>
+        <p:nvSpPr>
+          <p:cNvPr id="2" name="Title 1">
+            <a:extLst>
+              <a:ext uri="{FF2B5EF4-FFF2-40B4-BE49-F238E27FC236}">
+                <a16:creationId xmlns:a16="http://schemas.microsoft.com/office/drawing/2014/main" id="{55E11F08-6CA0-48F1-AD67-97430DDA07F0}"/>
+              </a:ext>
+            </a:extLst>
+          </p:cNvPr>
+          <p:cNvSpPr>
+            <a:spLocks noGrp="1"/>
+          </p:cNvSpPr>
+          <p:nvPr>
+            <p:ph type="title"/>
+          </p:nvPr>
+        </p:nvSpPr>
+        <p:spPr/>
+        <p:txBody>
+          <a:bodyPr/>
+          <a:lstStyle/>
+          <a:p>
+            <a:r>
+              <a:rPr lang="en-US" b="1" dirty="0">
+                <a:solidFill>
+                  <a:srgbClr val="292D33"/>
+                </a:solidFill>
+                <a:latin typeface="Euclid Circular B" panose="020B0504000000000000" pitchFamily="34" charset="0"/>
+                <a:ea typeface="Euclid Circular B" panose="020B0504000000000000" pitchFamily="34" charset="0"/>
+              </a:rPr>
+              <a:t>About me</a:t>
+            </a:r>
+          </a:p>
+        </p:txBody>
+      </p:sp>
+      <p:sp>
+        <p:nvSpPr>
+          <p:cNvPr id="3" name="Content Placeholder 2">
+            <a:extLst>
+              <a:ext uri="{FF2B5EF4-FFF2-40B4-BE49-F238E27FC236}">
+                <a16:creationId xmlns:a16="http://schemas.microsoft.com/office/drawing/2014/main" id="{891C7693-D3DF-4635-96F4-97F3B4136FDF}"/>
+              </a:ext>
+            </a:extLst>
+          </p:cNvPr>
+          <p:cNvSpPr>
+            <a:spLocks noGrp="1"/>
+          </p:cNvSpPr>
+          <p:nvPr>
+            <p:ph idx="1"/>
+          </p:nvPr>
+        </p:nvSpPr>
+        <p:spPr/>
+        <p:txBody>
+          <a:bodyPr/>
+          <a:lstStyle/>
+          <a:p>
+            <a:r>
+              <a:rPr lang="en-US" dirty="0">
+                <a:latin typeface="Euclid Circular B" panose="020B0504000000000000" pitchFamily="34" charset="0"/>
+                <a:ea typeface="Euclid Circular B" panose="020B0504000000000000" pitchFamily="34" charset="0"/>
+              </a:rPr>
+              <a:t>TODO</a:t>
+            </a:r>
+            <a:r>
+              <a:rPr lang="en-US">
+                <a:latin typeface="Euclid Circular B" panose="020B0504000000000000" pitchFamily="34" charset="0"/>
+                <a:ea typeface="Euclid Circular B" panose="020B0504000000000000" pitchFamily="34" charset="0"/>
+              </a:rPr>
+              <a:t>: ...</a:t>
+            </a:r>
+            <a:endParaRPr lang="en-US" dirty="0">
+              <a:latin typeface="Euclid Circular B" panose="020B0504000000000000" pitchFamily="34" charset="0"/>
+              <a:ea typeface="Euclid Circular B" panose="020B0504000000000000" pitchFamily="34" charset="0"/>
+            </a:endParaRPr>
+          </a:p>
+        </p:txBody>
+      </p:sp>
+    </p:spTree>
+    <p:extLst>
+      <p:ext uri="{BB962C8B-B14F-4D97-AF65-F5344CB8AC3E}">
+        <p14:creationId xmlns:p14="http://schemas.microsoft.com/office/powerpoint/2010/main" val="326598016"/>
+      </p:ext>
+    </p:extLst>
+  </p:cSld>
+  <p:clrMapOvr>
+    <a:masterClrMapping/>
+  </p:clrMapOvr>
+</p:sld>
+</file>
+
+<file path=ppt/slides/slide28.xml><?xml version="1.0" encoding="utf-8"?>
+<p:sld xmlns:a="http://schemas.openxmlformats.org/drawingml/2006/main" xmlns:r="http://schemas.openxmlformats.org/officeDocument/2006/relationships" xmlns:p="http://schemas.openxmlformats.org/presentationml/2006/main">
+  <p:cSld>
+    <p:bg>
+      <p:bgPr>
+        <a:blipFill dpi="0" rotWithShape="1">
+          <a:blip r:embed="rId2">
+            <a:lum/>
+          </a:blip>
+          <a:srcRect/>
+          <a:stretch>
+            <a:fillRect/>
+          </a:stretch>
+        </a:blipFill>
+        <a:effectLst/>
+      </p:bgPr>
+    </p:bg>
+    <p:spTree>
+      <p:nvGrpSpPr>
+        <p:cNvPr id="1" name=""/>
+        <p:cNvGrpSpPr/>
+        <p:nvPr/>
+      </p:nvGrpSpPr>
+      <p:grpSpPr>
+        <a:xfrm>
+          <a:off x="0" y="0"/>
+          <a:ext cx="0" cy="0"/>
+          <a:chOff x="0" y="0"/>
+          <a:chExt cx="0" cy="0"/>
+        </a:xfrm>
+      </p:grpSpPr>
+      <p:sp>
+        <p:nvSpPr>
+          <p:cNvPr id="2" name="Title 1">
+            <a:extLst>
+              <a:ext uri="{FF2B5EF4-FFF2-40B4-BE49-F238E27FC236}">
+                <a16:creationId xmlns:a16="http://schemas.microsoft.com/office/drawing/2014/main" id="{55E11F08-6CA0-48F1-AD67-97430DDA07F0}"/>
+              </a:ext>
+            </a:extLst>
+          </p:cNvPr>
+          <p:cNvSpPr>
+            <a:spLocks noGrp="1"/>
+          </p:cNvSpPr>
+          <p:nvPr>
+            <p:ph type="title"/>
+          </p:nvPr>
+        </p:nvSpPr>
+        <p:spPr/>
+        <p:txBody>
+          <a:bodyPr/>
+          <a:lstStyle/>
+          <a:p>
+            <a:r>
+              <a:rPr lang="en-US" b="1" dirty="0">
+                <a:solidFill>
+                  <a:srgbClr val="292D33"/>
+                </a:solidFill>
+                <a:latin typeface="Euclid Circular B" panose="020B0504000000000000" pitchFamily="34" charset="0"/>
+                <a:ea typeface="Euclid Circular B" panose="020B0504000000000000" pitchFamily="34" charset="0"/>
+              </a:rPr>
+              <a:t>About me</a:t>
+            </a:r>
+          </a:p>
+        </p:txBody>
+      </p:sp>
+      <p:sp>
+        <p:nvSpPr>
+          <p:cNvPr id="3" name="Content Placeholder 2">
+            <a:extLst>
+              <a:ext uri="{FF2B5EF4-FFF2-40B4-BE49-F238E27FC236}">
+                <a16:creationId xmlns:a16="http://schemas.microsoft.com/office/drawing/2014/main" id="{891C7693-D3DF-4635-96F4-97F3B4136FDF}"/>
+              </a:ext>
+            </a:extLst>
+          </p:cNvPr>
+          <p:cNvSpPr>
+            <a:spLocks noGrp="1"/>
+          </p:cNvSpPr>
+          <p:nvPr>
+            <p:ph idx="1"/>
+          </p:nvPr>
+        </p:nvSpPr>
+        <p:spPr/>
+        <p:txBody>
+          <a:bodyPr/>
+          <a:lstStyle/>
+          <a:p>
+            <a:r>
+              <a:rPr lang="en-US" dirty="0">
+                <a:latin typeface="Euclid Circular B" panose="020B0504000000000000" pitchFamily="34" charset="0"/>
+                <a:ea typeface="Euclid Circular B" panose="020B0504000000000000" pitchFamily="34" charset="0"/>
+              </a:rPr>
+              <a:t>TODO</a:t>
+            </a:r>
+            <a:r>
+              <a:rPr lang="en-US">
+                <a:latin typeface="Euclid Circular B" panose="020B0504000000000000" pitchFamily="34" charset="0"/>
+                <a:ea typeface="Euclid Circular B" panose="020B0504000000000000" pitchFamily="34" charset="0"/>
+              </a:rPr>
+              <a:t>: ...</a:t>
+            </a:r>
+            <a:endParaRPr lang="en-US" dirty="0">
+              <a:latin typeface="Euclid Circular B" panose="020B0504000000000000" pitchFamily="34" charset="0"/>
+              <a:ea typeface="Euclid Circular B" panose="020B0504000000000000" pitchFamily="34" charset="0"/>
+            </a:endParaRPr>
+          </a:p>
+        </p:txBody>
+      </p:sp>
+    </p:spTree>
+    <p:extLst>
+      <p:ext uri="{BB962C8B-B14F-4D97-AF65-F5344CB8AC3E}">
+        <p14:creationId xmlns:p14="http://schemas.microsoft.com/office/powerpoint/2010/main" val="3073250955"/>
+      </p:ext>
+    </p:extLst>
+  </p:cSld>
+  <p:clrMapOvr>
+    <a:masterClrMapping/>
+  </p:clrMapOvr>
+</p:sld>
+</file>
+
+<file path=ppt/slides/slide29.xml><?xml version="1.0" encoding="utf-8"?>
+<p:sld xmlns:a="http://schemas.openxmlformats.org/drawingml/2006/main" xmlns:r="http://schemas.openxmlformats.org/officeDocument/2006/relationships" xmlns:p="http://schemas.openxmlformats.org/presentationml/2006/main">
+  <p:cSld>
+    <p:bg>
+      <p:bgPr>
+        <a:blipFill dpi="0" rotWithShape="1">
+          <a:blip r:embed="rId2">
+            <a:lum/>
+          </a:blip>
+          <a:srcRect/>
+          <a:stretch>
+            <a:fillRect/>
+          </a:stretch>
+        </a:blipFill>
+        <a:effectLst/>
+      </p:bgPr>
+    </p:bg>
+    <p:spTree>
+      <p:nvGrpSpPr>
+        <p:cNvPr id="1" name=""/>
+        <p:cNvGrpSpPr/>
+        <p:nvPr/>
+      </p:nvGrpSpPr>
+      <p:grpSpPr>
+        <a:xfrm>
+          <a:off x="0" y="0"/>
+          <a:ext cx="0" cy="0"/>
+          <a:chOff x="0" y="0"/>
+          <a:chExt cx="0" cy="0"/>
+        </a:xfrm>
+      </p:grpSpPr>
+      <p:sp>
+        <p:nvSpPr>
+          <p:cNvPr id="2" name="Title 1">
+            <a:extLst>
+              <a:ext uri="{FF2B5EF4-FFF2-40B4-BE49-F238E27FC236}">
+                <a16:creationId xmlns:a16="http://schemas.microsoft.com/office/drawing/2014/main" id="{55E11F08-6CA0-48F1-AD67-97430DDA07F0}"/>
+              </a:ext>
+            </a:extLst>
+          </p:cNvPr>
+          <p:cNvSpPr>
+            <a:spLocks noGrp="1"/>
+          </p:cNvSpPr>
+          <p:nvPr>
+            <p:ph type="title"/>
+          </p:nvPr>
+        </p:nvSpPr>
+        <p:spPr/>
+        <p:txBody>
+          <a:bodyPr/>
+          <a:lstStyle/>
+          <a:p>
+            <a:r>
+              <a:rPr lang="en-US" b="1" dirty="0">
+                <a:solidFill>
+                  <a:srgbClr val="292D33"/>
+                </a:solidFill>
+                <a:latin typeface="Euclid Circular B" panose="020B0504000000000000" pitchFamily="34" charset="0"/>
+                <a:ea typeface="Euclid Circular B" panose="020B0504000000000000" pitchFamily="34" charset="0"/>
+              </a:rPr>
+              <a:t>About me</a:t>
+            </a:r>
+          </a:p>
+        </p:txBody>
+      </p:sp>
+      <p:sp>
+        <p:nvSpPr>
+          <p:cNvPr id="3" name="Content Placeholder 2">
+            <a:extLst>
+              <a:ext uri="{FF2B5EF4-FFF2-40B4-BE49-F238E27FC236}">
+                <a16:creationId xmlns:a16="http://schemas.microsoft.com/office/drawing/2014/main" id="{891C7693-D3DF-4635-96F4-97F3B4136FDF}"/>
+              </a:ext>
+            </a:extLst>
+          </p:cNvPr>
+          <p:cNvSpPr>
+            <a:spLocks noGrp="1"/>
+          </p:cNvSpPr>
+          <p:nvPr>
+            <p:ph idx="1"/>
+          </p:nvPr>
+        </p:nvSpPr>
+        <p:spPr/>
+        <p:txBody>
+          <a:bodyPr/>
+          <a:lstStyle/>
+          <a:p>
+            <a:r>
+              <a:rPr lang="en-US" dirty="0">
+                <a:latin typeface="Euclid Circular B" panose="020B0504000000000000" pitchFamily="34" charset="0"/>
+                <a:ea typeface="Euclid Circular B" panose="020B0504000000000000" pitchFamily="34" charset="0"/>
+              </a:rPr>
+              <a:t>TODO</a:t>
+            </a:r>
+            <a:r>
+              <a:rPr lang="en-US">
+                <a:latin typeface="Euclid Circular B" panose="020B0504000000000000" pitchFamily="34" charset="0"/>
+                <a:ea typeface="Euclid Circular B" panose="020B0504000000000000" pitchFamily="34" charset="0"/>
+              </a:rPr>
+              <a:t>: ...</a:t>
+            </a:r>
+            <a:endParaRPr lang="en-US" dirty="0">
+              <a:latin typeface="Euclid Circular B" panose="020B0504000000000000" pitchFamily="34" charset="0"/>
+              <a:ea typeface="Euclid Circular B" panose="020B0504000000000000" pitchFamily="34" charset="0"/>
+            </a:endParaRPr>
+          </a:p>
+        </p:txBody>
+      </p:sp>
+    </p:spTree>
+    <p:extLst>
+      <p:ext uri="{BB962C8B-B14F-4D97-AF65-F5344CB8AC3E}">
+        <p14:creationId xmlns:p14="http://schemas.microsoft.com/office/powerpoint/2010/main" val="214136112"/>
       </p:ext>
     </p:extLst>
   </p:cSld>
@@ -5363,6 +9762,366 @@
     <p:extLst>
       <p:ext uri="{BB962C8B-B14F-4D97-AF65-F5344CB8AC3E}">
         <p14:creationId xmlns:p14="http://schemas.microsoft.com/office/powerpoint/2010/main" val="3536973941"/>
+      </p:ext>
+    </p:extLst>
+  </p:cSld>
+  <p:clrMapOvr>
+    <a:masterClrMapping/>
+  </p:clrMapOvr>
+</p:sld>
+</file>
+
+<file path=ppt/slides/slide30.xml><?xml version="1.0" encoding="utf-8"?>
+<p:sld xmlns:a="http://schemas.openxmlformats.org/drawingml/2006/main" xmlns:r="http://schemas.openxmlformats.org/officeDocument/2006/relationships" xmlns:p="http://schemas.openxmlformats.org/presentationml/2006/main">
+  <p:cSld>
+    <p:bg>
+      <p:bgPr>
+        <a:blipFill dpi="0" rotWithShape="1">
+          <a:blip r:embed="rId2">
+            <a:lum/>
+          </a:blip>
+          <a:srcRect/>
+          <a:stretch>
+            <a:fillRect/>
+          </a:stretch>
+        </a:blipFill>
+        <a:effectLst/>
+      </p:bgPr>
+    </p:bg>
+    <p:spTree>
+      <p:nvGrpSpPr>
+        <p:cNvPr id="1" name=""/>
+        <p:cNvGrpSpPr/>
+        <p:nvPr/>
+      </p:nvGrpSpPr>
+      <p:grpSpPr>
+        <a:xfrm>
+          <a:off x="0" y="0"/>
+          <a:ext cx="0" cy="0"/>
+          <a:chOff x="0" y="0"/>
+          <a:chExt cx="0" cy="0"/>
+        </a:xfrm>
+      </p:grpSpPr>
+      <p:sp>
+        <p:nvSpPr>
+          <p:cNvPr id="2" name="Title 1">
+            <a:extLst>
+              <a:ext uri="{FF2B5EF4-FFF2-40B4-BE49-F238E27FC236}">
+                <a16:creationId xmlns:a16="http://schemas.microsoft.com/office/drawing/2014/main" id="{55E11F08-6CA0-48F1-AD67-97430DDA07F0}"/>
+              </a:ext>
+            </a:extLst>
+          </p:cNvPr>
+          <p:cNvSpPr>
+            <a:spLocks noGrp="1"/>
+          </p:cNvSpPr>
+          <p:nvPr>
+            <p:ph type="title"/>
+          </p:nvPr>
+        </p:nvSpPr>
+        <p:spPr/>
+        <p:txBody>
+          <a:bodyPr/>
+          <a:lstStyle/>
+          <a:p>
+            <a:r>
+              <a:rPr lang="en-US" b="1" dirty="0">
+                <a:solidFill>
+                  <a:srgbClr val="292D33"/>
+                </a:solidFill>
+                <a:latin typeface="Euclid Circular B" panose="020B0504000000000000" pitchFamily="34" charset="0"/>
+                <a:ea typeface="Euclid Circular B" panose="020B0504000000000000" pitchFamily="34" charset="0"/>
+              </a:rPr>
+              <a:t>About me</a:t>
+            </a:r>
+          </a:p>
+        </p:txBody>
+      </p:sp>
+      <p:sp>
+        <p:nvSpPr>
+          <p:cNvPr id="3" name="Content Placeholder 2">
+            <a:extLst>
+              <a:ext uri="{FF2B5EF4-FFF2-40B4-BE49-F238E27FC236}">
+                <a16:creationId xmlns:a16="http://schemas.microsoft.com/office/drawing/2014/main" id="{891C7693-D3DF-4635-96F4-97F3B4136FDF}"/>
+              </a:ext>
+            </a:extLst>
+          </p:cNvPr>
+          <p:cNvSpPr>
+            <a:spLocks noGrp="1"/>
+          </p:cNvSpPr>
+          <p:nvPr>
+            <p:ph idx="1"/>
+          </p:nvPr>
+        </p:nvSpPr>
+        <p:spPr/>
+        <p:txBody>
+          <a:bodyPr/>
+          <a:lstStyle/>
+          <a:p>
+            <a:r>
+              <a:rPr lang="en-US" dirty="0">
+                <a:latin typeface="Euclid Circular B" panose="020B0504000000000000" pitchFamily="34" charset="0"/>
+                <a:ea typeface="Euclid Circular B" panose="020B0504000000000000" pitchFamily="34" charset="0"/>
+              </a:rPr>
+              <a:t>TODO</a:t>
+            </a:r>
+            <a:r>
+              <a:rPr lang="en-US">
+                <a:latin typeface="Euclid Circular B" panose="020B0504000000000000" pitchFamily="34" charset="0"/>
+                <a:ea typeface="Euclid Circular B" panose="020B0504000000000000" pitchFamily="34" charset="0"/>
+              </a:rPr>
+              <a:t>: ...</a:t>
+            </a:r>
+            <a:endParaRPr lang="en-US" dirty="0">
+              <a:latin typeface="Euclid Circular B" panose="020B0504000000000000" pitchFamily="34" charset="0"/>
+              <a:ea typeface="Euclid Circular B" panose="020B0504000000000000" pitchFamily="34" charset="0"/>
+            </a:endParaRPr>
+          </a:p>
+        </p:txBody>
+      </p:sp>
+    </p:spTree>
+    <p:extLst>
+      <p:ext uri="{BB962C8B-B14F-4D97-AF65-F5344CB8AC3E}">
+        <p14:creationId xmlns:p14="http://schemas.microsoft.com/office/powerpoint/2010/main" val="3539053896"/>
+      </p:ext>
+    </p:extLst>
+  </p:cSld>
+  <p:clrMapOvr>
+    <a:masterClrMapping/>
+  </p:clrMapOvr>
+</p:sld>
+</file>
+
+<file path=ppt/slides/slide31.xml><?xml version="1.0" encoding="utf-8"?>
+<p:sld xmlns:a="http://schemas.openxmlformats.org/drawingml/2006/main" xmlns:r="http://schemas.openxmlformats.org/officeDocument/2006/relationships" xmlns:p="http://schemas.openxmlformats.org/presentationml/2006/main">
+  <p:cSld>
+    <p:bg>
+      <p:bgPr>
+        <a:blipFill dpi="0" rotWithShape="1">
+          <a:blip r:embed="rId2">
+            <a:lum/>
+          </a:blip>
+          <a:srcRect/>
+          <a:stretch>
+            <a:fillRect/>
+          </a:stretch>
+        </a:blipFill>
+        <a:effectLst/>
+      </p:bgPr>
+    </p:bg>
+    <p:spTree>
+      <p:nvGrpSpPr>
+        <p:cNvPr id="1" name=""/>
+        <p:cNvGrpSpPr/>
+        <p:nvPr/>
+      </p:nvGrpSpPr>
+      <p:grpSpPr>
+        <a:xfrm>
+          <a:off x="0" y="0"/>
+          <a:ext cx="0" cy="0"/>
+          <a:chOff x="0" y="0"/>
+          <a:chExt cx="0" cy="0"/>
+        </a:xfrm>
+      </p:grpSpPr>
+      <p:sp>
+        <p:nvSpPr>
+          <p:cNvPr id="2" name="Title 1">
+            <a:extLst>
+              <a:ext uri="{FF2B5EF4-FFF2-40B4-BE49-F238E27FC236}">
+                <a16:creationId xmlns:a16="http://schemas.microsoft.com/office/drawing/2014/main" id="{55E11F08-6CA0-48F1-AD67-97430DDA07F0}"/>
+              </a:ext>
+            </a:extLst>
+          </p:cNvPr>
+          <p:cNvSpPr>
+            <a:spLocks noGrp="1"/>
+          </p:cNvSpPr>
+          <p:nvPr>
+            <p:ph type="title"/>
+          </p:nvPr>
+        </p:nvSpPr>
+        <p:spPr/>
+        <p:txBody>
+          <a:bodyPr/>
+          <a:lstStyle/>
+          <a:p>
+            <a:r>
+              <a:rPr lang="en-US" b="1" dirty="0">
+                <a:solidFill>
+                  <a:srgbClr val="292D33"/>
+                </a:solidFill>
+                <a:latin typeface="Euclid Circular B" panose="020B0504000000000000" pitchFamily="34" charset="0"/>
+                <a:ea typeface="Euclid Circular B" panose="020B0504000000000000" pitchFamily="34" charset="0"/>
+              </a:rPr>
+              <a:t>About me</a:t>
+            </a:r>
+          </a:p>
+        </p:txBody>
+      </p:sp>
+      <p:sp>
+        <p:nvSpPr>
+          <p:cNvPr id="3" name="Content Placeholder 2">
+            <a:extLst>
+              <a:ext uri="{FF2B5EF4-FFF2-40B4-BE49-F238E27FC236}">
+                <a16:creationId xmlns:a16="http://schemas.microsoft.com/office/drawing/2014/main" id="{891C7693-D3DF-4635-96F4-97F3B4136FDF}"/>
+              </a:ext>
+            </a:extLst>
+          </p:cNvPr>
+          <p:cNvSpPr>
+            <a:spLocks noGrp="1"/>
+          </p:cNvSpPr>
+          <p:nvPr>
+            <p:ph idx="1"/>
+          </p:nvPr>
+        </p:nvSpPr>
+        <p:spPr/>
+        <p:txBody>
+          <a:bodyPr/>
+          <a:lstStyle/>
+          <a:p>
+            <a:r>
+              <a:rPr lang="en-US" dirty="0">
+                <a:latin typeface="Euclid Circular B" panose="020B0504000000000000" pitchFamily="34" charset="0"/>
+                <a:ea typeface="Euclid Circular B" panose="020B0504000000000000" pitchFamily="34" charset="0"/>
+              </a:rPr>
+              <a:t>TODO</a:t>
+            </a:r>
+            <a:r>
+              <a:rPr lang="en-US">
+                <a:latin typeface="Euclid Circular B" panose="020B0504000000000000" pitchFamily="34" charset="0"/>
+                <a:ea typeface="Euclid Circular B" panose="020B0504000000000000" pitchFamily="34" charset="0"/>
+              </a:rPr>
+              <a:t>: ...</a:t>
+            </a:r>
+            <a:endParaRPr lang="en-US" dirty="0">
+              <a:latin typeface="Euclid Circular B" panose="020B0504000000000000" pitchFamily="34" charset="0"/>
+              <a:ea typeface="Euclid Circular B" panose="020B0504000000000000" pitchFamily="34" charset="0"/>
+            </a:endParaRPr>
+          </a:p>
+        </p:txBody>
+      </p:sp>
+    </p:spTree>
+    <p:extLst>
+      <p:ext uri="{BB962C8B-B14F-4D97-AF65-F5344CB8AC3E}">
+        <p14:creationId xmlns:p14="http://schemas.microsoft.com/office/powerpoint/2010/main" val="2818505958"/>
+      </p:ext>
+    </p:extLst>
+  </p:cSld>
+  <p:clrMapOvr>
+    <a:masterClrMapping/>
+  </p:clrMapOvr>
+</p:sld>
+</file>
+
+<file path=ppt/slides/slide32.xml><?xml version="1.0" encoding="utf-8"?>
+<p:sld xmlns:a="http://schemas.openxmlformats.org/drawingml/2006/main" xmlns:r="http://schemas.openxmlformats.org/officeDocument/2006/relationships" xmlns:p="http://schemas.openxmlformats.org/presentationml/2006/main">
+  <p:cSld>
+    <p:bg>
+      <p:bgPr>
+        <a:blipFill dpi="0" rotWithShape="1">
+          <a:blip r:embed="rId2">
+            <a:lum/>
+          </a:blip>
+          <a:srcRect/>
+          <a:stretch>
+            <a:fillRect/>
+          </a:stretch>
+        </a:blipFill>
+        <a:effectLst/>
+      </p:bgPr>
+    </p:bg>
+    <p:spTree>
+      <p:nvGrpSpPr>
+        <p:cNvPr id="1" name=""/>
+        <p:cNvGrpSpPr/>
+        <p:nvPr/>
+      </p:nvGrpSpPr>
+      <p:grpSpPr>
+        <a:xfrm>
+          <a:off x="0" y="0"/>
+          <a:ext cx="0" cy="0"/>
+          <a:chOff x="0" y="0"/>
+          <a:chExt cx="0" cy="0"/>
+        </a:xfrm>
+      </p:grpSpPr>
+      <p:sp>
+        <p:nvSpPr>
+          <p:cNvPr id="2" name="Title 1">
+            <a:extLst>
+              <a:ext uri="{FF2B5EF4-FFF2-40B4-BE49-F238E27FC236}">
+                <a16:creationId xmlns:a16="http://schemas.microsoft.com/office/drawing/2014/main" id="{55E11F08-6CA0-48F1-AD67-97430DDA07F0}"/>
+              </a:ext>
+            </a:extLst>
+          </p:cNvPr>
+          <p:cNvSpPr>
+            <a:spLocks noGrp="1"/>
+          </p:cNvSpPr>
+          <p:nvPr>
+            <p:ph type="title"/>
+          </p:nvPr>
+        </p:nvSpPr>
+        <p:spPr/>
+        <p:txBody>
+          <a:bodyPr/>
+          <a:lstStyle/>
+          <a:p>
+            <a:r>
+              <a:rPr lang="en-US" b="1" dirty="0">
+                <a:solidFill>
+                  <a:srgbClr val="292D33"/>
+                </a:solidFill>
+                <a:latin typeface="Euclid Circular B" panose="020B0504000000000000" pitchFamily="34" charset="0"/>
+                <a:ea typeface="Euclid Circular B" panose="020B0504000000000000" pitchFamily="34" charset="0"/>
+              </a:rPr>
+              <a:t>About me</a:t>
+            </a:r>
+          </a:p>
+        </p:txBody>
+      </p:sp>
+      <p:sp>
+        <p:nvSpPr>
+          <p:cNvPr id="3" name="Content Placeholder 2">
+            <a:extLst>
+              <a:ext uri="{FF2B5EF4-FFF2-40B4-BE49-F238E27FC236}">
+                <a16:creationId xmlns:a16="http://schemas.microsoft.com/office/drawing/2014/main" id="{891C7693-D3DF-4635-96F4-97F3B4136FDF}"/>
+              </a:ext>
+            </a:extLst>
+          </p:cNvPr>
+          <p:cNvSpPr>
+            <a:spLocks noGrp="1"/>
+          </p:cNvSpPr>
+          <p:nvPr>
+            <p:ph idx="1"/>
+          </p:nvPr>
+        </p:nvSpPr>
+        <p:spPr/>
+        <p:txBody>
+          <a:bodyPr/>
+          <a:lstStyle/>
+          <a:p>
+            <a:r>
+              <a:rPr lang="en-US" dirty="0">
+                <a:latin typeface="Euclid Circular B" panose="020B0504000000000000" pitchFamily="34" charset="0"/>
+                <a:ea typeface="Euclid Circular B" panose="020B0504000000000000" pitchFamily="34" charset="0"/>
+              </a:rPr>
+              <a:t>TODO</a:t>
+            </a:r>
+            <a:r>
+              <a:rPr lang="en-US">
+                <a:latin typeface="Euclid Circular B" panose="020B0504000000000000" pitchFamily="34" charset="0"/>
+                <a:ea typeface="Euclid Circular B" panose="020B0504000000000000" pitchFamily="34" charset="0"/>
+              </a:rPr>
+              <a:t>: ...</a:t>
+            </a:r>
+            <a:endParaRPr lang="en-US" dirty="0">
+              <a:latin typeface="Euclid Circular B" panose="020B0504000000000000" pitchFamily="34" charset="0"/>
+              <a:ea typeface="Euclid Circular B" panose="020B0504000000000000" pitchFamily="34" charset="0"/>
+            </a:endParaRPr>
+          </a:p>
+        </p:txBody>
+      </p:sp>
+    </p:spTree>
+    <p:extLst>
+      <p:ext uri="{BB962C8B-B14F-4D97-AF65-F5344CB8AC3E}">
+        <p14:creationId xmlns:p14="http://schemas.microsoft.com/office/powerpoint/2010/main" val="4272791268"/>
       </p:ext>
     </p:extLst>
   </p:cSld>
@@ -5645,7 +10404,7 @@
           <a:graphicData uri="http://schemas.openxmlformats.org/presentationml/2006/ole">
             <mc:AlternateContent xmlns:mc="http://schemas.openxmlformats.org/markup-compatibility/2006">
               <mc:Choice xmlns:v="urn:schemas-microsoft-com:vml" Requires="v">
-                <p:oleObj spid="_x0000_s2053" name="Bitmap Image" r:id="rId4" imgW="12553920" imgH="8362800" progId="Paint.Picture">
+                <p:oleObj spid="_x0000_s2062" name="Bitmap Image" r:id="rId4" imgW="12553920" imgH="8362800" progId="Paint.Picture">
                   <p:embed/>
                 </p:oleObj>
               </mc:Choice>
@@ -5742,7 +10501,9 @@
         </p:nvSpPr>
         <p:spPr/>
         <p:txBody>
-          <a:bodyPr/>
+          <a:bodyPr>
+            <a:normAutofit/>
+          </a:bodyPr>
           <a:lstStyle/>
           <a:p>
             <a:r>
@@ -5755,6 +10516,32 @@
               </a:rPr>
               <a:t>The ABP FRAMEWORK project</a:t>
             </a:r>
+            <a:br>
+              <a:rPr lang="en-US" b="1" dirty="0">
+                <a:solidFill>
+                  <a:srgbClr val="292D33"/>
+                </a:solidFill>
+                <a:latin typeface="Euclid Circular B" panose="020B0504000000000000" pitchFamily="34" charset="0"/>
+                <a:ea typeface="Euclid Circular B" panose="020B0504000000000000" pitchFamily="34" charset="0"/>
+              </a:rPr>
+            </a:br>
+            <a:r>
+              <a:rPr lang="en-US" sz="3200" i="1" dirty="0">
+                <a:solidFill>
+                  <a:srgbClr val="292D33"/>
+                </a:solidFill>
+                <a:latin typeface="Euclid Circular B" panose="020B0504000000000000" pitchFamily="34" charset="0"/>
+                <a:ea typeface="Euclid Circular B" panose="020B0504000000000000" pitchFamily="34" charset="0"/>
+              </a:rPr>
+              <a:t>https://abp.io  ---  https://github.com/abpframework</a:t>
+            </a:r>
+            <a:endParaRPr lang="en-US" i="1" dirty="0">
+              <a:solidFill>
+                <a:srgbClr val="292D33"/>
+              </a:solidFill>
+              <a:latin typeface="Euclid Circular B" panose="020B0504000000000000" pitchFamily="34" charset="0"/>
+              <a:ea typeface="Euclid Circular B" panose="020B0504000000000000" pitchFamily="34" charset="0"/>
+            </a:endParaRPr>
           </a:p>
         </p:txBody>
       </p:sp>
@@ -5780,8 +10567,8 @@
         </p:blipFill>
         <p:spPr>
           <a:xfrm>
-            <a:off x="838200" y="1507559"/>
-            <a:ext cx="10521114" cy="4567238"/>
+            <a:off x="838200" y="1630473"/>
+            <a:ext cx="10237967" cy="4444323"/>
           </a:xfrm>
           <a:prstGeom prst="rect">
             <a:avLst/>
@@ -5907,14 +10694,20 @@
           <a:p>
             <a:pPr algn="ctr"/>
             <a:r>
-              <a:rPr lang="en-US" sz="2800" dirty="0"/>
+              <a:rPr lang="en-US" sz="2400" dirty="0">
+                <a:latin typeface="Euclid Circular B" panose="020B0504000000000000" pitchFamily="34" charset="0"/>
+                <a:ea typeface="Euclid Circular B" panose="020B0504000000000000" pitchFamily="34" charset="0"/>
+              </a:rPr>
               <a:t>Domain Driven Design</a:t>
             </a:r>
           </a:p>
           <a:p>
             <a:pPr algn="ctr"/>
             <a:r>
-              <a:rPr lang="en-US" sz="2800" dirty="0"/>
+              <a:rPr lang="en-US" sz="2400" dirty="0">
+                <a:latin typeface="Euclid Circular B" panose="020B0504000000000000" pitchFamily="34" charset="0"/>
+                <a:ea typeface="Euclid Circular B" panose="020B0504000000000000" pitchFamily="34" charset="0"/>
+              </a:rPr>
               <a:t>&amp; Layered Solution</a:t>
             </a:r>
           </a:p>
@@ -5961,7 +10754,10 @@
           <a:p>
             <a:pPr algn="ctr"/>
             <a:r>
-              <a:rPr lang="en-US" sz="2800" dirty="0"/>
+              <a:rPr lang="en-US" sz="2400" dirty="0">
+                <a:latin typeface="Euclid Circular B" panose="020B0504000000000000" pitchFamily="34" charset="0"/>
+                <a:ea typeface="Euclid Circular B" panose="020B0504000000000000" pitchFamily="34" charset="0"/>
+              </a:rPr>
               <a:t>Modular</a:t>
             </a:r>
           </a:p>
@@ -6008,17 +10804,29 @@
           <a:p>
             <a:pPr algn="ctr"/>
             <a:r>
-              <a:rPr lang="en-US" sz="2800" dirty="0"/>
+              <a:rPr lang="en-US" sz="2400" dirty="0">
+                <a:latin typeface="Euclid Circular B" panose="020B0504000000000000" pitchFamily="34" charset="0"/>
+                <a:ea typeface="Euclid Circular B" panose="020B0504000000000000" pitchFamily="34" charset="0"/>
+              </a:rPr>
               <a:t>Multi-Tenancy</a:t>
             </a:r>
             <a:br>
-              <a:rPr lang="en-US" sz="2800" dirty="0"/>
+              <a:rPr lang="en-US" sz="2400" dirty="0">
+                <a:latin typeface="Euclid Circular B" panose="020B0504000000000000" pitchFamily="34" charset="0"/>
+                <a:ea typeface="Euclid Circular B" panose="020B0504000000000000" pitchFamily="34" charset="0"/>
+              </a:rPr>
             </a:br>
             <a:r>
-              <a:rPr lang="en-US" dirty="0"/>
+              <a:rPr lang="en-US" sz="1600" dirty="0">
+                <a:latin typeface="Euclid Circular B" panose="020B0504000000000000" pitchFamily="34" charset="0"/>
+                <a:ea typeface="Euclid Circular B" panose="020B0504000000000000" pitchFamily="34" charset="0"/>
+              </a:rPr>
               <a:t>(SaaS infrastructure)</a:t>
             </a:r>
-            <a:endParaRPr lang="en-US" sz="2800" dirty="0"/>
+            <a:endParaRPr lang="en-US" sz="2400" dirty="0">
+              <a:latin typeface="Euclid Circular B" panose="020B0504000000000000" pitchFamily="34" charset="0"/>
+              <a:ea typeface="Euclid Circular B" panose="020B0504000000000000" pitchFamily="34" charset="0"/>
+            </a:endParaRPr>
           </a:p>
         </p:txBody>
       </p:sp>
@@ -6036,7 +10844,7 @@
         </p:nvSpPr>
         <p:spPr>
           <a:xfrm>
-            <a:off x="6087341" y="4022231"/>
+            <a:off x="5976023" y="4022231"/>
             <a:ext cx="3936423" cy="1387968"/>
           </a:xfrm>
           <a:prstGeom prst="rect">
@@ -6076,14 +10884,23 @@
           <a:p>
             <a:pPr algn="ctr"/>
             <a:r>
-              <a:rPr lang="en-US" sz="2800" dirty="0"/>
+              <a:rPr lang="en-US" sz="2400" dirty="0">
+                <a:latin typeface="Euclid Circular B" panose="020B0504000000000000" pitchFamily="34" charset="0"/>
+                <a:ea typeface="Euclid Circular B" panose="020B0504000000000000" pitchFamily="34" charset="0"/>
+              </a:rPr>
               <a:t>Microservice</a:t>
             </a:r>
             <a:br>
-              <a:rPr lang="en-US" sz="2800" dirty="0"/>
+              <a:rPr lang="en-US" sz="2400" dirty="0">
+                <a:latin typeface="Euclid Circular B" panose="020B0504000000000000" pitchFamily="34" charset="0"/>
+                <a:ea typeface="Euclid Circular B" panose="020B0504000000000000" pitchFamily="34" charset="0"/>
+              </a:rPr>
             </a:br>
             <a:r>
-              <a:rPr lang="en-US" sz="2800" dirty="0"/>
+              <a:rPr lang="en-US" sz="2400" dirty="0">
+                <a:latin typeface="Euclid Circular B" panose="020B0504000000000000" pitchFamily="34" charset="0"/>
+                <a:ea typeface="Euclid Circular B" panose="020B0504000000000000" pitchFamily="34" charset="0"/>
+              </a:rPr>
               <a:t>ready</a:t>
             </a:r>
           </a:p>
@@ -6551,6 +11368,567 @@
   <p:clrMapOvr>
     <a:masterClrMapping/>
   </p:clrMapOvr>
+  <p:timing>
+    <p:tnLst>
+      <p:par>
+        <p:cTn id="1" dur="indefinite" restart="never" nodeType="tmRoot">
+          <p:childTnLst>
+            <p:seq concurrent="1" nextAc="seek">
+              <p:cTn id="2" dur="indefinite" nodeType="mainSeq">
+                <p:childTnLst>
+                  <p:par>
+                    <p:cTn id="3" fill="hold">
+                      <p:stCondLst>
+                        <p:cond delay="indefinite"/>
+                      </p:stCondLst>
+                      <p:childTnLst>
+                        <p:par>
+                          <p:cTn id="4" fill="hold">
+                            <p:stCondLst>
+                              <p:cond delay="0"/>
+                            </p:stCondLst>
+                            <p:childTnLst>
+                              <p:par>
+                                <p:cTn id="5" presetID="10" presetClass="entr" presetSubtype="0" fill="hold" nodeType="clickEffect">
+                                  <p:stCondLst>
+                                    <p:cond delay="0"/>
+                                  </p:stCondLst>
+                                  <p:childTnLst>
+                                    <p:set>
+                                      <p:cBhvr>
+                                        <p:cTn id="6" dur="1" fill="hold">
+                                          <p:stCondLst>
+                                            <p:cond delay="0"/>
+                                          </p:stCondLst>
+                                        </p:cTn>
+                                        <p:tgtEl>
+                                          <p:spTgt spid="3">
+                                            <p:txEl>
+                                              <p:pRg st="0" end="0"/>
+                                            </p:txEl>
+                                          </p:spTgt>
+                                        </p:tgtEl>
+                                        <p:attrNameLst>
+                                          <p:attrName>style.visibility</p:attrName>
+                                        </p:attrNameLst>
+                                      </p:cBhvr>
+                                      <p:to>
+                                        <p:strVal val="visible"/>
+                                      </p:to>
+                                    </p:set>
+                                    <p:animEffect transition="in" filter="fade">
+                                      <p:cBhvr>
+                                        <p:cTn id="7" dur="500"/>
+                                        <p:tgtEl>
+                                          <p:spTgt spid="3">
+                                            <p:txEl>
+                                              <p:pRg st="0" end="0"/>
+                                            </p:txEl>
+                                          </p:spTgt>
+                                        </p:tgtEl>
+                                      </p:cBhvr>
+                                    </p:animEffect>
+                                  </p:childTnLst>
+                                </p:cTn>
+                              </p:par>
+                            </p:childTnLst>
+                          </p:cTn>
+                        </p:par>
+                      </p:childTnLst>
+                    </p:cTn>
+                  </p:par>
+                  <p:par>
+                    <p:cTn id="8" fill="hold">
+                      <p:stCondLst>
+                        <p:cond delay="indefinite"/>
+                      </p:stCondLst>
+                      <p:childTnLst>
+                        <p:par>
+                          <p:cTn id="9" fill="hold">
+                            <p:stCondLst>
+                              <p:cond delay="0"/>
+                            </p:stCondLst>
+                            <p:childTnLst>
+                              <p:par>
+                                <p:cTn id="10" presetID="10" presetClass="entr" presetSubtype="0" fill="hold" nodeType="clickEffect">
+                                  <p:stCondLst>
+                                    <p:cond delay="0"/>
+                                  </p:stCondLst>
+                                  <p:childTnLst>
+                                    <p:set>
+                                      <p:cBhvr>
+                                        <p:cTn id="11" dur="1" fill="hold">
+                                          <p:stCondLst>
+                                            <p:cond delay="0"/>
+                                          </p:stCondLst>
+                                        </p:cTn>
+                                        <p:tgtEl>
+                                          <p:spTgt spid="3">
+                                            <p:txEl>
+                                              <p:pRg st="1" end="1"/>
+                                            </p:txEl>
+                                          </p:spTgt>
+                                        </p:tgtEl>
+                                        <p:attrNameLst>
+                                          <p:attrName>style.visibility</p:attrName>
+                                        </p:attrNameLst>
+                                      </p:cBhvr>
+                                      <p:to>
+                                        <p:strVal val="visible"/>
+                                      </p:to>
+                                    </p:set>
+                                    <p:animEffect transition="in" filter="fade">
+                                      <p:cBhvr>
+                                        <p:cTn id="12" dur="500"/>
+                                        <p:tgtEl>
+                                          <p:spTgt spid="3">
+                                            <p:txEl>
+                                              <p:pRg st="1" end="1"/>
+                                            </p:txEl>
+                                          </p:spTgt>
+                                        </p:tgtEl>
+                                      </p:cBhvr>
+                                    </p:animEffect>
+                                  </p:childTnLst>
+                                </p:cTn>
+                              </p:par>
+                            </p:childTnLst>
+                          </p:cTn>
+                        </p:par>
+                      </p:childTnLst>
+                    </p:cTn>
+                  </p:par>
+                  <p:par>
+                    <p:cTn id="13" fill="hold">
+                      <p:stCondLst>
+                        <p:cond delay="indefinite"/>
+                      </p:stCondLst>
+                      <p:childTnLst>
+                        <p:par>
+                          <p:cTn id="14" fill="hold">
+                            <p:stCondLst>
+                              <p:cond delay="0"/>
+                            </p:stCondLst>
+                            <p:childTnLst>
+                              <p:par>
+                                <p:cTn id="15" presetID="10" presetClass="entr" presetSubtype="0" fill="hold" nodeType="clickEffect">
+                                  <p:stCondLst>
+                                    <p:cond delay="0"/>
+                                  </p:stCondLst>
+                                  <p:childTnLst>
+                                    <p:set>
+                                      <p:cBhvr>
+                                        <p:cTn id="16" dur="1" fill="hold">
+                                          <p:stCondLst>
+                                            <p:cond delay="0"/>
+                                          </p:stCondLst>
+                                        </p:cTn>
+                                        <p:tgtEl>
+                                          <p:spTgt spid="3">
+                                            <p:txEl>
+                                              <p:pRg st="2" end="2"/>
+                                            </p:txEl>
+                                          </p:spTgt>
+                                        </p:tgtEl>
+                                        <p:attrNameLst>
+                                          <p:attrName>style.visibility</p:attrName>
+                                        </p:attrNameLst>
+                                      </p:cBhvr>
+                                      <p:to>
+                                        <p:strVal val="visible"/>
+                                      </p:to>
+                                    </p:set>
+                                    <p:animEffect transition="in" filter="fade">
+                                      <p:cBhvr>
+                                        <p:cTn id="17" dur="500"/>
+                                        <p:tgtEl>
+                                          <p:spTgt spid="3">
+                                            <p:txEl>
+                                              <p:pRg st="2" end="2"/>
+                                            </p:txEl>
+                                          </p:spTgt>
+                                        </p:tgtEl>
+                                      </p:cBhvr>
+                                    </p:animEffect>
+                                  </p:childTnLst>
+                                </p:cTn>
+                              </p:par>
+                            </p:childTnLst>
+                          </p:cTn>
+                        </p:par>
+                      </p:childTnLst>
+                    </p:cTn>
+                  </p:par>
+                  <p:par>
+                    <p:cTn id="18" fill="hold">
+                      <p:stCondLst>
+                        <p:cond delay="indefinite"/>
+                      </p:stCondLst>
+                      <p:childTnLst>
+                        <p:par>
+                          <p:cTn id="19" fill="hold">
+                            <p:stCondLst>
+                              <p:cond delay="0"/>
+                            </p:stCondLst>
+                            <p:childTnLst>
+                              <p:par>
+                                <p:cTn id="20" presetID="10" presetClass="entr" presetSubtype="0" fill="hold" nodeType="clickEffect">
+                                  <p:stCondLst>
+                                    <p:cond delay="0"/>
+                                  </p:stCondLst>
+                                  <p:childTnLst>
+                                    <p:set>
+                                      <p:cBhvr>
+                                        <p:cTn id="21" dur="1" fill="hold">
+                                          <p:stCondLst>
+                                            <p:cond delay="0"/>
+                                          </p:stCondLst>
+                                        </p:cTn>
+                                        <p:tgtEl>
+                                          <p:spTgt spid="3">
+                                            <p:txEl>
+                                              <p:pRg st="3" end="3"/>
+                                            </p:txEl>
+                                          </p:spTgt>
+                                        </p:tgtEl>
+                                        <p:attrNameLst>
+                                          <p:attrName>style.visibility</p:attrName>
+                                        </p:attrNameLst>
+                                      </p:cBhvr>
+                                      <p:to>
+                                        <p:strVal val="visible"/>
+                                      </p:to>
+                                    </p:set>
+                                    <p:animEffect transition="in" filter="fade">
+                                      <p:cBhvr>
+                                        <p:cTn id="22" dur="500"/>
+                                        <p:tgtEl>
+                                          <p:spTgt spid="3">
+                                            <p:txEl>
+                                              <p:pRg st="3" end="3"/>
+                                            </p:txEl>
+                                          </p:spTgt>
+                                        </p:tgtEl>
+                                      </p:cBhvr>
+                                    </p:animEffect>
+                                  </p:childTnLst>
+                                </p:cTn>
+                              </p:par>
+                            </p:childTnLst>
+                          </p:cTn>
+                        </p:par>
+                      </p:childTnLst>
+                    </p:cTn>
+                  </p:par>
+                  <p:par>
+                    <p:cTn id="23" fill="hold">
+                      <p:stCondLst>
+                        <p:cond delay="indefinite"/>
+                      </p:stCondLst>
+                      <p:childTnLst>
+                        <p:par>
+                          <p:cTn id="24" fill="hold">
+                            <p:stCondLst>
+                              <p:cond delay="0"/>
+                            </p:stCondLst>
+                            <p:childTnLst>
+                              <p:par>
+                                <p:cTn id="25" presetID="10" presetClass="entr" presetSubtype="0" fill="hold" nodeType="clickEffect">
+                                  <p:stCondLst>
+                                    <p:cond delay="0"/>
+                                  </p:stCondLst>
+                                  <p:childTnLst>
+                                    <p:set>
+                                      <p:cBhvr>
+                                        <p:cTn id="26" dur="1" fill="hold">
+                                          <p:stCondLst>
+                                            <p:cond delay="0"/>
+                                          </p:stCondLst>
+                                        </p:cTn>
+                                        <p:tgtEl>
+                                          <p:spTgt spid="3">
+                                            <p:txEl>
+                                              <p:pRg st="4" end="4"/>
+                                            </p:txEl>
+                                          </p:spTgt>
+                                        </p:tgtEl>
+                                        <p:attrNameLst>
+                                          <p:attrName>style.visibility</p:attrName>
+                                        </p:attrNameLst>
+                                      </p:cBhvr>
+                                      <p:to>
+                                        <p:strVal val="visible"/>
+                                      </p:to>
+                                    </p:set>
+                                    <p:animEffect transition="in" filter="fade">
+                                      <p:cBhvr>
+                                        <p:cTn id="27" dur="500"/>
+                                        <p:tgtEl>
+                                          <p:spTgt spid="3">
+                                            <p:txEl>
+                                              <p:pRg st="4" end="4"/>
+                                            </p:txEl>
+                                          </p:spTgt>
+                                        </p:tgtEl>
+                                      </p:cBhvr>
+                                    </p:animEffect>
+                                  </p:childTnLst>
+                                </p:cTn>
+                              </p:par>
+                            </p:childTnLst>
+                          </p:cTn>
+                        </p:par>
+                      </p:childTnLst>
+                    </p:cTn>
+                  </p:par>
+                  <p:par>
+                    <p:cTn id="28" fill="hold">
+                      <p:stCondLst>
+                        <p:cond delay="indefinite"/>
+                      </p:stCondLst>
+                      <p:childTnLst>
+                        <p:par>
+                          <p:cTn id="29" fill="hold">
+                            <p:stCondLst>
+                              <p:cond delay="0"/>
+                            </p:stCondLst>
+                            <p:childTnLst>
+                              <p:par>
+                                <p:cTn id="30" presetID="10" presetClass="entr" presetSubtype="0" fill="hold" nodeType="clickEffect">
+                                  <p:stCondLst>
+                                    <p:cond delay="0"/>
+                                  </p:stCondLst>
+                                  <p:childTnLst>
+                                    <p:set>
+                                      <p:cBhvr>
+                                        <p:cTn id="31" dur="1" fill="hold">
+                                          <p:stCondLst>
+                                            <p:cond delay="0"/>
+                                          </p:stCondLst>
+                                        </p:cTn>
+                                        <p:tgtEl>
+                                          <p:spTgt spid="3">
+                                            <p:txEl>
+                                              <p:pRg st="5" end="5"/>
+                                            </p:txEl>
+                                          </p:spTgt>
+                                        </p:tgtEl>
+                                        <p:attrNameLst>
+                                          <p:attrName>style.visibility</p:attrName>
+                                        </p:attrNameLst>
+                                      </p:cBhvr>
+                                      <p:to>
+                                        <p:strVal val="visible"/>
+                                      </p:to>
+                                    </p:set>
+                                    <p:animEffect transition="in" filter="fade">
+                                      <p:cBhvr>
+                                        <p:cTn id="32" dur="500"/>
+                                        <p:tgtEl>
+                                          <p:spTgt spid="3">
+                                            <p:txEl>
+                                              <p:pRg st="5" end="5"/>
+                                            </p:txEl>
+                                          </p:spTgt>
+                                        </p:tgtEl>
+                                      </p:cBhvr>
+                                    </p:animEffect>
+                                  </p:childTnLst>
+                                </p:cTn>
+                              </p:par>
+                            </p:childTnLst>
+                          </p:cTn>
+                        </p:par>
+                      </p:childTnLst>
+                    </p:cTn>
+                  </p:par>
+                  <p:par>
+                    <p:cTn id="33" fill="hold">
+                      <p:stCondLst>
+                        <p:cond delay="indefinite"/>
+                      </p:stCondLst>
+                      <p:childTnLst>
+                        <p:par>
+                          <p:cTn id="34" fill="hold">
+                            <p:stCondLst>
+                              <p:cond delay="0"/>
+                            </p:stCondLst>
+                            <p:childTnLst>
+                              <p:par>
+                                <p:cTn id="35" presetID="10" presetClass="entr" presetSubtype="0" fill="hold" nodeType="clickEffect">
+                                  <p:stCondLst>
+                                    <p:cond delay="0"/>
+                                  </p:stCondLst>
+                                  <p:childTnLst>
+                                    <p:set>
+                                      <p:cBhvr>
+                                        <p:cTn id="36" dur="1" fill="hold">
+                                          <p:stCondLst>
+                                            <p:cond delay="0"/>
+                                          </p:stCondLst>
+                                        </p:cTn>
+                                        <p:tgtEl>
+                                          <p:spTgt spid="3">
+                                            <p:txEl>
+                                              <p:pRg st="6" end="6"/>
+                                            </p:txEl>
+                                          </p:spTgt>
+                                        </p:tgtEl>
+                                        <p:attrNameLst>
+                                          <p:attrName>style.visibility</p:attrName>
+                                        </p:attrNameLst>
+                                      </p:cBhvr>
+                                      <p:to>
+                                        <p:strVal val="visible"/>
+                                      </p:to>
+                                    </p:set>
+                                    <p:animEffect transition="in" filter="fade">
+                                      <p:cBhvr>
+                                        <p:cTn id="37" dur="500"/>
+                                        <p:tgtEl>
+                                          <p:spTgt spid="3">
+                                            <p:txEl>
+                                              <p:pRg st="6" end="6"/>
+                                            </p:txEl>
+                                          </p:spTgt>
+                                        </p:tgtEl>
+                                      </p:cBhvr>
+                                    </p:animEffect>
+                                  </p:childTnLst>
+                                </p:cTn>
+                              </p:par>
+                            </p:childTnLst>
+                          </p:cTn>
+                        </p:par>
+                      </p:childTnLst>
+                    </p:cTn>
+                  </p:par>
+                  <p:par>
+                    <p:cTn id="38" fill="hold">
+                      <p:stCondLst>
+                        <p:cond delay="indefinite"/>
+                      </p:stCondLst>
+                      <p:childTnLst>
+                        <p:par>
+                          <p:cTn id="39" fill="hold">
+                            <p:stCondLst>
+                              <p:cond delay="0"/>
+                            </p:stCondLst>
+                            <p:childTnLst>
+                              <p:par>
+                                <p:cTn id="40" presetID="10" presetClass="entr" presetSubtype="0" fill="hold" nodeType="clickEffect">
+                                  <p:stCondLst>
+                                    <p:cond delay="0"/>
+                                  </p:stCondLst>
+                                  <p:childTnLst>
+                                    <p:set>
+                                      <p:cBhvr>
+                                        <p:cTn id="41" dur="1" fill="hold">
+                                          <p:stCondLst>
+                                            <p:cond delay="0"/>
+                                          </p:stCondLst>
+                                        </p:cTn>
+                                        <p:tgtEl>
+                                          <p:spTgt spid="3">
+                                            <p:txEl>
+                                              <p:pRg st="7" end="7"/>
+                                            </p:txEl>
+                                          </p:spTgt>
+                                        </p:tgtEl>
+                                        <p:attrNameLst>
+                                          <p:attrName>style.visibility</p:attrName>
+                                        </p:attrNameLst>
+                                      </p:cBhvr>
+                                      <p:to>
+                                        <p:strVal val="visible"/>
+                                      </p:to>
+                                    </p:set>
+                                    <p:animEffect transition="in" filter="fade">
+                                      <p:cBhvr>
+                                        <p:cTn id="42" dur="500"/>
+                                        <p:tgtEl>
+                                          <p:spTgt spid="3">
+                                            <p:txEl>
+                                              <p:pRg st="7" end="7"/>
+                                            </p:txEl>
+                                          </p:spTgt>
+                                        </p:tgtEl>
+                                      </p:cBhvr>
+                                    </p:animEffect>
+                                  </p:childTnLst>
+                                </p:cTn>
+                              </p:par>
+                              <p:par>
+                                <p:cTn id="43" presetID="10" presetClass="entr" presetSubtype="0" fill="hold" nodeType="withEffect">
+                                  <p:stCondLst>
+                                    <p:cond delay="0"/>
+                                  </p:stCondLst>
+                                  <p:childTnLst>
+                                    <p:set>
+                                      <p:cBhvr>
+                                        <p:cTn id="44" dur="1" fill="hold">
+                                          <p:stCondLst>
+                                            <p:cond delay="0"/>
+                                          </p:stCondLst>
+                                        </p:cTn>
+                                        <p:tgtEl>
+                                          <p:spTgt spid="3">
+                                            <p:txEl>
+                                              <p:pRg st="8" end="8"/>
+                                            </p:txEl>
+                                          </p:spTgt>
+                                        </p:tgtEl>
+                                        <p:attrNameLst>
+                                          <p:attrName>style.visibility</p:attrName>
+                                        </p:attrNameLst>
+                                      </p:cBhvr>
+                                      <p:to>
+                                        <p:strVal val="visible"/>
+                                      </p:to>
+                                    </p:set>
+                                    <p:animEffect transition="in" filter="fade">
+                                      <p:cBhvr>
+                                        <p:cTn id="45" dur="500"/>
+                                        <p:tgtEl>
+                                          <p:spTgt spid="3">
+                                            <p:txEl>
+                                              <p:pRg st="8" end="8"/>
+                                            </p:txEl>
+                                          </p:spTgt>
+                                        </p:tgtEl>
+                                      </p:cBhvr>
+                                    </p:animEffect>
+                                  </p:childTnLst>
+                                </p:cTn>
+                              </p:par>
+                            </p:childTnLst>
+                          </p:cTn>
+                        </p:par>
+                      </p:childTnLst>
+                    </p:cTn>
+                  </p:par>
+                </p:childTnLst>
+              </p:cTn>
+              <p:prevCondLst>
+                <p:cond evt="onPrev" delay="0">
+                  <p:tgtEl>
+                    <p:sldTgt/>
+                  </p:tgtEl>
+                </p:cond>
+              </p:prevCondLst>
+              <p:nextCondLst>
+                <p:cond evt="onNext" delay="0">
+                  <p:tgtEl>
+                    <p:sldTgt/>
+                  </p:tgtEl>
+                </p:cond>
+              </p:nextCondLst>
+            </p:seq>
+          </p:childTnLst>
+        </p:cTn>
+      </p:par>
+    </p:tnLst>
+  </p:timing>
 </p:sld>
 </file>
 
@@ -6647,7 +12025,7 @@
           <a:graphicData uri="http://schemas.openxmlformats.org/presentationml/2006/ole">
             <mc:AlternateContent xmlns:mc="http://schemas.openxmlformats.org/markup-compatibility/2006">
               <mc:Choice xmlns:v="urn:schemas-microsoft-com:vml" Requires="v">
-                <p:oleObj spid="_x0000_s3075" name="Bitmap Image" r:id="rId4" imgW="17059320" imgH="5762520" progId="Paint.Picture">
+                <p:oleObj spid="_x0000_s3084" name="Bitmap Image" r:id="rId4" imgW="17059320" imgH="5762520" progId="Paint.Picture">
                   <p:embed/>
                 </p:oleObj>
               </mc:Choice>
